--- a/Team 3.pptx
+++ b/Team 3.pptx
@@ -5,25 +5,31 @@
     <p:sldMasterId id="2147483660" r:id="rId4"/>
   </p:sldMasterIdLst>
   <p:notesMasterIdLst>
-    <p:notesMasterId r:id="rId21"/>
+    <p:notesMasterId r:id="rId27"/>
   </p:notesMasterIdLst>
   <p:sldIdLst>
     <p:sldId id="274" r:id="rId5"/>
     <p:sldId id="307" r:id="rId6"/>
     <p:sldId id="321" r:id="rId7"/>
     <p:sldId id="308" r:id="rId8"/>
-    <p:sldId id="310" r:id="rId9"/>
-    <p:sldId id="322" r:id="rId10"/>
-    <p:sldId id="311" r:id="rId11"/>
-    <p:sldId id="312" r:id="rId12"/>
-    <p:sldId id="313" r:id="rId13"/>
-    <p:sldId id="319" r:id="rId14"/>
-    <p:sldId id="316" r:id="rId15"/>
-    <p:sldId id="324" r:id="rId16"/>
-    <p:sldId id="325" r:id="rId17"/>
-    <p:sldId id="317" r:id="rId18"/>
-    <p:sldId id="318" r:id="rId19"/>
-    <p:sldId id="323" r:id="rId20"/>
+    <p:sldId id="327" r:id="rId9"/>
+    <p:sldId id="329" r:id="rId10"/>
+    <p:sldId id="328" r:id="rId11"/>
+    <p:sldId id="322" r:id="rId12"/>
+    <p:sldId id="326" r:id="rId13"/>
+    <p:sldId id="331" r:id="rId14"/>
+    <p:sldId id="311" r:id="rId15"/>
+    <p:sldId id="312" r:id="rId16"/>
+    <p:sldId id="313" r:id="rId17"/>
+    <p:sldId id="336" r:id="rId18"/>
+    <p:sldId id="319" r:id="rId19"/>
+    <p:sldId id="330" r:id="rId20"/>
+    <p:sldId id="316" r:id="rId21"/>
+    <p:sldId id="325" r:id="rId22"/>
+    <p:sldId id="317" r:id="rId23"/>
+    <p:sldId id="318" r:id="rId24"/>
+    <p:sldId id="333" r:id="rId25"/>
+    <p:sldId id="334" r:id="rId26"/>
   </p:sldIdLst>
   <p:sldSz cx="12192000" cy="6858000"/>
   <p:notesSz cx="6858000" cy="9144000"/>
@@ -2992,7 +2998,7 @@
           <a:p>
             <a:fld id="{078DDDEA-63BC-40A0-8BC0-D6413F38691F}" type="datetimeFigureOut">
               <a:rPr lang="en-US" smtClean="0"/>
-              <a:t>7/11/2022</a:t>
+              <a:t>7/12/2022</a:t>
             </a:fld>
             <a:endParaRPr lang="en-US" dirty="0"/>
           </a:p>
@@ -3641,7 +3647,7 @@
           <a:p>
             <a:fld id="{ED291B17-9318-49DB-B28B-6E5994AE9581}" type="datetime1">
               <a:rPr lang="en-US" smtClean="0"/>
-              <a:t>7/11/2022</a:t>
+              <a:t>7/12/2022</a:t>
             </a:fld>
             <a:endParaRPr lang="en-US" dirty="0"/>
           </a:p>
@@ -3839,7 +3845,7 @@
           <a:p>
             <a:fld id="{78DD82B9-B8EE-4375-B6FF-88FA6ABB15D9}" type="datetime1">
               <a:rPr lang="en-US" smtClean="0"/>
-              <a:t>7/11/2022</a:t>
+              <a:t>7/12/2022</a:t>
             </a:fld>
             <a:endParaRPr lang="en-US" dirty="0"/>
           </a:p>
@@ -4151,7 +4157,7 @@
           <a:p>
             <a:fld id="{B2497495-0637-405E-AE64-5CC7506D51F5}" type="datetime1">
               <a:rPr lang="en-US" smtClean="0"/>
-              <a:t>7/11/2022</a:t>
+              <a:t>7/12/2022</a:t>
             </a:fld>
             <a:endParaRPr lang="en-US" dirty="0"/>
           </a:p>
@@ -4404,7 +4410,7 @@
           <a:p>
             <a:fld id="{7BFFD690-9426-415D-8B65-26881E07B2D4}" type="datetime1">
               <a:rPr lang="en-US" smtClean="0"/>
-              <a:t>7/11/2022</a:t>
+              <a:t>7/12/2022</a:t>
             </a:fld>
             <a:endParaRPr lang="en-US" dirty="0"/>
           </a:p>
@@ -4826,7 +4832,7 @@
           <a:p>
             <a:fld id="{04C4989A-474C-40DE-95B9-011C28B71673}" type="datetime1">
               <a:rPr lang="en-US" smtClean="0"/>
-              <a:t>7/11/2022</a:t>
+              <a:t>7/12/2022</a:t>
             </a:fld>
             <a:endParaRPr lang="en-US" dirty="0"/>
           </a:p>
@@ -4949,7 +4955,7 @@
           <a:p>
             <a:fld id="{5DB4ED54-5B5E-4A04-93D3-5772E3CE3818}" type="datetime1">
               <a:rPr lang="en-US" smtClean="0"/>
-              <a:t>7/11/2022</a:t>
+              <a:t>7/12/2022</a:t>
             </a:fld>
             <a:endParaRPr lang="en-US" dirty="0"/>
           </a:p>
@@ -5044,7 +5050,7 @@
           <a:p>
             <a:fld id="{4EDE50D6-574B-40AF-946F-D52A04ADE379}" type="datetime1">
               <a:rPr lang="en-US" smtClean="0"/>
-              <a:t>7/11/2022</a:t>
+              <a:t>7/12/2022</a:t>
             </a:fld>
             <a:endParaRPr lang="en-US" dirty="0"/>
           </a:p>
@@ -5421,7 +5427,7 @@
           <a:p>
             <a:fld id="{D82884F1-FFEA-405F-9602-3DCA865EDA4E}" type="datetime1">
               <a:rPr lang="en-US" smtClean="0"/>
-              <a:t>7/11/2022</a:t>
+              <a:t>7/12/2022</a:t>
             </a:fld>
             <a:endParaRPr lang="en-US" dirty="0"/>
           </a:p>
@@ -5714,7 +5720,7 @@
           <a:p>
             <a:fld id="{7E18DB4A-8810-4A10-AD5C-D5E2C667F5B3}" type="datetime1">
               <a:rPr lang="en-US" smtClean="0"/>
-              <a:t>7/11/2022</a:t>
+              <a:t>7/12/2022</a:t>
             </a:fld>
             <a:endParaRPr lang="en-US" dirty="0"/>
           </a:p>
@@ -5934,7 +5940,7 @@
           <a:p>
             <a:fld id="{ED291B17-9318-49DB-B28B-6E5994AE9581}" type="datetime1">
               <a:rPr lang="en-US" smtClean="0"/>
-              <a:t>7/11/2022</a:t>
+              <a:t>7/12/2022</a:t>
             </a:fld>
             <a:endParaRPr lang="en-US" dirty="0"/>
           </a:p>
@@ -6916,6 +6922,7 @@
                 <a:solidFill>
                   <a:srgbClr val="FFFFFF"/>
                 </a:solidFill>
+                <a:cs typeface="Arial" panose="020B0604020202020204" pitchFamily="34" charset="0"/>
               </a:rPr>
               <a:t>Team 3: HARRY &amp; HENDERSONS </a:t>
             </a:r>
@@ -7195,6 +7202,196 @@
       </p:grpSpPr>
       <p:sp>
         <p:nvSpPr>
+          <p:cNvPr id="5" name="Content Placeholder 2">
+            <a:extLst>
+              <a:ext uri="{FF2B5EF4-FFF2-40B4-BE49-F238E27FC236}">
+                <a16:creationId xmlns:a16="http://schemas.microsoft.com/office/drawing/2014/main" id="{96FD98E0-D733-0F1E-3A8C-2457CEF473D7}"/>
+              </a:ext>
+            </a:extLst>
+          </p:cNvPr>
+          <p:cNvSpPr>
+            <a:spLocks noGrp="1"/>
+          </p:cNvSpPr>
+          <p:nvPr>
+            <p:ph idx="1"/>
+          </p:nvPr>
+        </p:nvSpPr>
+        <p:spPr>
+          <a:xfrm>
+            <a:off x="581192" y="1248230"/>
+            <a:ext cx="11029615" cy="5609770"/>
+          </a:xfrm>
+        </p:spPr>
+        <p:txBody>
+          <a:bodyPr>
+            <a:noAutofit/>
+          </a:bodyPr>
+          <a:lstStyle/>
+          <a:p>
+            <a:pPr marL="742950" lvl="1" indent="-285750" algn="l">
+              <a:buFont typeface="Arial" panose="020B0604020202020204" pitchFamily="34" charset="0"/>
+              <a:buChar char="•"/>
+            </a:pPr>
+            <a:r>
+              <a:rPr lang="en-US" sz="1800" dirty="0">
+                <a:solidFill>
+                  <a:srgbClr val="24292F"/>
+                </a:solidFill>
+                <a:latin typeface="Arial" panose="020B0604020202020204" pitchFamily="34" charset="0"/>
+                <a:cs typeface="Arial" panose="020B0604020202020204" pitchFamily="34" charset="0"/>
+              </a:rPr>
+              <a:t>Legend shows type of class:</a:t>
+            </a:r>
+            <a:endParaRPr lang="en-US" sz="1800" b="0" i="0" dirty="0">
+              <a:solidFill>
+                <a:srgbClr val="24292F"/>
+              </a:solidFill>
+              <a:effectLst/>
+              <a:latin typeface="Arial" panose="020B0604020202020204" pitchFamily="34" charset="0"/>
+              <a:cs typeface="Arial" panose="020B0604020202020204" pitchFamily="34" charset="0"/>
+            </a:endParaRPr>
+          </a:p>
+          <a:p>
+            <a:pPr marL="1012950" lvl="2" indent="-285750">
+              <a:buFont typeface="Arial" panose="020B0604020202020204" pitchFamily="34" charset="0"/>
+              <a:buChar char="•"/>
+            </a:pPr>
+            <a:r>
+              <a:rPr lang="en-US" sz="1700" b="0" i="0" dirty="0">
+                <a:solidFill>
+                  <a:srgbClr val="24292F"/>
+                </a:solidFill>
+                <a:effectLst/>
+                <a:latin typeface="Arial" panose="020B0604020202020204" pitchFamily="34" charset="0"/>
+                <a:cs typeface="Arial" panose="020B0604020202020204" pitchFamily="34" charset="0"/>
+              </a:rPr>
+              <a:t>Class A: reports involve clear sightings in circumstances where misinterpretation or misidentification of other animals can be ruled out with greater confidence. </a:t>
+            </a:r>
+          </a:p>
+          <a:p>
+            <a:pPr marL="1012950" lvl="2" indent="-285750">
+              <a:buFont typeface="Arial" panose="020B0604020202020204" pitchFamily="34" charset="0"/>
+              <a:buChar char="•"/>
+            </a:pPr>
+            <a:r>
+              <a:rPr lang="en-US" sz="1700" dirty="0">
+                <a:solidFill>
+                  <a:srgbClr val="24292F"/>
+                </a:solidFill>
+                <a:latin typeface="Arial" panose="020B0604020202020204" pitchFamily="34" charset="0"/>
+                <a:cs typeface="Arial" panose="020B0604020202020204" pitchFamily="34" charset="0"/>
+              </a:rPr>
+              <a:t>Class B: incidents where a possible sasquatch was observed at a great distance or in poor lighting conditions and incidents in any other circumstance that did not afford a clear view of the subject.</a:t>
+            </a:r>
+          </a:p>
+          <a:p>
+            <a:pPr marL="1012950" lvl="2" indent="-285750">
+              <a:buFont typeface="Arial" panose="020B0604020202020204" pitchFamily="34" charset="0"/>
+              <a:buChar char="•"/>
+            </a:pPr>
+            <a:r>
+              <a:rPr lang="en-US" sz="1700" b="0" i="0" dirty="0">
+                <a:solidFill>
+                  <a:srgbClr val="24292F"/>
+                </a:solidFill>
+                <a:effectLst/>
+                <a:latin typeface="Arial" panose="020B0604020202020204" pitchFamily="34" charset="0"/>
+                <a:cs typeface="Arial" panose="020B0604020202020204" pitchFamily="34" charset="0"/>
+              </a:rPr>
+              <a:t>Class C</a:t>
+            </a:r>
+            <a:r>
+              <a:rPr lang="en-US" sz="1700" dirty="0">
+                <a:solidFill>
+                  <a:srgbClr val="24292F"/>
+                </a:solidFill>
+                <a:latin typeface="Arial" panose="020B0604020202020204" pitchFamily="34" charset="0"/>
+                <a:cs typeface="Arial" panose="020B0604020202020204" pitchFamily="34" charset="0"/>
+              </a:rPr>
+              <a:t>: most second-hand reports, or any third-hand reports, or stories with an untraceable sources. </a:t>
+            </a:r>
+            <a:br>
+              <a:rPr lang="en-US" sz="1700" b="0" i="0" dirty="0">
+                <a:solidFill>
+                  <a:srgbClr val="24292F"/>
+                </a:solidFill>
+                <a:effectLst/>
+                <a:latin typeface="Arial" panose="020B0604020202020204" pitchFamily="34" charset="0"/>
+                <a:cs typeface="Arial" panose="020B0604020202020204" pitchFamily="34" charset="0"/>
+              </a:rPr>
+            </a:br>
+            <a:endParaRPr lang="en-US" sz="1700" b="0" i="0" dirty="0">
+              <a:solidFill>
+                <a:srgbClr val="24292F"/>
+              </a:solidFill>
+              <a:effectLst/>
+              <a:latin typeface="Arial" panose="020B0604020202020204" pitchFamily="34" charset="0"/>
+              <a:cs typeface="Arial" panose="020B0604020202020204" pitchFamily="34" charset="0"/>
+            </a:endParaRPr>
+          </a:p>
+          <a:p>
+            <a:pPr marL="742950" lvl="1" indent="-285750" algn="l">
+              <a:buFont typeface="Arial" panose="020B0604020202020204" pitchFamily="34" charset="0"/>
+              <a:buChar char="•"/>
+            </a:pPr>
+            <a:endParaRPr lang="en-US" sz="1800" b="0" i="0" dirty="0">
+              <a:solidFill>
+                <a:srgbClr val="24292F"/>
+              </a:solidFill>
+              <a:effectLst/>
+              <a:latin typeface="Arial" panose="020B0604020202020204" pitchFamily="34" charset="0"/>
+              <a:cs typeface="Arial" panose="020B0604020202020204" pitchFamily="34" charset="0"/>
+            </a:endParaRPr>
+          </a:p>
+          <a:p>
+            <a:pPr marL="0" indent="0">
+              <a:buNone/>
+            </a:pPr>
+            <a:br>
+              <a:rPr lang="en-US" sz="1800" dirty="0">
+                <a:latin typeface="Arial" panose="020B0604020202020204" pitchFamily="34" charset="0"/>
+                <a:cs typeface="Arial" panose="020B0604020202020204" pitchFamily="34" charset="0"/>
+              </a:rPr>
+            </a:br>
+            <a:endParaRPr lang="en-US" sz="1800" dirty="0">
+              <a:latin typeface="Arial" panose="020B0604020202020204" pitchFamily="34" charset="0"/>
+              <a:cs typeface="Arial" panose="020B0604020202020204" pitchFamily="34" charset="0"/>
+            </a:endParaRPr>
+          </a:p>
+        </p:txBody>
+      </p:sp>
+    </p:spTree>
+    <p:extLst>
+      <p:ext uri="{BB962C8B-B14F-4D97-AF65-F5344CB8AC3E}">
+        <p14:creationId xmlns:p14="http://schemas.microsoft.com/office/powerpoint/2010/main" val="84340285"/>
+      </p:ext>
+    </p:extLst>
+  </p:cSld>
+  <p:clrMapOvr>
+    <a:masterClrMapping/>
+  </p:clrMapOvr>
+</p:sld>
+</file>
+
+<file path=ppt/slides/slide11.xml><?xml version="1.0" encoding="utf-8"?>
+<p:sld xmlns:a="http://schemas.openxmlformats.org/drawingml/2006/main" xmlns:r="http://schemas.openxmlformats.org/officeDocument/2006/relationships" xmlns:p="http://schemas.openxmlformats.org/presentationml/2006/main">
+  <p:cSld>
+    <p:spTree>
+      <p:nvGrpSpPr>
+        <p:cNvPr id="1" name=""/>
+        <p:cNvGrpSpPr/>
+        <p:nvPr/>
+      </p:nvGrpSpPr>
+      <p:grpSpPr>
+        <a:xfrm>
+          <a:off x="0" y="0"/>
+          <a:ext cx="0" cy="0"/>
+          <a:chOff x="0" y="0"/>
+          <a:chExt cx="0" cy="0"/>
+        </a:xfrm>
+      </p:grpSpPr>
+      <p:sp>
+        <p:nvSpPr>
           <p:cNvPr id="2" name="Title 1">
             <a:extLst>
               <a:ext uri="{FF2B5EF4-FFF2-40B4-BE49-F238E27FC236}">
@@ -7229,10 +7426,10 @@
       </p:sp>
       <p:pic>
         <p:nvPicPr>
-          <p:cNvPr id="7" name="Content Placeholder 6" descr="Graphical user interface, text, application&#10;&#10;Description automatically generated">
+          <p:cNvPr id="9" name="Content Placeholder 8" descr="Graphical user interface, map&#10;&#10;Description automatically generated">
             <a:extLst>
               <a:ext uri="{FF2B5EF4-FFF2-40B4-BE49-F238E27FC236}">
-                <a16:creationId xmlns:a16="http://schemas.microsoft.com/office/drawing/2014/main" id="{B0349DF5-E2B5-2E69-A30E-D056CDED9578}"/>
+                <a16:creationId xmlns:a16="http://schemas.microsoft.com/office/drawing/2014/main" id="{5796E2B1-899A-93CC-9FD2-F6469A239D1A}"/>
               </a:ext>
             </a:extLst>
           </p:cNvPr>
@@ -7251,8 +7448,381 @@
         </p:blipFill>
         <p:spPr>
           <a:xfrm>
-            <a:off x="1190625" y="1890876"/>
-            <a:ext cx="9810750" cy="4714567"/>
+            <a:off x="670092" y="1890876"/>
+            <a:ext cx="9979530" cy="4795674"/>
+          </a:xfrm>
+        </p:spPr>
+      </p:pic>
+    </p:spTree>
+    <p:extLst>
+      <p:ext uri="{BB962C8B-B14F-4D97-AF65-F5344CB8AC3E}">
+        <p14:creationId xmlns:p14="http://schemas.microsoft.com/office/powerpoint/2010/main" val="3504673667"/>
+      </p:ext>
+    </p:extLst>
+  </p:cSld>
+  <p:clrMapOvr>
+    <a:masterClrMapping/>
+  </p:clrMapOvr>
+</p:sld>
+</file>
+
+<file path=ppt/slides/slide12.xml><?xml version="1.0" encoding="utf-8"?>
+<p:sld xmlns:a="http://schemas.openxmlformats.org/drawingml/2006/main" xmlns:r="http://schemas.openxmlformats.org/officeDocument/2006/relationships" xmlns:p="http://schemas.openxmlformats.org/presentationml/2006/main">
+  <p:cSld>
+    <p:spTree>
+      <p:nvGrpSpPr>
+        <p:cNvPr id="1" name=""/>
+        <p:cNvGrpSpPr/>
+        <p:nvPr/>
+      </p:nvGrpSpPr>
+      <p:grpSpPr>
+        <a:xfrm>
+          <a:off x="0" y="0"/>
+          <a:ext cx="0" cy="0"/>
+          <a:chOff x="0" y="0"/>
+          <a:chExt cx="0" cy="0"/>
+        </a:xfrm>
+      </p:grpSpPr>
+      <p:sp>
+        <p:nvSpPr>
+          <p:cNvPr id="2" name="Title 1">
+            <a:extLst>
+              <a:ext uri="{FF2B5EF4-FFF2-40B4-BE49-F238E27FC236}">
+                <a16:creationId xmlns:a16="http://schemas.microsoft.com/office/drawing/2014/main" id="{8F6CDC37-5A7F-2E1B-38A9-76422E3BE1F3}"/>
+              </a:ext>
+            </a:extLst>
+          </p:cNvPr>
+          <p:cNvSpPr>
+            <a:spLocks noGrp="1"/>
+          </p:cNvSpPr>
+          <p:nvPr>
+            <p:ph type="title"/>
+          </p:nvPr>
+        </p:nvSpPr>
+        <p:spPr/>
+        <p:txBody>
+          <a:bodyPr/>
+          <a:lstStyle/>
+          <a:p>
+            <a:pPr lvl="0">
+              <a:lnSpc>
+                <a:spcPct val="100000"/>
+              </a:lnSpc>
+              <a:defRPr cap="all"/>
+            </a:pPr>
+            <a:r>
+              <a:rPr lang="en-US"/>
+              <a:t>Data Analysis and Visualizations</a:t>
+            </a:r>
+            <a:endParaRPr lang="en-US" dirty="0"/>
+          </a:p>
+        </p:txBody>
+      </p:sp>
+      <p:pic>
+        <p:nvPicPr>
+          <p:cNvPr id="5" name="Content Placeholder 4" descr="Map&#10;&#10;Description automatically generated">
+            <a:extLst>
+              <a:ext uri="{FF2B5EF4-FFF2-40B4-BE49-F238E27FC236}">
+                <a16:creationId xmlns:a16="http://schemas.microsoft.com/office/drawing/2014/main" id="{D3691A30-16F4-BE2C-A7D5-2ACFBD09A185}"/>
+              </a:ext>
+            </a:extLst>
+          </p:cNvPr>
+          <p:cNvPicPr>
+            <a:picLocks noGrp="1" noChangeAspect="1"/>
+          </p:cNvPicPr>
+          <p:nvPr>
+            <p:ph idx="1"/>
+          </p:nvPr>
+        </p:nvPicPr>
+        <p:blipFill>
+          <a:blip r:embed="rId2"/>
+          <a:stretch>
+            <a:fillRect/>
+          </a:stretch>
+        </p:blipFill>
+        <p:spPr>
+          <a:xfrm>
+            <a:off x="677946" y="1890876"/>
+            <a:ext cx="10201108" cy="4902153"/>
+          </a:xfrm>
+        </p:spPr>
+      </p:pic>
+    </p:spTree>
+    <p:extLst>
+      <p:ext uri="{BB962C8B-B14F-4D97-AF65-F5344CB8AC3E}">
+        <p14:creationId xmlns:p14="http://schemas.microsoft.com/office/powerpoint/2010/main" val="4158510516"/>
+      </p:ext>
+    </p:extLst>
+  </p:cSld>
+  <p:clrMapOvr>
+    <a:masterClrMapping/>
+  </p:clrMapOvr>
+</p:sld>
+</file>
+
+<file path=ppt/slides/slide13.xml><?xml version="1.0" encoding="utf-8"?>
+<p:sld xmlns:a="http://schemas.openxmlformats.org/drawingml/2006/main" xmlns:r="http://schemas.openxmlformats.org/officeDocument/2006/relationships" xmlns:p="http://schemas.openxmlformats.org/presentationml/2006/main">
+  <p:cSld>
+    <p:spTree>
+      <p:nvGrpSpPr>
+        <p:cNvPr id="1" name=""/>
+        <p:cNvGrpSpPr/>
+        <p:nvPr/>
+      </p:nvGrpSpPr>
+      <p:grpSpPr>
+        <a:xfrm>
+          <a:off x="0" y="0"/>
+          <a:ext cx="0" cy="0"/>
+          <a:chOff x="0" y="0"/>
+          <a:chExt cx="0" cy="0"/>
+        </a:xfrm>
+      </p:grpSpPr>
+      <p:sp>
+        <p:nvSpPr>
+          <p:cNvPr id="2" name="Title 1">
+            <a:extLst>
+              <a:ext uri="{FF2B5EF4-FFF2-40B4-BE49-F238E27FC236}">
+                <a16:creationId xmlns:a16="http://schemas.microsoft.com/office/drawing/2014/main" id="{8F6CDC37-5A7F-2E1B-38A9-76422E3BE1F3}"/>
+              </a:ext>
+            </a:extLst>
+          </p:cNvPr>
+          <p:cNvSpPr>
+            <a:spLocks noGrp="1"/>
+          </p:cNvSpPr>
+          <p:nvPr>
+            <p:ph type="title"/>
+          </p:nvPr>
+        </p:nvSpPr>
+        <p:spPr/>
+        <p:txBody>
+          <a:bodyPr/>
+          <a:lstStyle/>
+          <a:p>
+            <a:pPr lvl="0">
+              <a:lnSpc>
+                <a:spcPct val="100000"/>
+              </a:lnSpc>
+              <a:defRPr cap="all"/>
+            </a:pPr>
+            <a:r>
+              <a:rPr lang="en-US" dirty="0"/>
+              <a:t>Data Analysis and Visualizations</a:t>
+            </a:r>
+          </a:p>
+        </p:txBody>
+      </p:sp>
+      <p:pic>
+        <p:nvPicPr>
+          <p:cNvPr id="5" name="Content Placeholder 4" descr="Map&#10;&#10;Description automatically generated">
+            <a:extLst>
+              <a:ext uri="{FF2B5EF4-FFF2-40B4-BE49-F238E27FC236}">
+                <a16:creationId xmlns:a16="http://schemas.microsoft.com/office/drawing/2014/main" id="{351721D9-8535-F699-0B33-7BBCB73DADC2}"/>
+              </a:ext>
+            </a:extLst>
+          </p:cNvPr>
+          <p:cNvPicPr>
+            <a:picLocks noGrp="1" noChangeAspect="1"/>
+          </p:cNvPicPr>
+          <p:nvPr>
+            <p:ph idx="1"/>
+          </p:nvPr>
+        </p:nvPicPr>
+        <p:blipFill>
+          <a:blip r:embed="rId2"/>
+          <a:stretch>
+            <a:fillRect/>
+          </a:stretch>
+        </p:blipFill>
+        <p:spPr>
+          <a:xfrm>
+            <a:off x="682792" y="1890876"/>
+            <a:ext cx="9878295" cy="4747026"/>
+          </a:xfrm>
+        </p:spPr>
+      </p:pic>
+    </p:spTree>
+    <p:extLst>
+      <p:ext uri="{BB962C8B-B14F-4D97-AF65-F5344CB8AC3E}">
+        <p14:creationId xmlns:p14="http://schemas.microsoft.com/office/powerpoint/2010/main" val="2926030623"/>
+      </p:ext>
+    </p:extLst>
+  </p:cSld>
+  <p:clrMapOvr>
+    <a:masterClrMapping/>
+  </p:clrMapOvr>
+</p:sld>
+</file>
+
+<file path=ppt/slides/slide14.xml><?xml version="1.0" encoding="utf-8"?>
+<p:sld xmlns:a="http://schemas.openxmlformats.org/drawingml/2006/main" xmlns:r="http://schemas.openxmlformats.org/officeDocument/2006/relationships" xmlns:p="http://schemas.openxmlformats.org/presentationml/2006/main">
+  <p:cSld>
+    <p:spTree>
+      <p:nvGrpSpPr>
+        <p:cNvPr id="1" name=""/>
+        <p:cNvGrpSpPr/>
+        <p:nvPr/>
+      </p:nvGrpSpPr>
+      <p:grpSpPr>
+        <a:xfrm>
+          <a:off x="0" y="0"/>
+          <a:ext cx="0" cy="0"/>
+          <a:chOff x="0" y="0"/>
+          <a:chExt cx="0" cy="0"/>
+        </a:xfrm>
+      </p:grpSpPr>
+      <p:sp>
+        <p:nvSpPr>
+          <p:cNvPr id="2" name="Title 1">
+            <a:extLst>
+              <a:ext uri="{FF2B5EF4-FFF2-40B4-BE49-F238E27FC236}">
+                <a16:creationId xmlns:a16="http://schemas.microsoft.com/office/drawing/2014/main" id="{8F6CDC37-5A7F-2E1B-38A9-76422E3BE1F3}"/>
+              </a:ext>
+            </a:extLst>
+          </p:cNvPr>
+          <p:cNvSpPr>
+            <a:spLocks noGrp="1"/>
+          </p:cNvSpPr>
+          <p:nvPr>
+            <p:ph type="title"/>
+          </p:nvPr>
+        </p:nvSpPr>
+        <p:spPr/>
+        <p:txBody>
+          <a:bodyPr/>
+          <a:lstStyle/>
+          <a:p>
+            <a:pPr lvl="0">
+              <a:lnSpc>
+                <a:spcPct val="100000"/>
+              </a:lnSpc>
+              <a:defRPr cap="all"/>
+            </a:pPr>
+            <a:r>
+              <a:rPr lang="en-US" dirty="0"/>
+              <a:t>Data Analysis and Visualizations</a:t>
+            </a:r>
+          </a:p>
+        </p:txBody>
+      </p:sp>
+      <p:pic>
+        <p:nvPicPr>
+          <p:cNvPr id="7" name="Content Placeholder 6" descr="Diagram&#10;&#10;Description automatically generated">
+            <a:extLst>
+              <a:ext uri="{FF2B5EF4-FFF2-40B4-BE49-F238E27FC236}">
+                <a16:creationId xmlns:a16="http://schemas.microsoft.com/office/drawing/2014/main" id="{2D39F646-F1AC-D829-819E-A00CEB8918FA}"/>
+              </a:ext>
+            </a:extLst>
+          </p:cNvPr>
+          <p:cNvPicPr>
+            <a:picLocks noGrp="1" noChangeAspect="1"/>
+          </p:cNvPicPr>
+          <p:nvPr>
+            <p:ph idx="1"/>
+          </p:nvPr>
+        </p:nvPicPr>
+        <p:blipFill>
+          <a:blip r:embed="rId2"/>
+          <a:stretch>
+            <a:fillRect/>
+          </a:stretch>
+        </p:blipFill>
+        <p:spPr>
+          <a:xfrm>
+            <a:off x="670092" y="1890876"/>
+            <a:ext cx="10402058" cy="4998720"/>
+          </a:xfrm>
+        </p:spPr>
+      </p:pic>
+    </p:spTree>
+    <p:extLst>
+      <p:ext uri="{BB962C8B-B14F-4D97-AF65-F5344CB8AC3E}">
+        <p14:creationId xmlns:p14="http://schemas.microsoft.com/office/powerpoint/2010/main" val="2716326040"/>
+      </p:ext>
+    </p:extLst>
+  </p:cSld>
+  <p:clrMapOvr>
+    <a:masterClrMapping/>
+  </p:clrMapOvr>
+</p:sld>
+</file>
+
+<file path=ppt/slides/slide15.xml><?xml version="1.0" encoding="utf-8"?>
+<p:sld xmlns:a="http://schemas.openxmlformats.org/drawingml/2006/main" xmlns:r="http://schemas.openxmlformats.org/officeDocument/2006/relationships" xmlns:p="http://schemas.openxmlformats.org/presentationml/2006/main">
+  <p:cSld>
+    <p:spTree>
+      <p:nvGrpSpPr>
+        <p:cNvPr id="1" name=""/>
+        <p:cNvGrpSpPr/>
+        <p:nvPr/>
+      </p:nvGrpSpPr>
+      <p:grpSpPr>
+        <a:xfrm>
+          <a:off x="0" y="0"/>
+          <a:ext cx="0" cy="0"/>
+          <a:chOff x="0" y="0"/>
+          <a:chExt cx="0" cy="0"/>
+        </a:xfrm>
+      </p:grpSpPr>
+      <p:sp>
+        <p:nvSpPr>
+          <p:cNvPr id="2" name="Title 1">
+            <a:extLst>
+              <a:ext uri="{FF2B5EF4-FFF2-40B4-BE49-F238E27FC236}">
+                <a16:creationId xmlns:a16="http://schemas.microsoft.com/office/drawing/2014/main" id="{8F6CDC37-5A7F-2E1B-38A9-76422E3BE1F3}"/>
+              </a:ext>
+            </a:extLst>
+          </p:cNvPr>
+          <p:cNvSpPr>
+            <a:spLocks noGrp="1"/>
+          </p:cNvSpPr>
+          <p:nvPr>
+            <p:ph type="title"/>
+          </p:nvPr>
+        </p:nvSpPr>
+        <p:spPr/>
+        <p:txBody>
+          <a:bodyPr/>
+          <a:lstStyle/>
+          <a:p>
+            <a:pPr lvl="0">
+              <a:lnSpc>
+                <a:spcPct val="100000"/>
+              </a:lnSpc>
+              <a:defRPr cap="all"/>
+            </a:pPr>
+            <a:r>
+              <a:rPr lang="en-US" dirty="0"/>
+              <a:t>Data Analysis and Visualizations</a:t>
+            </a:r>
+          </a:p>
+        </p:txBody>
+      </p:sp>
+      <p:pic>
+        <p:nvPicPr>
+          <p:cNvPr id="6" name="Content Placeholder 5" descr="A screenshot of a map&#10;&#10;Description automatically generated with medium confidence">
+            <a:extLst>
+              <a:ext uri="{FF2B5EF4-FFF2-40B4-BE49-F238E27FC236}">
+                <a16:creationId xmlns:a16="http://schemas.microsoft.com/office/drawing/2014/main" id="{73E2D5C8-B0EC-786C-FB74-F05A963C0654}"/>
+              </a:ext>
+            </a:extLst>
+          </p:cNvPr>
+          <p:cNvPicPr>
+            <a:picLocks noGrp="1" noChangeAspect="1"/>
+          </p:cNvPicPr>
+          <p:nvPr>
+            <p:ph idx="1"/>
+          </p:nvPr>
+        </p:nvPicPr>
+        <p:blipFill>
+          <a:blip r:embed="rId2"/>
+          <a:stretch>
+            <a:fillRect/>
+          </a:stretch>
+        </p:blipFill>
+        <p:spPr>
+          <a:xfrm>
+            <a:off x="716672" y="1890876"/>
+            <a:ext cx="9742656" cy="4681844"/>
           </a:xfrm>
         </p:spPr>
       </p:pic>
@@ -7269,7 +7839,99 @@
 </p:sld>
 </file>
 
-<file path=ppt/slides/slide11.xml><?xml version="1.0" encoding="utf-8"?>
+<file path=ppt/slides/slide16.xml><?xml version="1.0" encoding="utf-8"?>
+<p:sld xmlns:a="http://schemas.openxmlformats.org/drawingml/2006/main" xmlns:r="http://schemas.openxmlformats.org/officeDocument/2006/relationships" xmlns:p="http://schemas.openxmlformats.org/presentationml/2006/main">
+  <p:cSld>
+    <p:spTree>
+      <p:nvGrpSpPr>
+        <p:cNvPr id="1" name=""/>
+        <p:cNvGrpSpPr/>
+        <p:nvPr/>
+      </p:nvGrpSpPr>
+      <p:grpSpPr>
+        <a:xfrm>
+          <a:off x="0" y="0"/>
+          <a:ext cx="0" cy="0"/>
+          <a:chOff x="0" y="0"/>
+          <a:chExt cx="0" cy="0"/>
+        </a:xfrm>
+      </p:grpSpPr>
+      <p:sp>
+        <p:nvSpPr>
+          <p:cNvPr id="2" name="Title 1">
+            <a:extLst>
+              <a:ext uri="{FF2B5EF4-FFF2-40B4-BE49-F238E27FC236}">
+                <a16:creationId xmlns:a16="http://schemas.microsoft.com/office/drawing/2014/main" id="{8F6CDC37-5A7F-2E1B-38A9-76422E3BE1F3}"/>
+              </a:ext>
+            </a:extLst>
+          </p:cNvPr>
+          <p:cNvSpPr>
+            <a:spLocks noGrp="1"/>
+          </p:cNvSpPr>
+          <p:nvPr>
+            <p:ph type="title"/>
+          </p:nvPr>
+        </p:nvSpPr>
+        <p:spPr/>
+        <p:txBody>
+          <a:bodyPr/>
+          <a:lstStyle/>
+          <a:p>
+            <a:pPr lvl="0">
+              <a:lnSpc>
+                <a:spcPct val="100000"/>
+              </a:lnSpc>
+              <a:defRPr cap="all"/>
+            </a:pPr>
+            <a:r>
+              <a:rPr lang="en-US" dirty="0"/>
+              <a:t>Data Analysis and Visualizations</a:t>
+            </a:r>
+          </a:p>
+        </p:txBody>
+      </p:sp>
+      <p:sp>
+        <p:nvSpPr>
+          <p:cNvPr id="4" name="Content Placeholder 3">
+            <a:extLst>
+              <a:ext uri="{FF2B5EF4-FFF2-40B4-BE49-F238E27FC236}">
+                <a16:creationId xmlns:a16="http://schemas.microsoft.com/office/drawing/2014/main" id="{496E0C27-F443-DC3F-3EE1-A0A7C590EF3A}"/>
+              </a:ext>
+            </a:extLst>
+          </p:cNvPr>
+          <p:cNvSpPr>
+            <a:spLocks noGrp="1"/>
+          </p:cNvSpPr>
+          <p:nvPr>
+            <p:ph idx="1"/>
+          </p:nvPr>
+        </p:nvSpPr>
+        <p:spPr/>
+        <p:txBody>
+          <a:bodyPr/>
+          <a:lstStyle/>
+          <a:p>
+            <a:r>
+              <a:rPr lang="en-US" dirty="0"/>
+              <a:t>CHART BY CLASS PIC</a:t>
+            </a:r>
+          </a:p>
+        </p:txBody>
+      </p:sp>
+    </p:spTree>
+    <p:extLst>
+      <p:ext uri="{BB962C8B-B14F-4D97-AF65-F5344CB8AC3E}">
+        <p14:creationId xmlns:p14="http://schemas.microsoft.com/office/powerpoint/2010/main" val="2409160674"/>
+      </p:ext>
+    </p:extLst>
+  </p:cSld>
+  <p:clrMapOvr>
+    <a:masterClrMapping/>
+  </p:clrMapOvr>
+</p:sld>
+</file>
+
+<file path=ppt/slides/slide17.xml><?xml version="1.0" encoding="utf-8"?>
 <p:sld xmlns:a="http://schemas.openxmlformats.org/drawingml/2006/main" xmlns:r="http://schemas.openxmlformats.org/officeDocument/2006/relationships" xmlns:p="http://schemas.openxmlformats.org/presentationml/2006/main">
   <p:cSld>
     <p:bg>
@@ -7799,7 +8461,7 @@
 </p:sld>
 </file>
 
-<file path=ppt/slides/slide12.xml><?xml version="1.0" encoding="utf-8"?>
+<file path=ppt/slides/slide18.xml><?xml version="1.0" encoding="utf-8"?>
 <p:sld xmlns:a="http://schemas.openxmlformats.org/drawingml/2006/main" xmlns:r="http://schemas.openxmlformats.org/officeDocument/2006/relationships" xmlns:p="http://schemas.openxmlformats.org/presentationml/2006/main">
   <p:cSld>
     <p:spTree>
@@ -7871,14 +8533,83 @@
           <a:bodyPr/>
           <a:lstStyle/>
           <a:p>
-            <a:endParaRPr lang="en-US"/>
+            <a:r>
+              <a:rPr lang="en-US" sz="1800" dirty="0">
+                <a:latin typeface="Arial" panose="020B0604020202020204" pitchFamily="34" charset="0"/>
+                <a:cs typeface="Arial" panose="020B0604020202020204" pitchFamily="34" charset="0"/>
+              </a:rPr>
+              <a:t>States which are high density of sasquatches such as: PA, OH, MO, NJ, CA, TN, TX, KY</a:t>
+            </a:r>
+          </a:p>
+          <a:p>
+            <a:r>
+              <a:rPr lang="en-US" sz="1800" dirty="0">
+                <a:latin typeface="Arial" panose="020B0604020202020204" pitchFamily="34" charset="0"/>
+                <a:cs typeface="Arial" panose="020B0604020202020204" pitchFamily="34" charset="0"/>
+              </a:rPr>
+              <a:t>Distribution of bigfoot sightings by time (?)</a:t>
+            </a:r>
+          </a:p>
+          <a:p>
+            <a:r>
+              <a:rPr lang="en-US" sz="1800" dirty="0">
+                <a:latin typeface="Arial" panose="020B0604020202020204" pitchFamily="34" charset="0"/>
+                <a:cs typeface="Arial" panose="020B0604020202020204" pitchFamily="34" charset="0"/>
+              </a:rPr>
+              <a:t>Distribution of bigfoot sightings by location:</a:t>
+            </a:r>
+          </a:p>
+          <a:p>
+            <a:r>
+              <a:rPr lang="en-US" sz="1800" dirty="0">
+                <a:latin typeface="Arial" panose="020B0604020202020204" pitchFamily="34" charset="0"/>
+                <a:cs typeface="Arial" panose="020B0604020202020204" pitchFamily="34" charset="0"/>
+              </a:rPr>
+              <a:t>Number of bigfoot sightings by class:</a:t>
+            </a:r>
+          </a:p>
+          <a:p>
+            <a:pPr lvl="1"/>
+            <a:r>
+              <a:rPr lang="en-US" sz="1800" dirty="0">
+                <a:latin typeface="Arial" panose="020B0604020202020204" pitchFamily="34" charset="0"/>
+                <a:cs typeface="Arial" panose="020B0604020202020204" pitchFamily="34" charset="0"/>
+              </a:rPr>
+              <a:t>Class A</a:t>
+            </a:r>
+          </a:p>
+          <a:p>
+            <a:pPr lvl="1"/>
+            <a:r>
+              <a:rPr lang="en-US" sz="1800" dirty="0">
+                <a:latin typeface="Arial" panose="020B0604020202020204" pitchFamily="34" charset="0"/>
+                <a:cs typeface="Arial" panose="020B0604020202020204" pitchFamily="34" charset="0"/>
+              </a:rPr>
+              <a:t>Class B:</a:t>
+            </a:r>
+          </a:p>
+          <a:p>
+            <a:pPr lvl="1"/>
+            <a:r>
+              <a:rPr lang="en-US" sz="1800" dirty="0">
+                <a:latin typeface="Arial" panose="020B0604020202020204" pitchFamily="34" charset="0"/>
+                <a:cs typeface="Arial" panose="020B0604020202020204" pitchFamily="34" charset="0"/>
+              </a:rPr>
+              <a:t>Class C: </a:t>
+            </a:r>
+          </a:p>
+          <a:p>
+            <a:endParaRPr lang="en-US" dirty="0">
+              <a:latin typeface="Arial" panose="020B0604020202020204" pitchFamily="34" charset="0"/>
+              <a:cs typeface="Arial" panose="020B0604020202020204" pitchFamily="34" charset="0"/>
+            </a:endParaRPr>
           </a:p>
         </p:txBody>
       </p:sp>
     </p:spTree>
     <p:extLst>
       <p:ext uri="{BB962C8B-B14F-4D97-AF65-F5344CB8AC3E}">
-        <p14:creationId xmlns:p14="http://schemas.microsoft.com/office/powerpoint/2010/main" val="570085585"/>
+        <p14:creationId xmlns:p14="http://schemas.microsoft.com/office/powerpoint/2010/main" val="4187809072"/>
       </p:ext>
     </p:extLst>
   </p:cSld>
@@ -7888,7 +8619,7 @@
 </p:sld>
 </file>
 
-<file path=ppt/slides/slide13.xml><?xml version="1.0" encoding="utf-8"?>
+<file path=ppt/slides/slide19.xml><?xml version="1.0" encoding="utf-8"?>
 <p:sld xmlns:a="http://schemas.openxmlformats.org/drawingml/2006/main" xmlns:r="http://schemas.openxmlformats.org/officeDocument/2006/relationships" xmlns:p="http://schemas.openxmlformats.org/presentationml/2006/main">
   <p:cSld>
     <p:spTree>
@@ -7934,96 +8665,7 @@
             </a:pPr>
             <a:r>
               <a:rPr lang="en-US" dirty="0"/>
-              <a:t>findings</a:t>
-            </a:r>
-          </a:p>
-        </p:txBody>
-      </p:sp>
-      <p:sp>
-        <p:nvSpPr>
-          <p:cNvPr id="4" name="Content Placeholder 3">
-            <a:extLst>
-              <a:ext uri="{FF2B5EF4-FFF2-40B4-BE49-F238E27FC236}">
-                <a16:creationId xmlns:a16="http://schemas.microsoft.com/office/drawing/2014/main" id="{CFC9ADED-F33F-158B-C338-E29E263CC2B0}"/>
-              </a:ext>
-            </a:extLst>
-          </p:cNvPr>
-          <p:cNvSpPr>
-            <a:spLocks noGrp="1"/>
-          </p:cNvSpPr>
-          <p:nvPr>
-            <p:ph idx="1"/>
-          </p:nvPr>
-        </p:nvSpPr>
-        <p:spPr/>
-        <p:txBody>
-          <a:bodyPr/>
-          <a:lstStyle/>
-          <a:p>
-            <a:endParaRPr lang="en-US"/>
-          </a:p>
-        </p:txBody>
-      </p:sp>
-    </p:spTree>
-    <p:extLst>
-      <p:ext uri="{BB962C8B-B14F-4D97-AF65-F5344CB8AC3E}">
-        <p14:creationId xmlns:p14="http://schemas.microsoft.com/office/powerpoint/2010/main" val="4187809072"/>
-      </p:ext>
-    </p:extLst>
-  </p:cSld>
-  <p:clrMapOvr>
-    <a:masterClrMapping/>
-  </p:clrMapOvr>
-</p:sld>
-</file>
-
-<file path=ppt/slides/slide14.xml><?xml version="1.0" encoding="utf-8"?>
-<p:sld xmlns:a="http://schemas.openxmlformats.org/drawingml/2006/main" xmlns:r="http://schemas.openxmlformats.org/officeDocument/2006/relationships" xmlns:p="http://schemas.openxmlformats.org/presentationml/2006/main">
-  <p:cSld>
-    <p:spTree>
-      <p:nvGrpSpPr>
-        <p:cNvPr id="1" name=""/>
-        <p:cNvGrpSpPr/>
-        <p:nvPr/>
-      </p:nvGrpSpPr>
-      <p:grpSpPr>
-        <a:xfrm>
-          <a:off x="0" y="0"/>
-          <a:ext cx="0" cy="0"/>
-          <a:chOff x="0" y="0"/>
-          <a:chExt cx="0" cy="0"/>
-        </a:xfrm>
-      </p:grpSpPr>
-      <p:sp>
-        <p:nvSpPr>
-          <p:cNvPr id="2" name="Title 1">
-            <a:extLst>
-              <a:ext uri="{FF2B5EF4-FFF2-40B4-BE49-F238E27FC236}">
-                <a16:creationId xmlns:a16="http://schemas.microsoft.com/office/drawing/2014/main" id="{8F6CDC37-5A7F-2E1B-38A9-76422E3BE1F3}"/>
-              </a:ext>
-            </a:extLst>
-          </p:cNvPr>
-          <p:cNvSpPr>
-            <a:spLocks noGrp="1"/>
-          </p:cNvSpPr>
-          <p:nvPr>
-            <p:ph type="title"/>
-          </p:nvPr>
-        </p:nvSpPr>
-        <p:spPr/>
-        <p:txBody>
-          <a:bodyPr/>
-          <a:lstStyle/>
-          <a:p>
-            <a:pPr lvl="0">
-              <a:lnSpc>
-                <a:spcPct val="100000"/>
-              </a:lnSpc>
-              <a:defRPr cap="all"/>
-            </a:pPr>
-            <a:r>
-              <a:rPr lang="en-US" dirty="0"/>
-              <a:t>Limitations &amp; questions for further exploration</a:t>
+              <a:t>questions for further exploration</a:t>
             </a:r>
           </a:p>
         </p:txBody>
@@ -8046,10 +8688,33 @@
         </p:nvSpPr>
         <p:spPr/>
         <p:txBody>
-          <a:bodyPr/>
+          <a:bodyPr>
+            <a:normAutofit/>
+          </a:bodyPr>
           <a:lstStyle/>
           <a:p>
-            <a:endParaRPr lang="en-US" dirty="0"/>
+            <a:r>
+              <a:rPr lang="en-US" sz="1800" dirty="0">
+                <a:latin typeface="Arial" panose="020B0604020202020204" pitchFamily="34" charset="0"/>
+                <a:cs typeface="Arial" panose="020B0604020202020204" pitchFamily="34" charset="0"/>
+              </a:rPr>
+              <a:t>Map show areas with a high concentration of sightings using a clustering .</a:t>
+            </a:r>
+          </a:p>
+          <a:p>
+            <a:r>
+              <a:rPr lang="en-US" sz="1800" dirty="0">
+                <a:latin typeface="Arial" panose="020B0604020202020204" pitchFamily="34" charset="0"/>
+                <a:cs typeface="Arial" panose="020B0604020202020204" pitchFamily="34" charset="0"/>
+              </a:rPr>
+              <a:t>Bigfoot Sightings Dashboard, including an overall map with all location and charts show sightings by time, location and by class.</a:t>
+            </a:r>
+          </a:p>
+          <a:p>
+            <a:endParaRPr lang="en-US" sz="1800" dirty="0">
+              <a:latin typeface="Arial" panose="020B0604020202020204" pitchFamily="34" charset="0"/>
+              <a:cs typeface="Arial" panose="020B0604020202020204" pitchFamily="34" charset="0"/>
+            </a:endParaRPr>
           </a:p>
         </p:txBody>
       </p:sp>
@@ -8057,625 +8722,6 @@
     <p:extLst>
       <p:ext uri="{BB962C8B-B14F-4D97-AF65-F5344CB8AC3E}">
         <p14:creationId xmlns:p14="http://schemas.microsoft.com/office/powerpoint/2010/main" val="342232357"/>
-      </p:ext>
-    </p:extLst>
-  </p:cSld>
-  <p:clrMapOvr>
-    <a:masterClrMapping/>
-  </p:clrMapOvr>
-</p:sld>
-</file>
-
-<file path=ppt/slides/slide15.xml><?xml version="1.0" encoding="utf-8"?>
-<p:sld xmlns:a="http://schemas.openxmlformats.org/drawingml/2006/main" xmlns:r="http://schemas.openxmlformats.org/officeDocument/2006/relationships" xmlns:p="http://schemas.openxmlformats.org/presentationml/2006/main">
-  <p:cSld>
-    <p:spTree>
-      <p:nvGrpSpPr>
-        <p:cNvPr id="1" name=""/>
-        <p:cNvGrpSpPr/>
-        <p:nvPr/>
-      </p:nvGrpSpPr>
-      <p:grpSpPr>
-        <a:xfrm>
-          <a:off x="0" y="0"/>
-          <a:ext cx="0" cy="0"/>
-          <a:chOff x="0" y="0"/>
-          <a:chExt cx="0" cy="0"/>
-        </a:xfrm>
-      </p:grpSpPr>
-      <p:sp>
-        <p:nvSpPr>
-          <p:cNvPr id="2" name="Title 1">
-            <a:extLst>
-              <a:ext uri="{FF2B5EF4-FFF2-40B4-BE49-F238E27FC236}">
-                <a16:creationId xmlns:a16="http://schemas.microsoft.com/office/drawing/2014/main" id="{8F6CDC37-5A7F-2E1B-38A9-76422E3BE1F3}"/>
-              </a:ext>
-            </a:extLst>
-          </p:cNvPr>
-          <p:cNvSpPr>
-            <a:spLocks noGrp="1"/>
-          </p:cNvSpPr>
-          <p:nvPr>
-            <p:ph type="title"/>
-          </p:nvPr>
-        </p:nvSpPr>
-        <p:spPr/>
-        <p:txBody>
-          <a:bodyPr/>
-          <a:lstStyle/>
-          <a:p>
-            <a:pPr lvl="0">
-              <a:lnSpc>
-                <a:spcPct val="100000"/>
-              </a:lnSpc>
-              <a:defRPr cap="all"/>
-            </a:pPr>
-            <a:r>
-              <a:rPr lang="en-US" dirty="0"/>
-              <a:t>References:</a:t>
-            </a:r>
-          </a:p>
-        </p:txBody>
-      </p:sp>
-      <p:sp>
-        <p:nvSpPr>
-          <p:cNvPr id="3" name="Content Placeholder 2">
-            <a:extLst>
-              <a:ext uri="{FF2B5EF4-FFF2-40B4-BE49-F238E27FC236}">
-                <a16:creationId xmlns:a16="http://schemas.microsoft.com/office/drawing/2014/main" id="{A778A304-6388-DDA2-3732-EB1E2AA83D76}"/>
-              </a:ext>
-            </a:extLst>
-          </p:cNvPr>
-          <p:cNvSpPr>
-            <a:spLocks noGrp="1"/>
-          </p:cNvSpPr>
-          <p:nvPr>
-            <p:ph idx="1"/>
-          </p:nvPr>
-        </p:nvSpPr>
-        <p:spPr/>
-        <p:txBody>
-          <a:bodyPr/>
-          <a:lstStyle/>
-          <a:p>
-            <a:pPr rtl="0">
-              <a:spcBef>
-                <a:spcPts val="0"/>
-              </a:spcBef>
-              <a:spcAft>
-                <a:spcPts val="0"/>
-              </a:spcAft>
-            </a:pPr>
-            <a:r>
-              <a:rPr lang="en-US" sz="1800" b="1" i="0" u="none" strike="noStrike" dirty="0">
-                <a:solidFill>
-                  <a:srgbClr val="1D1C1D"/>
-                </a:solidFill>
-                <a:effectLst/>
-                <a:latin typeface="Arial" panose="020B0604020202020204" pitchFamily="34" charset="0"/>
-                <a:hlinkClick r:id="rId2"/>
-              </a:rPr>
-              <a:t>https://hub.arcgis.com/datasets/TrainingServices::-bigfoot-sightings/explore?location=27.848424%2C-103.774481%2C4.00</a:t>
-            </a:r>
-            <a:endParaRPr lang="en-US" sz="1800" b="1" i="0" u="none" strike="noStrike" dirty="0">
-              <a:solidFill>
-                <a:srgbClr val="1D1C1D"/>
-              </a:solidFill>
-              <a:effectLst/>
-              <a:latin typeface="Arial" panose="020B0604020202020204" pitchFamily="34" charset="0"/>
-            </a:endParaRPr>
-          </a:p>
-          <a:p>
-            <a:pPr rtl="0">
-              <a:spcBef>
-                <a:spcPts val="0"/>
-              </a:spcBef>
-              <a:spcAft>
-                <a:spcPts val="0"/>
-              </a:spcAft>
-            </a:pPr>
-            <a:endParaRPr lang="en-US" b="0" dirty="0">
-              <a:effectLst/>
-            </a:endParaRPr>
-          </a:p>
-          <a:p>
-            <a:br>
-              <a:rPr lang="en-US" dirty="0"/>
-            </a:br>
-            <a:r>
-              <a:rPr lang="en-US" sz="1800" b="1" i="0" u="none" strike="noStrike" dirty="0">
-                <a:solidFill>
-                  <a:srgbClr val="1D1C1D"/>
-                </a:solidFill>
-                <a:effectLst/>
-                <a:latin typeface="Arial" panose="020B0604020202020204" pitchFamily="34" charset="0"/>
-                <a:hlinkClick r:id="rId3"/>
-              </a:rPr>
-              <a:t>https://data.world/timothyrenner/bfro-sightings-data</a:t>
-            </a:r>
-            <a:endParaRPr lang="en-US" sz="1800" b="1" i="0" u="none" strike="noStrike" dirty="0">
-              <a:solidFill>
-                <a:srgbClr val="1D1C1D"/>
-              </a:solidFill>
-              <a:effectLst/>
-              <a:latin typeface="Arial" panose="020B0604020202020204" pitchFamily="34" charset="0"/>
-            </a:endParaRPr>
-          </a:p>
-          <a:p>
-            <a:endParaRPr lang="en-US" dirty="0"/>
-          </a:p>
-        </p:txBody>
-      </p:sp>
-    </p:spTree>
-    <p:extLst>
-      <p:ext uri="{BB962C8B-B14F-4D97-AF65-F5344CB8AC3E}">
-        <p14:creationId xmlns:p14="http://schemas.microsoft.com/office/powerpoint/2010/main" val="4106291257"/>
-      </p:ext>
-    </p:extLst>
-  </p:cSld>
-  <p:clrMapOvr>
-    <a:masterClrMapping/>
-  </p:clrMapOvr>
-</p:sld>
-</file>
-
-<file path=ppt/slides/slide16.xml><?xml version="1.0" encoding="utf-8"?>
-<p:sld xmlns:a="http://schemas.openxmlformats.org/drawingml/2006/main" xmlns:r="http://schemas.openxmlformats.org/officeDocument/2006/relationships" xmlns:p="http://schemas.openxmlformats.org/presentationml/2006/main">
-  <p:cSld>
-    <p:bg>
-      <p:bgPr>
-        <a:solidFill>
-          <a:schemeClr val="bg1"/>
-        </a:solidFill>
-        <a:effectLst/>
-      </p:bgPr>
-    </p:bg>
-    <p:spTree>
-      <p:nvGrpSpPr>
-        <p:cNvPr id="1" name=""/>
-        <p:cNvGrpSpPr/>
-        <p:nvPr/>
-      </p:nvGrpSpPr>
-      <p:grpSpPr>
-        <a:xfrm>
-          <a:off x="0" y="0"/>
-          <a:ext cx="0" cy="0"/>
-          <a:chOff x="0" y="0"/>
-          <a:chExt cx="0" cy="0"/>
-        </a:xfrm>
-      </p:grpSpPr>
-      <p:sp>
-        <p:nvSpPr>
-          <p:cNvPr id="17" name="Rectangle 9">
-            <a:extLst>
-              <a:ext uri="{FF2B5EF4-FFF2-40B4-BE49-F238E27FC236}">
-                <a16:creationId xmlns:a16="http://schemas.microsoft.com/office/drawing/2014/main" id="{E6C8E6EB-4C59-429B-97E4-72A058CFC4FB}"/>
-              </a:ext>
-              <a:ext uri="{C183D7F6-B498-43B3-948B-1728B52AA6E4}">
-                <adec:decorative xmlns:adec="http://schemas.microsoft.com/office/drawing/2017/decorative" val="1"/>
-              </a:ext>
-            </a:extLst>
-          </p:cNvPr>
-          <p:cNvSpPr>
-            <a:spLocks noGrp="1" noRot="1" noChangeAspect="1" noMove="1" noResize="1" noEditPoints="1" noAdjustHandles="1" noChangeArrowheads="1" noChangeShapeType="1" noTextEdit="1"/>
-          </p:cNvSpPr>
-          <p:nvPr>
-            <p:extLst>
-              <p:ext uri="{386F3935-93C4-4BCD-93E2-E3B085C9AB24}">
-                <p16:designElem xmlns:p16="http://schemas.microsoft.com/office/powerpoint/2015/main" val="1"/>
-              </p:ext>
-            </p:extLst>
-          </p:nvPr>
-        </p:nvSpPr>
-        <p:spPr>
-          <a:xfrm>
-            <a:off x="446534" y="457200"/>
-            <a:ext cx="3703320" cy="94997"/>
-          </a:xfrm>
-          <a:prstGeom prst="rect">
-            <a:avLst/>
-          </a:prstGeom>
-          <a:solidFill>
-            <a:srgbClr val="465359"/>
-          </a:solidFill>
-          <a:ln>
-            <a:noFill/>
-          </a:ln>
-          <a:effectLst/>
-        </p:spPr>
-        <p:style>
-          <a:lnRef idx="1">
-            <a:schemeClr val="accent1"/>
-          </a:lnRef>
-          <a:fillRef idx="3">
-            <a:schemeClr val="accent1"/>
-          </a:fillRef>
-          <a:effectRef idx="2">
-            <a:schemeClr val="accent1"/>
-          </a:effectRef>
-          <a:fontRef idx="minor">
-            <a:schemeClr val="lt1"/>
-          </a:fontRef>
-        </p:style>
-      </p:sp>
-      <p:sp>
-        <p:nvSpPr>
-          <p:cNvPr id="19" name="Rectangle 11">
-            <a:extLst>
-              <a:ext uri="{FF2B5EF4-FFF2-40B4-BE49-F238E27FC236}">
-                <a16:creationId xmlns:a16="http://schemas.microsoft.com/office/drawing/2014/main" id="{B5B90362-AFCC-46A9-B41C-A257A8C5B314}"/>
-              </a:ext>
-              <a:ext uri="{C183D7F6-B498-43B3-948B-1728B52AA6E4}">
-                <adec:decorative xmlns:adec="http://schemas.microsoft.com/office/drawing/2017/decorative" val="1"/>
-              </a:ext>
-            </a:extLst>
-          </p:cNvPr>
-          <p:cNvSpPr>
-            <a:spLocks noGrp="1" noRot="1" noChangeAspect="1" noMove="1" noResize="1" noEditPoints="1" noAdjustHandles="1" noChangeArrowheads="1" noChangeShapeType="1" noTextEdit="1"/>
-          </p:cNvSpPr>
-          <p:nvPr>
-            <p:extLst>
-              <p:ext uri="{386F3935-93C4-4BCD-93E2-E3B085C9AB24}">
-                <p16:designElem xmlns:p16="http://schemas.microsoft.com/office/powerpoint/2015/main" val="1"/>
-              </p:ext>
-            </p:extLst>
-          </p:nvPr>
-        </p:nvSpPr>
-        <p:spPr>
-          <a:xfrm>
-            <a:off x="8042147" y="453643"/>
-            <a:ext cx="3703320" cy="98554"/>
-          </a:xfrm>
-          <a:prstGeom prst="rect">
-            <a:avLst/>
-          </a:prstGeom>
-          <a:solidFill>
-            <a:srgbClr val="969FA7"/>
-          </a:solidFill>
-          <a:ln>
-            <a:noFill/>
-          </a:ln>
-          <a:effectLst/>
-        </p:spPr>
-        <p:style>
-          <a:lnRef idx="1">
-            <a:schemeClr val="accent1"/>
-          </a:lnRef>
-          <a:fillRef idx="3">
-            <a:schemeClr val="accent1"/>
-          </a:fillRef>
-          <a:effectRef idx="2">
-            <a:schemeClr val="accent1"/>
-          </a:effectRef>
-          <a:fontRef idx="minor">
-            <a:schemeClr val="lt1"/>
-          </a:fontRef>
-        </p:style>
-      </p:sp>
-      <p:sp>
-        <p:nvSpPr>
-          <p:cNvPr id="21" name="Rectangle 13">
-            <a:extLst>
-              <a:ext uri="{FF2B5EF4-FFF2-40B4-BE49-F238E27FC236}">
-                <a16:creationId xmlns:a16="http://schemas.microsoft.com/office/drawing/2014/main" id="{F71EF7F1-38BA-471D-8CD4-2A9AE8E35527}"/>
-              </a:ext>
-              <a:ext uri="{C183D7F6-B498-43B3-948B-1728B52AA6E4}">
-                <adec:decorative xmlns:adec="http://schemas.microsoft.com/office/drawing/2017/decorative" val="1"/>
-              </a:ext>
-            </a:extLst>
-          </p:cNvPr>
-          <p:cNvSpPr>
-            <a:spLocks noGrp="1" noRot="1" noChangeAspect="1" noMove="1" noResize="1" noEditPoints="1" noAdjustHandles="1" noChangeArrowheads="1" noChangeShapeType="1" noTextEdit="1"/>
-          </p:cNvSpPr>
-          <p:nvPr>
-            <p:extLst>
-              <p:ext uri="{386F3935-93C4-4BCD-93E2-E3B085C9AB24}">
-                <p16:designElem xmlns:p16="http://schemas.microsoft.com/office/powerpoint/2015/main" val="1"/>
-              </p:ext>
-            </p:extLst>
-          </p:nvPr>
-        </p:nvSpPr>
-        <p:spPr>
-          <a:xfrm>
-            <a:off x="4241830" y="457200"/>
-            <a:ext cx="3703320" cy="91440"/>
-          </a:xfrm>
-          <a:prstGeom prst="rect">
-            <a:avLst/>
-          </a:prstGeom>
-          <a:solidFill>
-            <a:schemeClr val="accent1"/>
-          </a:solidFill>
-          <a:ln>
-            <a:noFill/>
-          </a:ln>
-          <a:effectLst/>
-        </p:spPr>
-        <p:style>
-          <a:lnRef idx="1">
-            <a:schemeClr val="accent1"/>
-          </a:lnRef>
-          <a:fillRef idx="3">
-            <a:schemeClr val="accent1"/>
-          </a:fillRef>
-          <a:effectRef idx="2">
-            <a:schemeClr val="accent1"/>
-          </a:effectRef>
-          <a:fontRef idx="minor">
-            <a:schemeClr val="lt1"/>
-          </a:fontRef>
-        </p:style>
-      </p:sp>
-      <p:sp>
-        <p:nvSpPr>
-          <p:cNvPr id="16" name="Rectangle 15">
-            <a:extLst>
-              <a:ext uri="{FF2B5EF4-FFF2-40B4-BE49-F238E27FC236}">
-                <a16:creationId xmlns:a16="http://schemas.microsoft.com/office/drawing/2014/main" id="{C0524398-BFB4-4C4A-8317-83B8729F9B26}"/>
-              </a:ext>
-              <a:ext uri="{C183D7F6-B498-43B3-948B-1728B52AA6E4}">
-                <adec:decorative xmlns:adec="http://schemas.microsoft.com/office/drawing/2017/decorative" val="1"/>
-              </a:ext>
-            </a:extLst>
-          </p:cNvPr>
-          <p:cNvSpPr>
-            <a:spLocks noGrp="1" noRot="1" noChangeAspect="1" noMove="1" noResize="1" noEditPoints="1" noAdjustHandles="1" noChangeArrowheads="1" noChangeShapeType="1" noTextEdit="1"/>
-          </p:cNvSpPr>
-          <p:nvPr>
-            <p:extLst>
-              <p:ext uri="{386F3935-93C4-4BCD-93E2-E3B085C9AB24}">
-                <p16:designElem xmlns:p16="http://schemas.microsoft.com/office/powerpoint/2015/main" val="1"/>
-              </p:ext>
-            </p:extLst>
-          </p:nvPr>
-        </p:nvSpPr>
-        <p:spPr>
-          <a:xfrm>
-            <a:off x="446534" y="3085764"/>
-            <a:ext cx="11298932" cy="3338149"/>
-          </a:xfrm>
-          <a:prstGeom prst="rect">
-            <a:avLst/>
-          </a:prstGeom>
-          <a:solidFill>
-            <a:srgbClr val="465359"/>
-          </a:solidFill>
-          <a:ln>
-            <a:noFill/>
-          </a:ln>
-          <a:effectLst/>
-        </p:spPr>
-        <p:style>
-          <a:lnRef idx="1">
-            <a:schemeClr val="accent1"/>
-          </a:lnRef>
-          <a:fillRef idx="3">
-            <a:schemeClr val="accent1"/>
-          </a:fillRef>
-          <a:effectRef idx="2">
-            <a:schemeClr val="accent1"/>
-          </a:effectRef>
-          <a:fontRef idx="minor">
-            <a:schemeClr val="lt1"/>
-          </a:fontRef>
-        </p:style>
-      </p:sp>
-      <p:sp useBgFill="1">
-        <p:nvSpPr>
-          <p:cNvPr id="18" name="Rectangle 17">
-            <a:extLst>
-              <a:ext uri="{FF2B5EF4-FFF2-40B4-BE49-F238E27FC236}">
-                <a16:creationId xmlns:a16="http://schemas.microsoft.com/office/drawing/2014/main" id="{2FB82883-1DC0-4BE1-A607-009095F3355A}"/>
-              </a:ext>
-              <a:ext uri="{C183D7F6-B498-43B3-948B-1728B52AA6E4}">
-                <adec:decorative xmlns:adec="http://schemas.microsoft.com/office/drawing/2017/decorative" val="1"/>
-              </a:ext>
-            </a:extLst>
-          </p:cNvPr>
-          <p:cNvSpPr>
-            <a:spLocks noGrp="1" noRot="1" noChangeAspect="1" noMove="1" noResize="1" noEditPoints="1" noAdjustHandles="1" noChangeArrowheads="1" noChangeShapeType="1" noTextEdit="1"/>
-          </p:cNvSpPr>
-          <p:nvPr>
-            <p:extLst>
-              <p:ext uri="{386F3935-93C4-4BCD-93E2-E3B085C9AB24}">
-                <p16:designElem xmlns:p16="http://schemas.microsoft.com/office/powerpoint/2015/main" val="1"/>
-              </p:ext>
-            </p:extLst>
-          </p:nvPr>
-        </p:nvSpPr>
-        <p:spPr>
-          <a:xfrm>
-            <a:off x="0" y="0"/>
-            <a:ext cx="12192000" cy="6858000"/>
-          </a:xfrm>
-          <a:prstGeom prst="rect">
-            <a:avLst/>
-          </a:prstGeom>
-          <a:ln>
-            <a:noFill/>
-          </a:ln>
-        </p:spPr>
-        <p:style>
-          <a:lnRef idx="2">
-            <a:schemeClr val="accent1">
-              <a:shade val="50000"/>
-            </a:schemeClr>
-          </a:lnRef>
-          <a:fillRef idx="1">
-            <a:schemeClr val="accent1"/>
-          </a:fillRef>
-          <a:effectRef idx="0">
-            <a:schemeClr val="accent1"/>
-          </a:effectRef>
-          <a:fontRef idx="minor">
-            <a:schemeClr val="lt1"/>
-          </a:fontRef>
-        </p:style>
-        <p:txBody>
-          <a:bodyPr rtlCol="0" anchor="ctr"/>
-          <a:lstStyle/>
-          <a:p>
-            <a:pPr algn="ctr"/>
-            <a:endParaRPr lang="en-US"/>
-          </a:p>
-        </p:txBody>
-      </p:sp>
-      <p:pic>
-        <p:nvPicPr>
-          <p:cNvPr id="5" name="Content Placeholder 4" descr="A picture containing text, mammal&#10;&#10;Description automatically generated">
-            <a:extLst>
-              <a:ext uri="{FF2B5EF4-FFF2-40B4-BE49-F238E27FC236}">
-                <a16:creationId xmlns:a16="http://schemas.microsoft.com/office/drawing/2014/main" id="{596E8342-E117-3202-D41F-EDAC5F0A3DD1}"/>
-              </a:ext>
-            </a:extLst>
-          </p:cNvPr>
-          <p:cNvPicPr>
-            <a:picLocks noGrp="1" noChangeAspect="1"/>
-          </p:cNvPicPr>
-          <p:nvPr>
-            <p:ph idx="1"/>
-          </p:nvPr>
-        </p:nvPicPr>
-        <p:blipFill rotWithShape="1">
-          <a:blip r:embed="rId2"/>
-          <a:srcRect t="11446" b="32304"/>
-          <a:stretch/>
-        </p:blipFill>
-        <p:spPr>
-          <a:xfrm>
-            <a:off x="20" y="10"/>
-            <a:ext cx="12191980" cy="6857990"/>
-          </a:xfrm>
-          <a:prstGeom prst="rect">
-            <a:avLst/>
-          </a:prstGeom>
-        </p:spPr>
-      </p:pic>
-      <p:sp>
-        <p:nvSpPr>
-          <p:cNvPr id="20" name="Rectangle 19">
-            <a:extLst>
-              <a:ext uri="{FF2B5EF4-FFF2-40B4-BE49-F238E27FC236}">
-                <a16:creationId xmlns:a16="http://schemas.microsoft.com/office/drawing/2014/main" id="{9FA98EAA-A866-4C95-A2A8-44E46FBAD5A0}"/>
-              </a:ext>
-              <a:ext uri="{C183D7F6-B498-43B3-948B-1728B52AA6E4}">
-                <adec:decorative xmlns:adec="http://schemas.microsoft.com/office/drawing/2017/decorative" val="1"/>
-              </a:ext>
-            </a:extLst>
-          </p:cNvPr>
-          <p:cNvSpPr>
-            <a:spLocks noGrp="1" noRot="1" noChangeAspect="1" noMove="1" noResize="1" noEditPoints="1" noAdjustHandles="1" noChangeArrowheads="1" noChangeShapeType="1" noTextEdit="1"/>
-          </p:cNvSpPr>
-          <p:nvPr>
-            <p:extLst>
-              <p:ext uri="{386F3935-93C4-4BCD-93E2-E3B085C9AB24}">
-                <p16:designElem xmlns:p16="http://schemas.microsoft.com/office/powerpoint/2015/main" val="1"/>
-              </p:ext>
-            </p:extLst>
-          </p:nvPr>
-        </p:nvSpPr>
-        <p:spPr>
-          <a:xfrm rot="10800000">
-            <a:off x="-3" y="4530071"/>
-            <a:ext cx="12191999" cy="2327926"/>
-          </a:xfrm>
-          <a:prstGeom prst="rect">
-            <a:avLst/>
-          </a:prstGeom>
-          <a:gradFill flip="none" rotWithShape="1">
-            <a:gsLst>
-              <a:gs pos="56000">
-                <a:schemeClr val="tx1">
-                  <a:alpha val="39000"/>
-                </a:schemeClr>
-              </a:gs>
-              <a:gs pos="100000">
-                <a:schemeClr val="tx1">
-                  <a:alpha val="80000"/>
-                </a:schemeClr>
-              </a:gs>
-              <a:gs pos="0">
-                <a:schemeClr val="tx1">
-                  <a:alpha val="0"/>
-                </a:schemeClr>
-              </a:gs>
-            </a:gsLst>
-            <a:lin ang="16200000" scaled="1"/>
-            <a:tileRect/>
-          </a:gradFill>
-          <a:ln>
-            <a:noFill/>
-          </a:ln>
-        </p:spPr>
-        <p:style>
-          <a:lnRef idx="2">
-            <a:schemeClr val="accent1">
-              <a:shade val="50000"/>
-            </a:schemeClr>
-          </a:lnRef>
-          <a:fillRef idx="1">
-            <a:schemeClr val="accent1"/>
-          </a:fillRef>
-          <a:effectRef idx="0">
-            <a:schemeClr val="accent1"/>
-          </a:effectRef>
-          <a:fontRef idx="minor">
-            <a:schemeClr val="lt1"/>
-          </a:fontRef>
-        </p:style>
-        <p:txBody>
-          <a:bodyPr rtlCol="0" anchor="ctr"/>
-          <a:lstStyle/>
-          <a:p>
-            <a:pPr algn="ctr"/>
-            <a:endParaRPr lang="en-US"/>
-          </a:p>
-        </p:txBody>
-      </p:sp>
-      <p:sp>
-        <p:nvSpPr>
-          <p:cNvPr id="2" name="Title 1">
-            <a:extLst>
-              <a:ext uri="{FF2B5EF4-FFF2-40B4-BE49-F238E27FC236}">
-                <a16:creationId xmlns:a16="http://schemas.microsoft.com/office/drawing/2014/main" id="{AF1FA8A9-E798-B896-128E-714DC995938E}"/>
-              </a:ext>
-            </a:extLst>
-          </p:cNvPr>
-          <p:cNvSpPr>
-            <a:spLocks noGrp="1"/>
-          </p:cNvSpPr>
-          <p:nvPr>
-            <p:ph type="title"/>
-          </p:nvPr>
-        </p:nvSpPr>
-        <p:spPr>
-          <a:xfrm>
-            <a:off x="2103121" y="4727173"/>
-            <a:ext cx="7985759" cy="868823"/>
-          </a:xfrm>
-        </p:spPr>
-        <p:txBody>
-          <a:bodyPr vert="horz" lIns="91440" tIns="45720" rIns="91440" bIns="45720" rtlCol="0" anchor="b">
-            <a:normAutofit/>
-          </a:bodyPr>
-          <a:lstStyle/>
-          <a:p>
-            <a:pPr algn="ctr"/>
-            <a:r>
-              <a:rPr lang="en-US" sz="4000" dirty="0">
-                <a:solidFill>
-                  <a:schemeClr val="bg1"/>
-                </a:solidFill>
-              </a:rPr>
-              <a:t>Thank you</a:t>
-            </a:r>
-          </a:p>
-        </p:txBody>
-      </p:sp>
-    </p:spTree>
-    <p:extLst>
-      <p:ext uri="{BB962C8B-B14F-4D97-AF65-F5344CB8AC3E}">
-        <p14:creationId xmlns:p14="http://schemas.microsoft.com/office/powerpoint/2010/main" val="1467470077"/>
       </p:ext>
     </p:extLst>
   </p:cSld>
@@ -8786,6 +8832,830 @@
 </p:sld>
 </file>
 
+<file path=ppt/slides/slide20.xml><?xml version="1.0" encoding="utf-8"?>
+<p:sld xmlns:a="http://schemas.openxmlformats.org/drawingml/2006/main" xmlns:r="http://schemas.openxmlformats.org/officeDocument/2006/relationships" xmlns:p="http://schemas.openxmlformats.org/presentationml/2006/main">
+  <p:cSld>
+    <p:spTree>
+      <p:nvGrpSpPr>
+        <p:cNvPr id="1" name=""/>
+        <p:cNvGrpSpPr/>
+        <p:nvPr/>
+      </p:nvGrpSpPr>
+      <p:grpSpPr>
+        <a:xfrm>
+          <a:off x="0" y="0"/>
+          <a:ext cx="0" cy="0"/>
+          <a:chOff x="0" y="0"/>
+          <a:chExt cx="0" cy="0"/>
+        </a:xfrm>
+      </p:grpSpPr>
+      <p:sp>
+        <p:nvSpPr>
+          <p:cNvPr id="2" name="Title 1">
+            <a:extLst>
+              <a:ext uri="{FF2B5EF4-FFF2-40B4-BE49-F238E27FC236}">
+                <a16:creationId xmlns:a16="http://schemas.microsoft.com/office/drawing/2014/main" id="{8F6CDC37-5A7F-2E1B-38A9-76422E3BE1F3}"/>
+              </a:ext>
+            </a:extLst>
+          </p:cNvPr>
+          <p:cNvSpPr>
+            <a:spLocks noGrp="1"/>
+          </p:cNvSpPr>
+          <p:nvPr>
+            <p:ph type="title"/>
+          </p:nvPr>
+        </p:nvSpPr>
+        <p:spPr/>
+        <p:txBody>
+          <a:bodyPr/>
+          <a:lstStyle/>
+          <a:p>
+            <a:pPr lvl="0">
+              <a:lnSpc>
+                <a:spcPct val="100000"/>
+              </a:lnSpc>
+              <a:defRPr cap="all"/>
+            </a:pPr>
+            <a:r>
+              <a:rPr lang="en-US" dirty="0"/>
+              <a:t>References:</a:t>
+            </a:r>
+          </a:p>
+        </p:txBody>
+      </p:sp>
+      <p:sp>
+        <p:nvSpPr>
+          <p:cNvPr id="3" name="Content Placeholder 2">
+            <a:extLst>
+              <a:ext uri="{FF2B5EF4-FFF2-40B4-BE49-F238E27FC236}">
+                <a16:creationId xmlns:a16="http://schemas.microsoft.com/office/drawing/2014/main" id="{A778A304-6388-DDA2-3732-EB1E2AA83D76}"/>
+              </a:ext>
+            </a:extLst>
+          </p:cNvPr>
+          <p:cNvSpPr>
+            <a:spLocks noGrp="1"/>
+          </p:cNvSpPr>
+          <p:nvPr>
+            <p:ph idx="1"/>
+          </p:nvPr>
+        </p:nvSpPr>
+        <p:spPr/>
+        <p:txBody>
+          <a:bodyPr>
+            <a:normAutofit/>
+          </a:bodyPr>
+          <a:lstStyle/>
+          <a:p>
+            <a:pPr rtl="0">
+              <a:spcBef>
+                <a:spcPts val="0"/>
+              </a:spcBef>
+              <a:spcAft>
+                <a:spcPts val="0"/>
+              </a:spcAft>
+            </a:pPr>
+            <a:r>
+              <a:rPr lang="en-US" sz="1800" i="0" u="none" strike="noStrike" dirty="0">
+                <a:solidFill>
+                  <a:srgbClr val="1D1C1D"/>
+                </a:solidFill>
+                <a:effectLst/>
+                <a:latin typeface="Arial" panose="020B0604020202020204" pitchFamily="34" charset="0"/>
+                <a:cs typeface="Arial" panose="020B0604020202020204" pitchFamily="34" charset="0"/>
+                <a:hlinkClick r:id="rId2"/>
+              </a:rPr>
+              <a:t>https://hub.arcgis.com/datasets/TrainingServices::-bigfoot-sightings/explore?location=27.848424%2C-103.774481%2C4.00</a:t>
+            </a:r>
+            <a:endParaRPr lang="en-US" sz="1800" i="0" u="none" strike="noStrike" dirty="0">
+              <a:solidFill>
+                <a:srgbClr val="1D1C1D"/>
+              </a:solidFill>
+              <a:effectLst/>
+              <a:latin typeface="Arial" panose="020B0604020202020204" pitchFamily="34" charset="0"/>
+              <a:cs typeface="Arial" panose="020B0604020202020204" pitchFamily="34" charset="0"/>
+            </a:endParaRPr>
+          </a:p>
+          <a:p>
+            <a:r>
+              <a:rPr lang="en-US" sz="1800" i="0" u="none" strike="noStrike" dirty="0">
+                <a:solidFill>
+                  <a:srgbClr val="1D1C1D"/>
+                </a:solidFill>
+                <a:effectLst/>
+                <a:latin typeface="Arial" panose="020B0604020202020204" pitchFamily="34" charset="0"/>
+                <a:cs typeface="Arial" panose="020B0604020202020204" pitchFamily="34" charset="0"/>
+                <a:hlinkClick r:id="rId3"/>
+              </a:rPr>
+              <a:t>https://data.world/timothyrenner/bfro-sightings-data</a:t>
+            </a:r>
+            <a:endParaRPr lang="en-US" sz="1800" i="0" u="none" strike="noStrike" dirty="0">
+              <a:solidFill>
+                <a:srgbClr val="1D1C1D"/>
+              </a:solidFill>
+              <a:effectLst/>
+              <a:latin typeface="Arial" panose="020B0604020202020204" pitchFamily="34" charset="0"/>
+              <a:cs typeface="Arial" panose="020B0604020202020204" pitchFamily="34" charset="0"/>
+            </a:endParaRPr>
+          </a:p>
+          <a:p>
+            <a:r>
+              <a:rPr lang="en-US" sz="1800" dirty="0">
+                <a:latin typeface="Arial" panose="020B0604020202020204" pitchFamily="34" charset="0"/>
+                <a:cs typeface="Arial" panose="020B0604020202020204" pitchFamily="34" charset="0"/>
+                <a:hlinkClick r:id="rId4"/>
+              </a:rPr>
+              <a:t>https://cdn.pixabay.com/photo/2022/01/14/04/02/bigfoot-6936421__340.png</a:t>
+            </a:r>
+            <a:endParaRPr lang="en-US" sz="1800" dirty="0">
+              <a:latin typeface="Arial" panose="020B0604020202020204" pitchFamily="34" charset="0"/>
+              <a:cs typeface="Arial" panose="020B0604020202020204" pitchFamily="34" charset="0"/>
+            </a:endParaRPr>
+          </a:p>
+          <a:p>
+            <a:endParaRPr lang="en-US" sz="1800" dirty="0">
+              <a:latin typeface="Arial" panose="020B0604020202020204" pitchFamily="34" charset="0"/>
+              <a:cs typeface="Arial" panose="020B0604020202020204" pitchFamily="34" charset="0"/>
+            </a:endParaRPr>
+          </a:p>
+        </p:txBody>
+      </p:sp>
+    </p:spTree>
+    <p:extLst>
+      <p:ext uri="{BB962C8B-B14F-4D97-AF65-F5344CB8AC3E}">
+        <p14:creationId xmlns:p14="http://schemas.microsoft.com/office/powerpoint/2010/main" val="4106291257"/>
+      </p:ext>
+    </p:extLst>
+  </p:cSld>
+  <p:clrMapOvr>
+    <a:masterClrMapping/>
+  </p:clrMapOvr>
+</p:sld>
+</file>
+
+<file path=ppt/slides/slide21.xml><?xml version="1.0" encoding="utf-8"?>
+<p:sld xmlns:a="http://schemas.openxmlformats.org/drawingml/2006/main" xmlns:r="http://schemas.openxmlformats.org/officeDocument/2006/relationships" xmlns:p="http://schemas.openxmlformats.org/presentationml/2006/main">
+  <p:cSld>
+    <p:bg>
+      <p:bgPr>
+        <a:solidFill>
+          <a:schemeClr val="bg2"/>
+        </a:solidFill>
+        <a:effectLst/>
+      </p:bgPr>
+    </p:bg>
+    <p:spTree>
+      <p:nvGrpSpPr>
+        <p:cNvPr id="1" name=""/>
+        <p:cNvGrpSpPr/>
+        <p:nvPr/>
+      </p:nvGrpSpPr>
+      <p:grpSpPr>
+        <a:xfrm>
+          <a:off x="0" y="0"/>
+          <a:ext cx="0" cy="0"/>
+          <a:chOff x="0" y="0"/>
+          <a:chExt cx="0" cy="0"/>
+        </a:xfrm>
+      </p:grpSpPr>
+      <p:sp>
+        <p:nvSpPr>
+          <p:cNvPr id="22" name="Rectangle 11">
+            <a:extLst>
+              <a:ext uri="{FF2B5EF4-FFF2-40B4-BE49-F238E27FC236}">
+                <a16:creationId xmlns:a16="http://schemas.microsoft.com/office/drawing/2014/main" id="{1BB56EB9-078F-4952-AC1F-149C7A0AE4D5}"/>
+              </a:ext>
+              <a:ext uri="{C183D7F6-B498-43B3-948B-1728B52AA6E4}">
+                <adec:decorative xmlns:adec="http://schemas.microsoft.com/office/drawing/2017/decorative" val="1"/>
+              </a:ext>
+            </a:extLst>
+          </p:cNvPr>
+          <p:cNvSpPr>
+            <a:spLocks noGrp="1" noRot="1" noChangeAspect="1" noMove="1" noResize="1" noEditPoints="1" noAdjustHandles="1" noChangeArrowheads="1" noChangeShapeType="1" noTextEdit="1"/>
+          </p:cNvSpPr>
+          <p:nvPr>
+            <p:extLst>
+              <p:ext uri="{386F3935-93C4-4BCD-93E2-E3B085C9AB24}">
+                <p16:designElem xmlns:p16="http://schemas.microsoft.com/office/powerpoint/2015/main" val="1"/>
+              </p:ext>
+            </p:extLst>
+          </p:nvPr>
+        </p:nvSpPr>
+        <p:spPr>
+          <a:xfrm>
+            <a:off x="0" y="0"/>
+            <a:ext cx="12192000" cy="6858000"/>
+          </a:xfrm>
+          <a:prstGeom prst="rect">
+            <a:avLst/>
+          </a:prstGeom>
+          <a:solidFill>
+            <a:schemeClr val="tx1"/>
+          </a:solidFill>
+          <a:ln>
+            <a:noFill/>
+          </a:ln>
+        </p:spPr>
+        <p:style>
+          <a:lnRef idx="2">
+            <a:schemeClr val="accent1">
+              <a:shade val="50000"/>
+            </a:schemeClr>
+          </a:lnRef>
+          <a:fillRef idx="1">
+            <a:schemeClr val="accent1"/>
+          </a:fillRef>
+          <a:effectRef idx="0">
+            <a:schemeClr val="accent1"/>
+          </a:effectRef>
+          <a:fontRef idx="minor">
+            <a:schemeClr val="lt1"/>
+          </a:fontRef>
+        </p:style>
+        <p:txBody>
+          <a:bodyPr rtlCol="0" anchor="ctr"/>
+          <a:lstStyle/>
+          <a:p>
+            <a:pPr algn="ctr"/>
+            <a:endParaRPr lang="en-US"/>
+          </a:p>
+        </p:txBody>
+      </p:sp>
+      <p:sp>
+        <p:nvSpPr>
+          <p:cNvPr id="23" name="Rectangle 13">
+            <a:extLst>
+              <a:ext uri="{FF2B5EF4-FFF2-40B4-BE49-F238E27FC236}">
+                <a16:creationId xmlns:a16="http://schemas.microsoft.com/office/drawing/2014/main" id="{D3772EE4-ED5E-4D3A-A306-B22CF866786D}"/>
+              </a:ext>
+              <a:ext uri="{C183D7F6-B498-43B3-948B-1728B52AA6E4}">
+                <adec:decorative xmlns:adec="http://schemas.microsoft.com/office/drawing/2017/decorative" val="1"/>
+              </a:ext>
+            </a:extLst>
+          </p:cNvPr>
+          <p:cNvSpPr>
+            <a:spLocks noGrp="1" noRot="1" noChangeAspect="1" noMove="1" noResize="1" noEditPoints="1" noAdjustHandles="1" noChangeArrowheads="1" noChangeShapeType="1" noTextEdit="1"/>
+          </p:cNvSpPr>
+          <p:nvPr>
+            <p:extLst>
+              <p:ext uri="{386F3935-93C4-4BCD-93E2-E3B085C9AB24}">
+                <p16:designElem xmlns:p16="http://schemas.microsoft.com/office/powerpoint/2015/main" val="1"/>
+              </p:ext>
+            </p:extLst>
+          </p:nvPr>
+        </p:nvSpPr>
+        <p:spPr>
+          <a:xfrm>
+            <a:off x="446534" y="601200"/>
+            <a:ext cx="3703320" cy="5789365"/>
+          </a:xfrm>
+          <a:prstGeom prst="rect">
+            <a:avLst/>
+          </a:prstGeom>
+          <a:solidFill>
+            <a:srgbClr val="465359"/>
+          </a:solidFill>
+          <a:ln>
+            <a:noFill/>
+          </a:ln>
+          <a:effectLst/>
+        </p:spPr>
+        <p:style>
+          <a:lnRef idx="1">
+            <a:schemeClr val="accent1"/>
+          </a:lnRef>
+          <a:fillRef idx="3">
+            <a:schemeClr val="accent1"/>
+          </a:fillRef>
+          <a:effectRef idx="2">
+            <a:schemeClr val="accent1"/>
+          </a:effectRef>
+          <a:fontRef idx="minor">
+            <a:schemeClr val="lt1"/>
+          </a:fontRef>
+        </p:style>
+      </p:sp>
+      <p:sp>
+        <p:nvSpPr>
+          <p:cNvPr id="24" name="Rectangle 15">
+            <a:extLst>
+              <a:ext uri="{FF2B5EF4-FFF2-40B4-BE49-F238E27FC236}">
+                <a16:creationId xmlns:a16="http://schemas.microsoft.com/office/drawing/2014/main" id="{10058680-D07C-4893-B2B7-91543F18AB32}"/>
+              </a:ext>
+              <a:ext uri="{C183D7F6-B498-43B3-948B-1728B52AA6E4}">
+                <adec:decorative xmlns:adec="http://schemas.microsoft.com/office/drawing/2017/decorative" val="1"/>
+              </a:ext>
+            </a:extLst>
+          </p:cNvPr>
+          <p:cNvSpPr>
+            <a:spLocks noGrp="1" noRot="1" noChangeAspect="1" noMove="1" noResize="1" noEditPoints="1" noAdjustHandles="1" noChangeArrowheads="1" noChangeShapeType="1" noTextEdit="1"/>
+          </p:cNvSpPr>
+          <p:nvPr>
+            <p:extLst>
+              <p:ext uri="{386F3935-93C4-4BCD-93E2-E3B085C9AB24}">
+                <p16:designElem xmlns:p16="http://schemas.microsoft.com/office/powerpoint/2015/main" val="1"/>
+              </p:ext>
+            </p:extLst>
+          </p:nvPr>
+        </p:nvSpPr>
+        <p:spPr>
+          <a:xfrm>
+            <a:off x="446534" y="457200"/>
+            <a:ext cx="3703320" cy="94997"/>
+          </a:xfrm>
+          <a:prstGeom prst="rect">
+            <a:avLst/>
+          </a:prstGeom>
+          <a:solidFill>
+            <a:srgbClr val="465359"/>
+          </a:solidFill>
+          <a:ln>
+            <a:noFill/>
+          </a:ln>
+          <a:effectLst/>
+        </p:spPr>
+        <p:style>
+          <a:lnRef idx="1">
+            <a:schemeClr val="accent1"/>
+          </a:lnRef>
+          <a:fillRef idx="3">
+            <a:schemeClr val="accent1"/>
+          </a:fillRef>
+          <a:effectRef idx="2">
+            <a:schemeClr val="accent1"/>
+          </a:effectRef>
+          <a:fontRef idx="minor">
+            <a:schemeClr val="lt1"/>
+          </a:fontRef>
+        </p:style>
+      </p:sp>
+      <p:sp>
+        <p:nvSpPr>
+          <p:cNvPr id="25" name="Rectangle 17">
+            <a:extLst>
+              <a:ext uri="{FF2B5EF4-FFF2-40B4-BE49-F238E27FC236}">
+                <a16:creationId xmlns:a16="http://schemas.microsoft.com/office/drawing/2014/main" id="{7B42427A-0A1F-4A55-8705-D9179F1E0CFB}"/>
+              </a:ext>
+              <a:ext uri="{C183D7F6-B498-43B3-948B-1728B52AA6E4}">
+                <adec:decorative xmlns:adec="http://schemas.microsoft.com/office/drawing/2017/decorative" val="1"/>
+              </a:ext>
+            </a:extLst>
+          </p:cNvPr>
+          <p:cNvSpPr>
+            <a:spLocks noGrp="1" noRot="1" noChangeAspect="1" noMove="1" noResize="1" noEditPoints="1" noAdjustHandles="1" noChangeArrowheads="1" noChangeShapeType="1" noTextEdit="1"/>
+          </p:cNvSpPr>
+          <p:nvPr>
+            <p:extLst>
+              <p:ext uri="{386F3935-93C4-4BCD-93E2-E3B085C9AB24}">
+                <p16:designElem xmlns:p16="http://schemas.microsoft.com/office/powerpoint/2015/main" val="1"/>
+              </p:ext>
+            </p:extLst>
+          </p:nvPr>
+        </p:nvSpPr>
+        <p:spPr>
+          <a:xfrm>
+            <a:off x="4241830" y="457200"/>
+            <a:ext cx="3703320" cy="91440"/>
+          </a:xfrm>
+          <a:prstGeom prst="rect">
+            <a:avLst/>
+          </a:prstGeom>
+          <a:solidFill>
+            <a:schemeClr val="accent1"/>
+          </a:solidFill>
+          <a:ln>
+            <a:noFill/>
+          </a:ln>
+          <a:effectLst/>
+        </p:spPr>
+        <p:style>
+          <a:lnRef idx="1">
+            <a:schemeClr val="accent1"/>
+          </a:lnRef>
+          <a:fillRef idx="3">
+            <a:schemeClr val="accent1"/>
+          </a:fillRef>
+          <a:effectRef idx="2">
+            <a:schemeClr val="accent1"/>
+          </a:effectRef>
+          <a:fontRef idx="minor">
+            <a:schemeClr val="lt1"/>
+          </a:fontRef>
+        </p:style>
+        <p:txBody>
+          <a:bodyPr/>
+          <a:lstStyle/>
+          <a:p>
+            <a:endParaRPr lang="en-US" dirty="0"/>
+          </a:p>
+        </p:txBody>
+      </p:sp>
+      <p:sp>
+        <p:nvSpPr>
+          <p:cNvPr id="26" name="Rectangle 19">
+            <a:extLst>
+              <a:ext uri="{FF2B5EF4-FFF2-40B4-BE49-F238E27FC236}">
+                <a16:creationId xmlns:a16="http://schemas.microsoft.com/office/drawing/2014/main" id="{EE54A6FE-D8CB-48A3-900B-053D4EBD3B85}"/>
+              </a:ext>
+              <a:ext uri="{C183D7F6-B498-43B3-948B-1728B52AA6E4}">
+                <adec:decorative xmlns:adec="http://schemas.microsoft.com/office/drawing/2017/decorative" val="1"/>
+              </a:ext>
+            </a:extLst>
+          </p:cNvPr>
+          <p:cNvSpPr>
+            <a:spLocks noGrp="1" noRot="1" noChangeAspect="1" noMove="1" noResize="1" noEditPoints="1" noAdjustHandles="1" noChangeArrowheads="1" noChangeShapeType="1" noTextEdit="1"/>
+          </p:cNvSpPr>
+          <p:nvPr>
+            <p:extLst>
+              <p:ext uri="{386F3935-93C4-4BCD-93E2-E3B085C9AB24}">
+                <p16:designElem xmlns:p16="http://schemas.microsoft.com/office/powerpoint/2015/main" val="1"/>
+              </p:ext>
+            </p:extLst>
+          </p:nvPr>
+        </p:nvSpPr>
+        <p:spPr>
+          <a:xfrm>
+            <a:off x="8042147" y="453643"/>
+            <a:ext cx="3703320" cy="98554"/>
+          </a:xfrm>
+          <a:prstGeom prst="rect">
+            <a:avLst/>
+          </a:prstGeom>
+          <a:solidFill>
+            <a:srgbClr val="969FA7"/>
+          </a:solidFill>
+          <a:ln>
+            <a:noFill/>
+          </a:ln>
+          <a:effectLst/>
+        </p:spPr>
+        <p:style>
+          <a:lnRef idx="1">
+            <a:schemeClr val="accent1"/>
+          </a:lnRef>
+          <a:fillRef idx="3">
+            <a:schemeClr val="accent1"/>
+          </a:fillRef>
+          <a:effectRef idx="2">
+            <a:schemeClr val="accent1"/>
+          </a:effectRef>
+          <a:fontRef idx="minor">
+            <a:schemeClr val="lt1"/>
+          </a:fontRef>
+        </p:style>
+      </p:sp>
+      <p:sp>
+        <p:nvSpPr>
+          <p:cNvPr id="9" name="Content Placeholder 8">
+            <a:extLst>
+              <a:ext uri="{FF2B5EF4-FFF2-40B4-BE49-F238E27FC236}">
+                <a16:creationId xmlns:a16="http://schemas.microsoft.com/office/drawing/2014/main" id="{D0A5AC2E-D94F-7F0C-7A97-9836F623D14B}"/>
+              </a:ext>
+            </a:extLst>
+          </p:cNvPr>
+          <p:cNvSpPr>
+            <a:spLocks noGrp="1"/>
+          </p:cNvSpPr>
+          <p:nvPr>
+            <p:ph idx="1"/>
+          </p:nvPr>
+        </p:nvSpPr>
+        <p:spPr>
+          <a:xfrm>
+            <a:off x="671513" y="2536031"/>
+            <a:ext cx="3123783" cy="3671936"/>
+          </a:xfrm>
+        </p:spPr>
+        <p:txBody>
+          <a:bodyPr anchor="t">
+            <a:normAutofit/>
+          </a:bodyPr>
+          <a:lstStyle/>
+          <a:p>
+            <a:pPr marL="0" indent="0">
+              <a:buNone/>
+            </a:pPr>
+            <a:r>
+              <a:rPr lang="en-US" sz="1800" dirty="0">
+                <a:solidFill>
+                  <a:schemeClr val="tx1"/>
+                </a:solidFill>
+                <a:latin typeface="Arial" panose="020B0604020202020204" pitchFamily="34" charset="0"/>
+                <a:cs typeface="Arial" panose="020B0604020202020204" pitchFamily="34" charset="0"/>
+              </a:rPr>
+              <a:t>W</a:t>
+            </a:r>
+            <a:r>
+              <a:rPr lang="en-US" sz="1800" b="0" i="0" dirty="0">
+                <a:solidFill>
+                  <a:schemeClr val="tx1"/>
+                </a:solidFill>
+                <a:effectLst/>
+                <a:latin typeface="Arial" panose="020B0604020202020204" pitchFamily="34" charset="0"/>
+                <a:cs typeface="Arial" panose="020B0604020202020204" pitchFamily="34" charset="0"/>
+              </a:rPr>
+              <a:t>here do you think you can see BIGFOOT?</a:t>
+            </a:r>
+          </a:p>
+          <a:p>
+            <a:pPr marL="0" indent="0">
+              <a:buNone/>
+            </a:pPr>
+            <a:r>
+              <a:rPr lang="en-US" sz="1800" dirty="0">
+                <a:solidFill>
+                  <a:schemeClr val="tx1"/>
+                </a:solidFill>
+                <a:latin typeface="Arial" panose="020B0604020202020204" pitchFamily="34" charset="0"/>
+                <a:cs typeface="Arial" panose="020B0604020202020204" pitchFamily="34" charset="0"/>
+              </a:rPr>
+              <a:t>…  in your BACKYARD?</a:t>
+            </a:r>
+          </a:p>
+          <a:p>
+            <a:endParaRPr lang="en-US" dirty="0">
+              <a:solidFill>
+                <a:srgbClr val="FFFFFF"/>
+              </a:solidFill>
+              <a:latin typeface="Arial" panose="020B0604020202020204" pitchFamily="34" charset="0"/>
+              <a:cs typeface="Arial" panose="020B0604020202020204" pitchFamily="34" charset="0"/>
+            </a:endParaRPr>
+          </a:p>
+        </p:txBody>
+      </p:sp>
+      <p:pic>
+        <p:nvPicPr>
+          <p:cNvPr id="5" name="Content Placeholder 4" descr="A picture containing text, mammal&#10;&#10;Description automatically generated">
+            <a:extLst>
+              <a:ext uri="{FF2B5EF4-FFF2-40B4-BE49-F238E27FC236}">
+                <a16:creationId xmlns:a16="http://schemas.microsoft.com/office/drawing/2014/main" id="{AB12FBF7-7C1D-14A0-A1AF-8525ADAB2AEB}"/>
+              </a:ext>
+            </a:extLst>
+          </p:cNvPr>
+          <p:cNvPicPr>
+            <a:picLocks noChangeAspect="1"/>
+          </p:cNvPicPr>
+          <p:nvPr/>
+        </p:nvPicPr>
+        <p:blipFill rotWithShape="1">
+          <a:blip r:embed="rId2"/>
+          <a:srcRect t="994" b="21852"/>
+          <a:stretch/>
+        </p:blipFill>
+        <p:spPr>
+          <a:xfrm>
+            <a:off x="4241830" y="601200"/>
+            <a:ext cx="7503636" cy="5789365"/>
+          </a:xfrm>
+          <a:prstGeom prst="rect">
+            <a:avLst/>
+          </a:prstGeom>
+        </p:spPr>
+      </p:pic>
+    </p:spTree>
+    <p:extLst>
+      <p:ext uri="{BB962C8B-B14F-4D97-AF65-F5344CB8AC3E}">
+        <p14:creationId xmlns:p14="http://schemas.microsoft.com/office/powerpoint/2010/main" val="1296869327"/>
+      </p:ext>
+    </p:extLst>
+  </p:cSld>
+  <p:clrMapOvr>
+    <a:overrideClrMapping bg1="dk1" tx1="lt1" bg2="dk2" tx2="lt2" accent1="accent1" accent2="accent2" accent3="accent3" accent4="accent4" accent5="accent5" accent6="accent6" hlink="hlink" folHlink="folHlink"/>
+  </p:clrMapOvr>
+</p:sld>
+</file>
+
+<file path=ppt/slides/slide22.xml><?xml version="1.0" encoding="utf-8"?>
+<p:sld xmlns:a="http://schemas.openxmlformats.org/drawingml/2006/main" xmlns:r="http://schemas.openxmlformats.org/officeDocument/2006/relationships" xmlns:p="http://schemas.openxmlformats.org/presentationml/2006/main">
+  <p:cSld>
+    <p:bg>
+      <p:bgPr>
+        <a:solidFill>
+          <a:schemeClr val="bg1"/>
+        </a:solidFill>
+        <a:effectLst/>
+      </p:bgPr>
+    </p:bg>
+    <p:spTree>
+      <p:nvGrpSpPr>
+        <p:cNvPr id="1" name=""/>
+        <p:cNvGrpSpPr/>
+        <p:nvPr/>
+      </p:nvGrpSpPr>
+      <p:grpSpPr>
+        <a:xfrm>
+          <a:off x="0" y="0"/>
+          <a:ext cx="0" cy="0"/>
+          <a:chOff x="0" y="0"/>
+          <a:chExt cx="0" cy="0"/>
+        </a:xfrm>
+      </p:grpSpPr>
+      <p:pic>
+        <p:nvPicPr>
+          <p:cNvPr id="5" name="Content Placeholder 4" descr="A picture containing tree, outdoor, mammal, brown&#10;&#10;Description automatically generated">
+            <a:extLst>
+              <a:ext uri="{FF2B5EF4-FFF2-40B4-BE49-F238E27FC236}">
+                <a16:creationId xmlns:a16="http://schemas.microsoft.com/office/drawing/2014/main" id="{FAE1E3D5-1A4E-A1C1-6B49-94BC8B075F09}"/>
+              </a:ext>
+            </a:extLst>
+          </p:cNvPr>
+          <p:cNvPicPr>
+            <a:picLocks noChangeAspect="1"/>
+          </p:cNvPicPr>
+          <p:nvPr/>
+        </p:nvPicPr>
+        <p:blipFill rotWithShape="1">
+          <a:blip r:embed="rId2"/>
+          <a:srcRect t="15413"/>
+          <a:stretch/>
+        </p:blipFill>
+        <p:spPr>
+          <a:xfrm>
+            <a:off x="20" y="10"/>
+            <a:ext cx="12191980" cy="6857990"/>
+          </a:xfrm>
+          <a:prstGeom prst="rect">
+            <a:avLst/>
+          </a:prstGeom>
+        </p:spPr>
+      </p:pic>
+      <p:sp>
+        <p:nvSpPr>
+          <p:cNvPr id="12" name="Rectangle 11">
+            <a:extLst>
+              <a:ext uri="{FF2B5EF4-FFF2-40B4-BE49-F238E27FC236}">
+                <a16:creationId xmlns:a16="http://schemas.microsoft.com/office/drawing/2014/main" id="{36B822CC-7DA9-4417-AA94-64CEB676F0B8}"/>
+              </a:ext>
+              <a:ext uri="{C183D7F6-B498-43B3-948B-1728B52AA6E4}">
+                <adec:decorative xmlns:adec="http://schemas.microsoft.com/office/drawing/2017/decorative" val="1"/>
+              </a:ext>
+            </a:extLst>
+          </p:cNvPr>
+          <p:cNvSpPr>
+            <a:spLocks noGrp="1" noRot="1" noChangeAspect="1" noMove="1" noResize="1" noEditPoints="1" noAdjustHandles="1" noChangeArrowheads="1" noChangeShapeType="1" noTextEdit="1"/>
+          </p:cNvSpPr>
+          <p:nvPr>
+            <p:extLst>
+              <p:ext uri="{386F3935-93C4-4BCD-93E2-E3B085C9AB24}">
+                <p16:designElem xmlns:p16="http://schemas.microsoft.com/office/powerpoint/2015/main" val="1"/>
+              </p:ext>
+            </p:extLst>
+          </p:nvPr>
+        </p:nvSpPr>
+        <p:spPr>
+          <a:xfrm>
+            <a:off x="753883" y="849057"/>
+            <a:ext cx="3703320" cy="94997"/>
+          </a:xfrm>
+          <a:prstGeom prst="rect">
+            <a:avLst/>
+          </a:prstGeom>
+          <a:solidFill>
+            <a:schemeClr val="bg1">
+              <a:alpha val="95000"/>
+            </a:schemeClr>
+          </a:solidFill>
+          <a:ln>
+            <a:noFill/>
+          </a:ln>
+          <a:effectLst/>
+        </p:spPr>
+        <p:style>
+          <a:lnRef idx="1">
+            <a:schemeClr val="accent1"/>
+          </a:lnRef>
+          <a:fillRef idx="3">
+            <a:schemeClr val="accent1"/>
+          </a:fillRef>
+          <a:effectRef idx="2">
+            <a:schemeClr val="accent1"/>
+          </a:effectRef>
+          <a:fontRef idx="minor">
+            <a:schemeClr val="lt1"/>
+          </a:fontRef>
+        </p:style>
+      </p:sp>
+      <p:sp>
+        <p:nvSpPr>
+          <p:cNvPr id="14" name="Rectangle 13">
+            <a:extLst>
+              <a:ext uri="{FF2B5EF4-FFF2-40B4-BE49-F238E27FC236}">
+                <a16:creationId xmlns:a16="http://schemas.microsoft.com/office/drawing/2014/main" id="{AFA01E88-71CC-4FF3-9E81-51E0C32B45E4}"/>
+              </a:ext>
+              <a:ext uri="{C183D7F6-B498-43B3-948B-1728B52AA6E4}">
+                <adec:decorative xmlns:adec="http://schemas.microsoft.com/office/drawing/2017/decorative" val="1"/>
+              </a:ext>
+            </a:extLst>
+          </p:cNvPr>
+          <p:cNvSpPr>
+            <a:spLocks noGrp="1" noRot="1" noChangeAspect="1" noMove="1" noResize="1" noEditPoints="1" noAdjustHandles="1" noChangeArrowheads="1" noChangeShapeType="1" noTextEdit="1"/>
+          </p:cNvSpPr>
+          <p:nvPr>
+            <p:extLst>
+              <p:ext uri="{386F3935-93C4-4BCD-93E2-E3B085C9AB24}">
+                <p16:designElem xmlns:p16="http://schemas.microsoft.com/office/powerpoint/2015/main" val="1"/>
+              </p:ext>
+            </p:extLst>
+          </p:nvPr>
+        </p:nvSpPr>
+        <p:spPr>
+          <a:xfrm>
+            <a:off x="753883" y="1012371"/>
+            <a:ext cx="3702134" cy="4202862"/>
+          </a:xfrm>
+          <a:prstGeom prst="rect">
+            <a:avLst/>
+          </a:prstGeom>
+          <a:solidFill>
+            <a:schemeClr val="bg1">
+              <a:alpha val="95000"/>
+            </a:schemeClr>
+          </a:solidFill>
+          <a:ln w="6350" cmpd="sng">
+            <a:noFill/>
+          </a:ln>
+          <a:effectLst/>
+        </p:spPr>
+        <p:style>
+          <a:lnRef idx="1">
+            <a:schemeClr val="accent1"/>
+          </a:lnRef>
+          <a:fillRef idx="3">
+            <a:schemeClr val="accent1"/>
+          </a:fillRef>
+          <a:effectRef idx="2">
+            <a:schemeClr val="accent1"/>
+          </a:effectRef>
+          <a:fontRef idx="minor">
+            <a:schemeClr val="lt1"/>
+          </a:fontRef>
+        </p:style>
+      </p:sp>
+      <p:sp>
+        <p:nvSpPr>
+          <p:cNvPr id="9" name="Content Placeholder 8">
+            <a:extLst>
+              <a:ext uri="{FF2B5EF4-FFF2-40B4-BE49-F238E27FC236}">
+                <a16:creationId xmlns:a16="http://schemas.microsoft.com/office/drawing/2014/main" id="{ED6B9C9C-7FA8-03F1-B16B-8939E9F8A19F}"/>
+              </a:ext>
+            </a:extLst>
+          </p:cNvPr>
+          <p:cNvSpPr>
+            <a:spLocks noGrp="1"/>
+          </p:cNvSpPr>
+          <p:nvPr>
+            <p:ph idx="1"/>
+          </p:nvPr>
+        </p:nvSpPr>
+        <p:spPr>
+          <a:xfrm>
+            <a:off x="897226" y="2266683"/>
+            <a:ext cx="3374265" cy="2704562"/>
+          </a:xfrm>
+        </p:spPr>
+        <p:txBody>
+          <a:bodyPr>
+            <a:normAutofit/>
+          </a:bodyPr>
+          <a:lstStyle/>
+          <a:p>
+            <a:pPr marL="0" indent="0" algn="r">
+              <a:buNone/>
+            </a:pPr>
+            <a:r>
+              <a:rPr lang="en-US" sz="1600" dirty="0">
+                <a:latin typeface="Arial" panose="020B0604020202020204" pitchFamily="34" charset="0"/>
+                <a:cs typeface="Arial" panose="020B0604020202020204" pitchFamily="34" charset="0"/>
+              </a:rPr>
+              <a:t>“HOPE TO SEE YOU TONIGHT”</a:t>
+            </a:r>
+          </a:p>
+          <a:p>
+            <a:pPr marL="0" indent="0" algn="r">
+              <a:buNone/>
+            </a:pPr>
+            <a:r>
+              <a:rPr lang="en-US" sz="1600" dirty="0">
+                <a:latin typeface="Arial" panose="020B0604020202020204" pitchFamily="34" charset="0"/>
+                <a:cs typeface="Arial" panose="020B0604020202020204" pitchFamily="34" charset="0"/>
+              </a:rPr>
+              <a:t>			THANK YOU!</a:t>
+            </a:r>
+          </a:p>
+        </p:txBody>
+      </p:sp>
+    </p:spTree>
+    <p:extLst>
+      <p:ext uri="{BB962C8B-B14F-4D97-AF65-F5344CB8AC3E}">
+        <p14:creationId xmlns:p14="http://schemas.microsoft.com/office/powerpoint/2010/main" val="2257534962"/>
+      </p:ext>
+    </p:extLst>
+  </p:cSld>
+  <p:clrMapOvr>
+    <a:overrideClrMapping bg1="dk1" tx1="lt1" bg2="dk2" tx2="lt2" accent1="accent1" accent2="accent2" accent3="accent3" accent4="accent4" accent5="accent5" accent6="accent6" hlink="hlink" folHlink="folHlink"/>
+  </p:clrMapOvr>
+</p:sld>
+</file>
+
 <file path=ppt/slides/slide3.xml><?xml version="1.0" encoding="utf-8"?>
 <p:sld xmlns:a="http://schemas.openxmlformats.org/drawingml/2006/main" xmlns:r="http://schemas.openxmlformats.org/officeDocument/2006/relationships" xmlns:p="http://schemas.openxmlformats.org/presentationml/2006/main">
   <p:cSld>
@@ -9225,7 +10095,7 @@
                   <a:schemeClr val="tx1"/>
                 </a:solidFill>
               </a:rPr>
-              <a:t>over view</a:t>
+              <a:t>overview</a:t>
             </a:r>
           </a:p>
         </p:txBody>
@@ -9391,44 +10261,75 @@
         </p:nvSpPr>
         <p:spPr/>
         <p:txBody>
-          <a:bodyPr/>
+          <a:bodyPr>
+            <a:normAutofit/>
+          </a:bodyPr>
           <a:lstStyle/>
           <a:p>
             <a:r>
-              <a:rPr lang="en-US" dirty="0"/>
-              <a:t>This data was derived from data provided by the Bigfoot Field Research Organization </a:t>
+              <a:rPr lang="en-US" sz="1800" dirty="0">
+                <a:latin typeface="Arial" panose="020B0604020202020204" pitchFamily="34" charset="0"/>
+                <a:cs typeface="Arial" panose="020B0604020202020204" pitchFamily="34" charset="0"/>
+              </a:rPr>
+              <a:t>The data was derived from data provided by the Bigfoot Field Research Organization </a:t>
             </a:r>
             <a:r>
-              <a:rPr lang="en-US" b="0" i="0" dirty="0">
+              <a:rPr lang="en-US" sz="1800" b="0" i="0" dirty="0">
                 <a:solidFill>
                   <a:srgbClr val="4E5057"/>
                 </a:solidFill>
                 <a:effectLst/>
-                <a:latin typeface="Lato" panose="020F0502020204030203" pitchFamily="34" charset="0"/>
+                <a:latin typeface="Arial" panose="020B0604020202020204" pitchFamily="34" charset="0"/>
+                <a:cs typeface="Arial" panose="020B0604020202020204" pitchFamily="34" charset="0"/>
               </a:rPr>
-              <a:t>(BFRO)</a:t>
+              <a:t>(BFRO), </a:t>
             </a:r>
             <a:r>
-              <a:rPr lang="en-US" dirty="0"/>
-              <a:t> </a:t>
-            </a:r>
-          </a:p>
-          <a:p>
-            <a:r>
-              <a:rPr lang="en-US" b="0" i="0" dirty="0">
+              <a:rPr lang="en-US" sz="1800" b="0" i="0" dirty="0" err="1">
                 <a:solidFill>
                   <a:srgbClr val="4E5057"/>
                 </a:solidFill>
                 <a:effectLst/>
-                <a:latin typeface="Lato" panose="020F0502020204030203" pitchFamily="34" charset="0"/>
+                <a:latin typeface="Arial" panose="020B0604020202020204" pitchFamily="34" charset="0"/>
+                <a:cs typeface="Arial" panose="020B0604020202020204" pitchFamily="34" charset="0"/>
+              </a:rPr>
+              <a:t>DataWorld</a:t>
+            </a:r>
+            <a:r>
+              <a:rPr lang="en-US" sz="1800" dirty="0">
+                <a:solidFill>
+                  <a:srgbClr val="4E5057"/>
+                </a:solidFill>
+                <a:latin typeface="Arial" panose="020B0604020202020204" pitchFamily="34" charset="0"/>
+                <a:cs typeface="Arial" panose="020B0604020202020204" pitchFamily="34" charset="0"/>
+              </a:rPr>
+              <a:t>.</a:t>
+            </a:r>
+            <a:endParaRPr lang="en-US" sz="1800" dirty="0">
+              <a:latin typeface="Arial" panose="020B0604020202020204" pitchFamily="34" charset="0"/>
+              <a:cs typeface="Arial" panose="020B0604020202020204" pitchFamily="34" charset="0"/>
+            </a:endParaRPr>
+          </a:p>
+          <a:p>
+            <a:r>
+              <a:rPr lang="en-US" sz="1800" b="0" i="0" dirty="0">
+                <a:solidFill>
+                  <a:srgbClr val="4E5057"/>
+                </a:solidFill>
+                <a:effectLst/>
+                <a:latin typeface="Arial" panose="020B0604020202020204" pitchFamily="34" charset="0"/>
+                <a:cs typeface="Arial" panose="020B0604020202020204" pitchFamily="34" charset="0"/>
               </a:rPr>
               <a:t>BFRO is an organization dedicated to investigating the bigfoot / sasquatch mystery.</a:t>
             </a:r>
           </a:p>
           <a:p>
             <a:r>
-              <a:rPr lang="en-US" dirty="0"/>
-              <a:t>This dataset shows the approximate locations of bigfoot sightings.</a:t>
+              <a:rPr lang="en-US" sz="1800" dirty="0">
+                <a:latin typeface="Arial" panose="020B0604020202020204" pitchFamily="34" charset="0"/>
+                <a:cs typeface="Arial" panose="020B0604020202020204" pitchFamily="34" charset="0"/>
+              </a:rPr>
+              <a:t>The dataset shows the approximate locations of bigfoot sightings and detail of sightings.</a:t>
             </a:r>
           </a:p>
         </p:txBody>
@@ -9449,6 +10350,14 @@
 <file path=ppt/slides/slide5.xml><?xml version="1.0" encoding="utf-8"?>
 <p:sld xmlns:a="http://schemas.openxmlformats.org/drawingml/2006/main" xmlns:r="http://schemas.openxmlformats.org/officeDocument/2006/relationships" xmlns:p="http://schemas.openxmlformats.org/presentationml/2006/main">
   <p:cSld>
+    <p:bg>
+      <p:bgPr>
+        <a:solidFill>
+          <a:schemeClr val="bg1"/>
+        </a:solidFill>
+        <a:effectLst/>
+      </p:bgPr>
+    </p:bg>
     <p:spTree>
       <p:nvGrpSpPr>
         <p:cNvPr id="1" name=""/>
@@ -9465,38 +10374,172 @@
       </p:grpSpPr>
       <p:sp>
         <p:nvSpPr>
-          <p:cNvPr id="2" name="Title 1">
+          <p:cNvPr id="28" name="Rectangle 27">
             <a:extLst>
               <a:ext uri="{FF2B5EF4-FFF2-40B4-BE49-F238E27FC236}">
-                <a16:creationId xmlns:a16="http://schemas.microsoft.com/office/drawing/2014/main" id="{8F6CDC37-5A7F-2E1B-38A9-76422E3BE1F3}"/>
+                <a16:creationId xmlns:a16="http://schemas.microsoft.com/office/drawing/2014/main" id="{C05729A4-6F0F-4423-AD0C-EF27345E6187}"/>
+              </a:ext>
+              <a:ext uri="{C183D7F6-B498-43B3-948B-1728B52AA6E4}">
+                <adec:decorative xmlns:adec="http://schemas.microsoft.com/office/drawing/2017/decorative" val="1"/>
               </a:ext>
             </a:extLst>
           </p:cNvPr>
           <p:cNvSpPr>
-            <a:spLocks noGrp="1"/>
+            <a:spLocks noGrp="1" noRot="1" noChangeAspect="1" noMove="1" noResize="1" noEditPoints="1" noAdjustHandles="1" noChangeArrowheads="1" noChangeShapeType="1" noTextEdit="1"/>
           </p:cNvSpPr>
           <p:nvPr>
-            <p:ph type="title"/>
-          </p:nvPr>
-        </p:nvSpPr>
-        <p:spPr/>
-        <p:txBody>
-          <a:bodyPr/>
-          <a:lstStyle/>
-          <a:p>
-            <a:r>
-              <a:rPr lang="en-US" dirty="0"/>
-              <a:t>Data overview</a:t>
-            </a:r>
-          </a:p>
-        </p:txBody>
+            <p:extLst>
+              <p:ext uri="{386F3935-93C4-4BCD-93E2-E3B085C9AB24}">
+                <p16:designElem xmlns:p16="http://schemas.microsoft.com/office/powerpoint/2015/main" val="1"/>
+              </p:ext>
+            </p:extLst>
+          </p:nvPr>
+        </p:nvSpPr>
+        <p:spPr>
+          <a:xfrm>
+            <a:off x="446534" y="457200"/>
+            <a:ext cx="3703320" cy="94997"/>
+          </a:xfrm>
+          <a:prstGeom prst="rect">
+            <a:avLst/>
+          </a:prstGeom>
+          <a:solidFill>
+            <a:srgbClr val="465359"/>
+          </a:solidFill>
+          <a:ln>
+            <a:noFill/>
+          </a:ln>
+          <a:effectLst/>
+        </p:spPr>
+        <p:style>
+          <a:lnRef idx="1">
+            <a:schemeClr val="accent1"/>
+          </a:lnRef>
+          <a:fillRef idx="3">
+            <a:schemeClr val="accent1"/>
+          </a:fillRef>
+          <a:effectRef idx="2">
+            <a:schemeClr val="accent1"/>
+          </a:effectRef>
+          <a:fontRef idx="minor">
+            <a:schemeClr val="lt1"/>
+          </a:fontRef>
+        </p:style>
+      </p:sp>
+      <p:sp>
+        <p:nvSpPr>
+          <p:cNvPr id="30" name="Rectangle 29">
+            <a:extLst>
+              <a:ext uri="{FF2B5EF4-FFF2-40B4-BE49-F238E27FC236}">
+                <a16:creationId xmlns:a16="http://schemas.microsoft.com/office/drawing/2014/main" id="{204CB79E-F775-42E6-994C-D5FA8C176B65}"/>
+              </a:ext>
+              <a:ext uri="{C183D7F6-B498-43B3-948B-1728B52AA6E4}">
+                <adec:decorative xmlns:adec="http://schemas.microsoft.com/office/drawing/2017/decorative" val="1"/>
+              </a:ext>
+            </a:extLst>
+          </p:cNvPr>
+          <p:cNvSpPr>
+            <a:spLocks noGrp="1" noRot="1" noChangeAspect="1" noMove="1" noResize="1" noEditPoints="1" noAdjustHandles="1" noChangeArrowheads="1" noChangeShapeType="1" noTextEdit="1"/>
+          </p:cNvSpPr>
+          <p:nvPr>
+            <p:extLst>
+              <p:ext uri="{386F3935-93C4-4BCD-93E2-E3B085C9AB24}">
+                <p16:designElem xmlns:p16="http://schemas.microsoft.com/office/powerpoint/2015/main" val="1"/>
+              </p:ext>
+            </p:extLst>
+          </p:nvPr>
+        </p:nvSpPr>
+        <p:spPr>
+          <a:xfrm>
+            <a:off x="8042147" y="453643"/>
+            <a:ext cx="3703320" cy="98554"/>
+          </a:xfrm>
+          <a:prstGeom prst="rect">
+            <a:avLst/>
+          </a:prstGeom>
+          <a:solidFill>
+            <a:srgbClr val="969FA7"/>
+          </a:solidFill>
+          <a:ln>
+            <a:noFill/>
+          </a:ln>
+          <a:effectLst/>
+        </p:spPr>
+        <p:style>
+          <a:lnRef idx="1">
+            <a:schemeClr val="accent1"/>
+          </a:lnRef>
+          <a:fillRef idx="3">
+            <a:schemeClr val="accent1"/>
+          </a:fillRef>
+          <a:effectRef idx="2">
+            <a:schemeClr val="accent1"/>
+          </a:effectRef>
+          <a:fontRef idx="minor">
+            <a:schemeClr val="lt1"/>
+          </a:fontRef>
+        </p:style>
+      </p:sp>
+      <p:sp>
+        <p:nvSpPr>
+          <p:cNvPr id="32" name="Rectangle 31">
+            <a:extLst>
+              <a:ext uri="{FF2B5EF4-FFF2-40B4-BE49-F238E27FC236}">
+                <a16:creationId xmlns:a16="http://schemas.microsoft.com/office/drawing/2014/main" id="{3AAB5B94-95EF-4963-859C-1FA406D62CA2}"/>
+              </a:ext>
+              <a:ext uri="{C183D7F6-B498-43B3-948B-1728B52AA6E4}">
+                <adec:decorative xmlns:adec="http://schemas.microsoft.com/office/drawing/2017/decorative" val="1"/>
+              </a:ext>
+            </a:extLst>
+          </p:cNvPr>
+          <p:cNvSpPr>
+            <a:spLocks noGrp="1" noRot="1" noChangeAspect="1" noMove="1" noResize="1" noEditPoints="1" noAdjustHandles="1" noChangeArrowheads="1" noChangeShapeType="1" noTextEdit="1"/>
+          </p:cNvSpPr>
+          <p:nvPr>
+            <p:extLst>
+              <p:ext uri="{386F3935-93C4-4BCD-93E2-E3B085C9AB24}">
+                <p16:designElem xmlns:p16="http://schemas.microsoft.com/office/powerpoint/2015/main" val="1"/>
+              </p:ext>
+            </p:extLst>
+          </p:nvPr>
+        </p:nvSpPr>
+        <p:spPr>
+          <a:xfrm>
+            <a:off x="4241830" y="457200"/>
+            <a:ext cx="3703320" cy="91440"/>
+          </a:xfrm>
+          <a:prstGeom prst="rect">
+            <a:avLst/>
+          </a:prstGeom>
+          <a:solidFill>
+            <a:schemeClr val="accent1"/>
+          </a:solidFill>
+          <a:ln>
+            <a:noFill/>
+          </a:ln>
+          <a:effectLst/>
+        </p:spPr>
+        <p:style>
+          <a:lnRef idx="1">
+            <a:schemeClr val="accent1"/>
+          </a:lnRef>
+          <a:fillRef idx="3">
+            <a:schemeClr val="accent1"/>
+          </a:fillRef>
+          <a:effectRef idx="2">
+            <a:schemeClr val="accent1"/>
+          </a:effectRef>
+          <a:fontRef idx="minor">
+            <a:schemeClr val="lt1"/>
+          </a:fontRef>
+        </p:style>
       </p:sp>
       <p:pic>
         <p:nvPicPr>
-          <p:cNvPr id="7" name="Content Placeholder 6" descr="A screenshot of a computer&#10;&#10;Description automatically generated">
+          <p:cNvPr id="5" name="Content Placeholder 4" descr="Table&#10;&#10;Description automatically generated with low confidence">
             <a:extLst>
               <a:ext uri="{FF2B5EF4-FFF2-40B4-BE49-F238E27FC236}">
-                <a16:creationId xmlns:a16="http://schemas.microsoft.com/office/drawing/2014/main" id="{E3D4A893-56A7-E0B2-A847-6E35A0F904AA}"/>
+                <a16:creationId xmlns:a16="http://schemas.microsoft.com/office/drawing/2014/main" id="{88B38DEA-65AA-51C3-24AF-AD71D915300D}"/>
               </a:ext>
             </a:extLst>
           </p:cNvPr>
@@ -9507,23 +10550,25 @@
             <p:ph idx="1"/>
           </p:nvPr>
         </p:nvPicPr>
-        <p:blipFill>
+        <p:blipFill rotWithShape="1">
           <a:blip r:embed="rId2"/>
-          <a:stretch>
-            <a:fillRect/>
-          </a:stretch>
+          <a:srcRect l="13968" r="699" b="1"/>
+          <a:stretch/>
         </p:blipFill>
         <p:spPr>
           <a:xfrm>
-            <a:off x="1884716" y="1890876"/>
-            <a:ext cx="8422568" cy="4735382"/>
+            <a:off x="446532" y="293986"/>
+            <a:ext cx="11298933" cy="6355651"/>
           </a:xfrm>
+          <a:prstGeom prst="rect">
+            <a:avLst/>
+          </a:prstGeom>
         </p:spPr>
       </p:pic>
     </p:spTree>
     <p:extLst>
       <p:ext uri="{BB962C8B-B14F-4D97-AF65-F5344CB8AC3E}">
-        <p14:creationId xmlns:p14="http://schemas.microsoft.com/office/powerpoint/2010/main" val="3269733445"/>
+        <p14:creationId xmlns:p14="http://schemas.microsoft.com/office/powerpoint/2010/main" val="1730638714"/>
       </p:ext>
     </p:extLst>
   </p:cSld>
@@ -9534,6 +10579,468 @@
 </file>
 
 <file path=ppt/slides/slide6.xml><?xml version="1.0" encoding="utf-8"?>
+<p:sld xmlns:a="http://schemas.openxmlformats.org/drawingml/2006/main" xmlns:r="http://schemas.openxmlformats.org/officeDocument/2006/relationships" xmlns:p="http://schemas.openxmlformats.org/presentationml/2006/main">
+  <p:cSld>
+    <p:bg>
+      <p:bgPr>
+        <a:solidFill>
+          <a:schemeClr val="bg1"/>
+        </a:solidFill>
+        <a:effectLst/>
+      </p:bgPr>
+    </p:bg>
+    <p:spTree>
+      <p:nvGrpSpPr>
+        <p:cNvPr id="1" name=""/>
+        <p:cNvGrpSpPr/>
+        <p:nvPr/>
+      </p:nvGrpSpPr>
+      <p:grpSpPr>
+        <a:xfrm>
+          <a:off x="0" y="0"/>
+          <a:ext cx="0" cy="0"/>
+          <a:chOff x="0" y="0"/>
+          <a:chExt cx="0" cy="0"/>
+        </a:xfrm>
+      </p:grpSpPr>
+      <p:sp>
+        <p:nvSpPr>
+          <p:cNvPr id="10" name="Rectangle 9">
+            <a:extLst>
+              <a:ext uri="{FF2B5EF4-FFF2-40B4-BE49-F238E27FC236}">
+                <a16:creationId xmlns:a16="http://schemas.microsoft.com/office/drawing/2014/main" id="{C05729A4-6F0F-4423-AD0C-EF27345E6187}"/>
+              </a:ext>
+              <a:ext uri="{C183D7F6-B498-43B3-948B-1728B52AA6E4}">
+                <adec:decorative xmlns:adec="http://schemas.microsoft.com/office/drawing/2017/decorative" val="1"/>
+              </a:ext>
+            </a:extLst>
+          </p:cNvPr>
+          <p:cNvSpPr>
+            <a:spLocks noGrp="1" noRot="1" noChangeAspect="1" noMove="1" noResize="1" noEditPoints="1" noAdjustHandles="1" noChangeArrowheads="1" noChangeShapeType="1" noTextEdit="1"/>
+          </p:cNvSpPr>
+          <p:nvPr>
+            <p:extLst>
+              <p:ext uri="{386F3935-93C4-4BCD-93E2-E3B085C9AB24}">
+                <p16:designElem xmlns:p16="http://schemas.microsoft.com/office/powerpoint/2015/main" val="1"/>
+              </p:ext>
+            </p:extLst>
+          </p:nvPr>
+        </p:nvSpPr>
+        <p:spPr>
+          <a:xfrm>
+            <a:off x="446534" y="457200"/>
+            <a:ext cx="3703320" cy="94997"/>
+          </a:xfrm>
+          <a:prstGeom prst="rect">
+            <a:avLst/>
+          </a:prstGeom>
+          <a:solidFill>
+            <a:srgbClr val="465359"/>
+          </a:solidFill>
+          <a:ln>
+            <a:noFill/>
+          </a:ln>
+          <a:effectLst/>
+        </p:spPr>
+        <p:style>
+          <a:lnRef idx="1">
+            <a:schemeClr val="accent1"/>
+          </a:lnRef>
+          <a:fillRef idx="3">
+            <a:schemeClr val="accent1"/>
+          </a:fillRef>
+          <a:effectRef idx="2">
+            <a:schemeClr val="accent1"/>
+          </a:effectRef>
+          <a:fontRef idx="minor">
+            <a:schemeClr val="lt1"/>
+          </a:fontRef>
+        </p:style>
+      </p:sp>
+      <p:sp>
+        <p:nvSpPr>
+          <p:cNvPr id="12" name="Rectangle 11">
+            <a:extLst>
+              <a:ext uri="{FF2B5EF4-FFF2-40B4-BE49-F238E27FC236}">
+                <a16:creationId xmlns:a16="http://schemas.microsoft.com/office/drawing/2014/main" id="{204CB79E-F775-42E6-994C-D5FA8C176B65}"/>
+              </a:ext>
+              <a:ext uri="{C183D7F6-B498-43B3-948B-1728B52AA6E4}">
+                <adec:decorative xmlns:adec="http://schemas.microsoft.com/office/drawing/2017/decorative" val="1"/>
+              </a:ext>
+            </a:extLst>
+          </p:cNvPr>
+          <p:cNvSpPr>
+            <a:spLocks noGrp="1" noRot="1" noChangeAspect="1" noMove="1" noResize="1" noEditPoints="1" noAdjustHandles="1" noChangeArrowheads="1" noChangeShapeType="1" noTextEdit="1"/>
+          </p:cNvSpPr>
+          <p:nvPr>
+            <p:extLst>
+              <p:ext uri="{386F3935-93C4-4BCD-93E2-E3B085C9AB24}">
+                <p16:designElem xmlns:p16="http://schemas.microsoft.com/office/powerpoint/2015/main" val="1"/>
+              </p:ext>
+            </p:extLst>
+          </p:nvPr>
+        </p:nvSpPr>
+        <p:spPr>
+          <a:xfrm>
+            <a:off x="8042147" y="453643"/>
+            <a:ext cx="3703320" cy="98554"/>
+          </a:xfrm>
+          <a:prstGeom prst="rect">
+            <a:avLst/>
+          </a:prstGeom>
+          <a:solidFill>
+            <a:srgbClr val="969FA7"/>
+          </a:solidFill>
+          <a:ln>
+            <a:noFill/>
+          </a:ln>
+          <a:effectLst/>
+        </p:spPr>
+        <p:style>
+          <a:lnRef idx="1">
+            <a:schemeClr val="accent1"/>
+          </a:lnRef>
+          <a:fillRef idx="3">
+            <a:schemeClr val="accent1"/>
+          </a:fillRef>
+          <a:effectRef idx="2">
+            <a:schemeClr val="accent1"/>
+          </a:effectRef>
+          <a:fontRef idx="minor">
+            <a:schemeClr val="lt1"/>
+          </a:fontRef>
+        </p:style>
+      </p:sp>
+      <p:sp>
+        <p:nvSpPr>
+          <p:cNvPr id="14" name="Rectangle 13">
+            <a:extLst>
+              <a:ext uri="{FF2B5EF4-FFF2-40B4-BE49-F238E27FC236}">
+                <a16:creationId xmlns:a16="http://schemas.microsoft.com/office/drawing/2014/main" id="{3AAB5B94-95EF-4963-859C-1FA406D62CA2}"/>
+              </a:ext>
+              <a:ext uri="{C183D7F6-B498-43B3-948B-1728B52AA6E4}">
+                <adec:decorative xmlns:adec="http://schemas.microsoft.com/office/drawing/2017/decorative" val="1"/>
+              </a:ext>
+            </a:extLst>
+          </p:cNvPr>
+          <p:cNvSpPr>
+            <a:spLocks noGrp="1" noRot="1" noChangeAspect="1" noMove="1" noResize="1" noEditPoints="1" noAdjustHandles="1" noChangeArrowheads="1" noChangeShapeType="1" noTextEdit="1"/>
+          </p:cNvSpPr>
+          <p:nvPr>
+            <p:extLst>
+              <p:ext uri="{386F3935-93C4-4BCD-93E2-E3B085C9AB24}">
+                <p16:designElem xmlns:p16="http://schemas.microsoft.com/office/powerpoint/2015/main" val="1"/>
+              </p:ext>
+            </p:extLst>
+          </p:nvPr>
+        </p:nvSpPr>
+        <p:spPr>
+          <a:xfrm>
+            <a:off x="4241830" y="457200"/>
+            <a:ext cx="3703320" cy="91440"/>
+          </a:xfrm>
+          <a:prstGeom prst="rect">
+            <a:avLst/>
+          </a:prstGeom>
+          <a:solidFill>
+            <a:schemeClr val="accent1"/>
+          </a:solidFill>
+          <a:ln>
+            <a:noFill/>
+          </a:ln>
+          <a:effectLst/>
+        </p:spPr>
+        <p:style>
+          <a:lnRef idx="1">
+            <a:schemeClr val="accent1"/>
+          </a:lnRef>
+          <a:fillRef idx="3">
+            <a:schemeClr val="accent1"/>
+          </a:fillRef>
+          <a:effectRef idx="2">
+            <a:schemeClr val="accent1"/>
+          </a:effectRef>
+          <a:fontRef idx="minor">
+            <a:schemeClr val="lt1"/>
+          </a:fontRef>
+        </p:style>
+      </p:sp>
+      <p:pic>
+        <p:nvPicPr>
+          <p:cNvPr id="5" name="Content Placeholder 4" descr="Text, table&#10;&#10;Description automatically generated">
+            <a:extLst>
+              <a:ext uri="{FF2B5EF4-FFF2-40B4-BE49-F238E27FC236}">
+                <a16:creationId xmlns:a16="http://schemas.microsoft.com/office/drawing/2014/main" id="{A78DF317-BEC4-5CB5-41DE-FA38A9CD3608}"/>
+              </a:ext>
+            </a:extLst>
+          </p:cNvPr>
+          <p:cNvPicPr>
+            <a:picLocks noGrp="1" noChangeAspect="1"/>
+          </p:cNvPicPr>
+          <p:nvPr>
+            <p:ph idx="1"/>
+          </p:nvPr>
+        </p:nvPicPr>
+        <p:blipFill rotWithShape="1">
+          <a:blip r:embed="rId2"/>
+          <a:srcRect l="5255" r="9413" b="1"/>
+          <a:stretch/>
+        </p:blipFill>
+        <p:spPr>
+          <a:xfrm>
+            <a:off x="373962" y="251174"/>
+            <a:ext cx="11298933" cy="6355651"/>
+          </a:xfrm>
+          <a:prstGeom prst="rect">
+            <a:avLst/>
+          </a:prstGeom>
+        </p:spPr>
+      </p:pic>
+    </p:spTree>
+    <p:extLst>
+      <p:ext uri="{BB962C8B-B14F-4D97-AF65-F5344CB8AC3E}">
+        <p14:creationId xmlns:p14="http://schemas.microsoft.com/office/powerpoint/2010/main" val="1591273386"/>
+      </p:ext>
+    </p:extLst>
+  </p:cSld>
+  <p:clrMapOvr>
+    <a:masterClrMapping/>
+  </p:clrMapOvr>
+</p:sld>
+</file>
+
+<file path=ppt/slides/slide7.xml><?xml version="1.0" encoding="utf-8"?>
+<p:sld xmlns:a="http://schemas.openxmlformats.org/drawingml/2006/main" xmlns:r="http://schemas.openxmlformats.org/officeDocument/2006/relationships" xmlns:p="http://schemas.openxmlformats.org/presentationml/2006/main">
+  <p:cSld>
+    <p:bg>
+      <p:bgPr>
+        <a:solidFill>
+          <a:schemeClr val="bg1"/>
+        </a:solidFill>
+        <a:effectLst/>
+      </p:bgPr>
+    </p:bg>
+    <p:spTree>
+      <p:nvGrpSpPr>
+        <p:cNvPr id="1" name=""/>
+        <p:cNvGrpSpPr/>
+        <p:nvPr/>
+      </p:nvGrpSpPr>
+      <p:grpSpPr>
+        <a:xfrm>
+          <a:off x="0" y="0"/>
+          <a:ext cx="0" cy="0"/>
+          <a:chOff x="0" y="0"/>
+          <a:chExt cx="0" cy="0"/>
+        </a:xfrm>
+      </p:grpSpPr>
+      <p:sp>
+        <p:nvSpPr>
+          <p:cNvPr id="38" name="Rectangle 27">
+            <a:extLst>
+              <a:ext uri="{FF2B5EF4-FFF2-40B4-BE49-F238E27FC236}">
+                <a16:creationId xmlns:a16="http://schemas.microsoft.com/office/drawing/2014/main" id="{C05729A4-6F0F-4423-AD0C-EF27345E6187}"/>
+              </a:ext>
+              <a:ext uri="{C183D7F6-B498-43B3-948B-1728B52AA6E4}">
+                <adec:decorative xmlns:adec="http://schemas.microsoft.com/office/drawing/2017/decorative" val="1"/>
+              </a:ext>
+            </a:extLst>
+          </p:cNvPr>
+          <p:cNvSpPr>
+            <a:spLocks noGrp="1" noRot="1" noChangeAspect="1" noMove="1" noResize="1" noEditPoints="1" noAdjustHandles="1" noChangeArrowheads="1" noChangeShapeType="1" noTextEdit="1"/>
+          </p:cNvSpPr>
+          <p:nvPr>
+            <p:extLst>
+              <p:ext uri="{386F3935-93C4-4BCD-93E2-E3B085C9AB24}">
+                <p16:designElem xmlns:p16="http://schemas.microsoft.com/office/powerpoint/2015/main" val="1"/>
+              </p:ext>
+            </p:extLst>
+          </p:nvPr>
+        </p:nvSpPr>
+        <p:spPr>
+          <a:xfrm>
+            <a:off x="446534" y="457200"/>
+            <a:ext cx="3703320" cy="94997"/>
+          </a:xfrm>
+          <a:prstGeom prst="rect">
+            <a:avLst/>
+          </a:prstGeom>
+          <a:solidFill>
+            <a:srgbClr val="465359"/>
+          </a:solidFill>
+          <a:ln>
+            <a:noFill/>
+          </a:ln>
+          <a:effectLst/>
+        </p:spPr>
+        <p:style>
+          <a:lnRef idx="1">
+            <a:schemeClr val="accent1"/>
+          </a:lnRef>
+          <a:fillRef idx="3">
+            <a:schemeClr val="accent1"/>
+          </a:fillRef>
+          <a:effectRef idx="2">
+            <a:schemeClr val="accent1"/>
+          </a:effectRef>
+          <a:fontRef idx="minor">
+            <a:schemeClr val="lt1"/>
+          </a:fontRef>
+        </p:style>
+      </p:sp>
+      <p:sp>
+        <p:nvSpPr>
+          <p:cNvPr id="39" name="Rectangle 29">
+            <a:extLst>
+              <a:ext uri="{FF2B5EF4-FFF2-40B4-BE49-F238E27FC236}">
+                <a16:creationId xmlns:a16="http://schemas.microsoft.com/office/drawing/2014/main" id="{204CB79E-F775-42E6-994C-D5FA8C176B65}"/>
+              </a:ext>
+              <a:ext uri="{C183D7F6-B498-43B3-948B-1728B52AA6E4}">
+                <adec:decorative xmlns:adec="http://schemas.microsoft.com/office/drawing/2017/decorative" val="1"/>
+              </a:ext>
+            </a:extLst>
+          </p:cNvPr>
+          <p:cNvSpPr>
+            <a:spLocks noGrp="1" noRot="1" noChangeAspect="1" noMove="1" noResize="1" noEditPoints="1" noAdjustHandles="1" noChangeArrowheads="1" noChangeShapeType="1" noTextEdit="1"/>
+          </p:cNvSpPr>
+          <p:nvPr>
+            <p:extLst>
+              <p:ext uri="{386F3935-93C4-4BCD-93E2-E3B085C9AB24}">
+                <p16:designElem xmlns:p16="http://schemas.microsoft.com/office/powerpoint/2015/main" val="1"/>
+              </p:ext>
+            </p:extLst>
+          </p:nvPr>
+        </p:nvSpPr>
+        <p:spPr>
+          <a:xfrm>
+            <a:off x="8042147" y="453643"/>
+            <a:ext cx="3703320" cy="98554"/>
+          </a:xfrm>
+          <a:prstGeom prst="rect">
+            <a:avLst/>
+          </a:prstGeom>
+          <a:solidFill>
+            <a:srgbClr val="969FA7"/>
+          </a:solidFill>
+          <a:ln>
+            <a:noFill/>
+          </a:ln>
+          <a:effectLst/>
+        </p:spPr>
+        <p:style>
+          <a:lnRef idx="1">
+            <a:schemeClr val="accent1"/>
+          </a:lnRef>
+          <a:fillRef idx="3">
+            <a:schemeClr val="accent1"/>
+          </a:fillRef>
+          <a:effectRef idx="2">
+            <a:schemeClr val="accent1"/>
+          </a:effectRef>
+          <a:fontRef idx="minor">
+            <a:schemeClr val="lt1"/>
+          </a:fontRef>
+        </p:style>
+      </p:sp>
+      <p:sp>
+        <p:nvSpPr>
+          <p:cNvPr id="40" name="Rectangle 31">
+            <a:extLst>
+              <a:ext uri="{FF2B5EF4-FFF2-40B4-BE49-F238E27FC236}">
+                <a16:creationId xmlns:a16="http://schemas.microsoft.com/office/drawing/2014/main" id="{3AAB5B94-95EF-4963-859C-1FA406D62CA2}"/>
+              </a:ext>
+              <a:ext uri="{C183D7F6-B498-43B3-948B-1728B52AA6E4}">
+                <adec:decorative xmlns:adec="http://schemas.microsoft.com/office/drawing/2017/decorative" val="1"/>
+              </a:ext>
+            </a:extLst>
+          </p:cNvPr>
+          <p:cNvSpPr>
+            <a:spLocks noGrp="1" noRot="1" noChangeAspect="1" noMove="1" noResize="1" noEditPoints="1" noAdjustHandles="1" noChangeArrowheads="1" noChangeShapeType="1" noTextEdit="1"/>
+          </p:cNvSpPr>
+          <p:nvPr>
+            <p:extLst>
+              <p:ext uri="{386F3935-93C4-4BCD-93E2-E3B085C9AB24}">
+                <p16:designElem xmlns:p16="http://schemas.microsoft.com/office/powerpoint/2015/main" val="1"/>
+              </p:ext>
+            </p:extLst>
+          </p:nvPr>
+        </p:nvSpPr>
+        <p:spPr>
+          <a:xfrm>
+            <a:off x="4241830" y="457200"/>
+            <a:ext cx="3703320" cy="91440"/>
+          </a:xfrm>
+          <a:prstGeom prst="rect">
+            <a:avLst/>
+          </a:prstGeom>
+          <a:solidFill>
+            <a:schemeClr val="accent1"/>
+          </a:solidFill>
+          <a:ln>
+            <a:noFill/>
+          </a:ln>
+          <a:effectLst/>
+        </p:spPr>
+        <p:style>
+          <a:lnRef idx="1">
+            <a:schemeClr val="accent1"/>
+          </a:lnRef>
+          <a:fillRef idx="3">
+            <a:schemeClr val="accent1"/>
+          </a:fillRef>
+          <a:effectRef idx="2">
+            <a:schemeClr val="accent1"/>
+          </a:effectRef>
+          <a:fontRef idx="minor">
+            <a:schemeClr val="lt1"/>
+          </a:fontRef>
+        </p:style>
+      </p:sp>
+      <p:pic>
+        <p:nvPicPr>
+          <p:cNvPr id="6" name="Content Placeholder 5" descr="Table&#10;&#10;Description automatically generated">
+            <a:extLst>
+              <a:ext uri="{FF2B5EF4-FFF2-40B4-BE49-F238E27FC236}">
+                <a16:creationId xmlns:a16="http://schemas.microsoft.com/office/drawing/2014/main" id="{F3A43CEF-92B7-85D6-43FE-DBD109F5B2C8}"/>
+              </a:ext>
+            </a:extLst>
+          </p:cNvPr>
+          <p:cNvPicPr>
+            <a:picLocks noGrp="1" noChangeAspect="1"/>
+          </p:cNvPicPr>
+          <p:nvPr>
+            <p:ph idx="1"/>
+          </p:nvPr>
+        </p:nvPicPr>
+        <p:blipFill rotWithShape="1">
+          <a:blip r:embed="rId2"/>
+          <a:srcRect r="7110" b="-1"/>
+          <a:stretch/>
+        </p:blipFill>
+        <p:spPr>
+          <a:xfrm>
+            <a:off x="20" y="10"/>
+            <a:ext cx="12191980" cy="6857990"/>
+          </a:xfrm>
+          <a:prstGeom prst="rect">
+            <a:avLst/>
+          </a:prstGeom>
+        </p:spPr>
+      </p:pic>
+    </p:spTree>
+    <p:extLst>
+      <p:ext uri="{BB962C8B-B14F-4D97-AF65-F5344CB8AC3E}">
+        <p14:creationId xmlns:p14="http://schemas.microsoft.com/office/powerpoint/2010/main" val="250008278"/>
+      </p:ext>
+    </p:extLst>
+  </p:cSld>
+  <p:clrMapOvr>
+    <a:masterClrMapping/>
+  </p:clrMapOvr>
+</p:sld>
+</file>
+
+<file path=ppt/slides/slide8.xml><?xml version="1.0" encoding="utf-8"?>
 <p:sld xmlns:a="http://schemas.openxmlformats.org/drawingml/2006/main" xmlns:r="http://schemas.openxmlformats.org/officeDocument/2006/relationships" xmlns:p="http://schemas.openxmlformats.org/presentationml/2006/main">
   <p:cSld>
     <p:bg>
@@ -9644,193 +11151,6 @@
 </p:sld>
 </file>
 
-<file path=ppt/slides/slide7.xml><?xml version="1.0" encoding="utf-8"?>
-<p:sld xmlns:a="http://schemas.openxmlformats.org/drawingml/2006/main" xmlns:r="http://schemas.openxmlformats.org/officeDocument/2006/relationships" xmlns:p="http://schemas.openxmlformats.org/presentationml/2006/main">
-  <p:cSld>
-    <p:spTree>
-      <p:nvGrpSpPr>
-        <p:cNvPr id="1" name=""/>
-        <p:cNvGrpSpPr/>
-        <p:nvPr/>
-      </p:nvGrpSpPr>
-      <p:grpSpPr>
-        <a:xfrm>
-          <a:off x="0" y="0"/>
-          <a:ext cx="0" cy="0"/>
-          <a:chOff x="0" y="0"/>
-          <a:chExt cx="0" cy="0"/>
-        </a:xfrm>
-      </p:grpSpPr>
-      <p:sp>
-        <p:nvSpPr>
-          <p:cNvPr id="2" name="Title 1">
-            <a:extLst>
-              <a:ext uri="{FF2B5EF4-FFF2-40B4-BE49-F238E27FC236}">
-                <a16:creationId xmlns:a16="http://schemas.microsoft.com/office/drawing/2014/main" id="{8F6CDC37-5A7F-2E1B-38A9-76422E3BE1F3}"/>
-              </a:ext>
-            </a:extLst>
-          </p:cNvPr>
-          <p:cNvSpPr>
-            <a:spLocks noGrp="1"/>
-          </p:cNvSpPr>
-          <p:nvPr>
-            <p:ph type="title"/>
-          </p:nvPr>
-        </p:nvSpPr>
-        <p:spPr/>
-        <p:txBody>
-          <a:bodyPr/>
-          <a:lstStyle/>
-          <a:p>
-            <a:pPr lvl="0">
-              <a:lnSpc>
-                <a:spcPct val="100000"/>
-              </a:lnSpc>
-              <a:defRPr cap="all"/>
-            </a:pPr>
-            <a:r>
-              <a:rPr lang="en-US" dirty="0"/>
-              <a:t>Data Analysis and Visualizations</a:t>
-            </a:r>
-          </a:p>
-        </p:txBody>
-      </p:sp>
-      <p:pic>
-        <p:nvPicPr>
-          <p:cNvPr id="5" name="Content Placeholder 4" descr="Graphical user interface, map&#10;&#10;Description automatically generated">
-            <a:extLst>
-              <a:ext uri="{FF2B5EF4-FFF2-40B4-BE49-F238E27FC236}">
-                <a16:creationId xmlns:a16="http://schemas.microsoft.com/office/drawing/2014/main" id="{24FD52C8-D7A2-7D48-35EF-6EBF2386506B}"/>
-              </a:ext>
-            </a:extLst>
-          </p:cNvPr>
-          <p:cNvPicPr>
-            <a:picLocks noGrp="1" noChangeAspect="1"/>
-          </p:cNvPicPr>
-          <p:nvPr>
-            <p:ph idx="1"/>
-          </p:nvPr>
-        </p:nvPicPr>
-        <p:blipFill>
-          <a:blip r:embed="rId2"/>
-          <a:stretch>
-            <a:fillRect/>
-          </a:stretch>
-        </p:blipFill>
-        <p:spPr>
-          <a:xfrm>
-            <a:off x="995446" y="1861846"/>
-            <a:ext cx="10201108" cy="4902153"/>
-          </a:xfrm>
-        </p:spPr>
-      </p:pic>
-    </p:spTree>
-    <p:extLst>
-      <p:ext uri="{BB962C8B-B14F-4D97-AF65-F5344CB8AC3E}">
-        <p14:creationId xmlns:p14="http://schemas.microsoft.com/office/powerpoint/2010/main" val="3504673667"/>
-      </p:ext>
-    </p:extLst>
-  </p:cSld>
-  <p:clrMapOvr>
-    <a:masterClrMapping/>
-  </p:clrMapOvr>
-</p:sld>
-</file>
-
-<file path=ppt/slides/slide8.xml><?xml version="1.0" encoding="utf-8"?>
-<p:sld xmlns:a="http://schemas.openxmlformats.org/drawingml/2006/main" xmlns:r="http://schemas.openxmlformats.org/officeDocument/2006/relationships" xmlns:p="http://schemas.openxmlformats.org/presentationml/2006/main">
-  <p:cSld>
-    <p:spTree>
-      <p:nvGrpSpPr>
-        <p:cNvPr id="1" name=""/>
-        <p:cNvGrpSpPr/>
-        <p:nvPr/>
-      </p:nvGrpSpPr>
-      <p:grpSpPr>
-        <a:xfrm>
-          <a:off x="0" y="0"/>
-          <a:ext cx="0" cy="0"/>
-          <a:chOff x="0" y="0"/>
-          <a:chExt cx="0" cy="0"/>
-        </a:xfrm>
-      </p:grpSpPr>
-      <p:sp>
-        <p:nvSpPr>
-          <p:cNvPr id="2" name="Title 1">
-            <a:extLst>
-              <a:ext uri="{FF2B5EF4-FFF2-40B4-BE49-F238E27FC236}">
-                <a16:creationId xmlns:a16="http://schemas.microsoft.com/office/drawing/2014/main" id="{8F6CDC37-5A7F-2E1B-38A9-76422E3BE1F3}"/>
-              </a:ext>
-            </a:extLst>
-          </p:cNvPr>
-          <p:cNvSpPr>
-            <a:spLocks noGrp="1"/>
-          </p:cNvSpPr>
-          <p:nvPr>
-            <p:ph type="title"/>
-          </p:nvPr>
-        </p:nvSpPr>
-        <p:spPr/>
-        <p:txBody>
-          <a:bodyPr/>
-          <a:lstStyle/>
-          <a:p>
-            <a:pPr lvl="0">
-              <a:lnSpc>
-                <a:spcPct val="100000"/>
-              </a:lnSpc>
-              <a:defRPr cap="all"/>
-            </a:pPr>
-            <a:r>
-              <a:rPr lang="en-US"/>
-              <a:t>Data Analysis and Visualizations</a:t>
-            </a:r>
-            <a:endParaRPr lang="en-US" dirty="0"/>
-          </a:p>
-        </p:txBody>
-      </p:sp>
-      <p:pic>
-        <p:nvPicPr>
-          <p:cNvPr id="5" name="Content Placeholder 4" descr="Map&#10;&#10;Description automatically generated">
-            <a:extLst>
-              <a:ext uri="{FF2B5EF4-FFF2-40B4-BE49-F238E27FC236}">
-                <a16:creationId xmlns:a16="http://schemas.microsoft.com/office/drawing/2014/main" id="{D3691A30-16F4-BE2C-A7D5-2ACFBD09A185}"/>
-              </a:ext>
-            </a:extLst>
-          </p:cNvPr>
-          <p:cNvPicPr>
-            <a:picLocks noGrp="1" noChangeAspect="1"/>
-          </p:cNvPicPr>
-          <p:nvPr>
-            <p:ph idx="1"/>
-          </p:nvPr>
-        </p:nvPicPr>
-        <p:blipFill>
-          <a:blip r:embed="rId2"/>
-          <a:stretch>
-            <a:fillRect/>
-          </a:stretch>
-        </p:blipFill>
-        <p:spPr>
-          <a:xfrm>
-            <a:off x="995446" y="1890876"/>
-            <a:ext cx="10201108" cy="4902153"/>
-          </a:xfrm>
-        </p:spPr>
-      </p:pic>
-    </p:spTree>
-    <p:extLst>
-      <p:ext uri="{BB962C8B-B14F-4D97-AF65-F5344CB8AC3E}">
-        <p14:creationId xmlns:p14="http://schemas.microsoft.com/office/powerpoint/2010/main" val="4158510516"/>
-      </p:ext>
-    </p:extLst>
-  </p:cSld>
-  <p:clrMapOvr>
-    <a:masterClrMapping/>
-  </p:clrMapOvr>
-</p:sld>
-</file>
-
 <file path=ppt/slides/slide9.xml><?xml version="1.0" encoding="utf-8"?>
 <p:sld xmlns:a="http://schemas.openxmlformats.org/drawingml/2006/main" xmlns:r="http://schemas.openxmlformats.org/officeDocument/2006/relationships" xmlns:p="http://schemas.openxmlformats.org/presentationml/2006/main">
   <p:cSld>
@@ -9850,10 +11170,10 @@
       </p:grpSpPr>
       <p:sp>
         <p:nvSpPr>
-          <p:cNvPr id="2" name="Title 1">
+          <p:cNvPr id="3" name="Content Placeholder 2">
             <a:extLst>
               <a:ext uri="{FF2B5EF4-FFF2-40B4-BE49-F238E27FC236}">
-                <a16:creationId xmlns:a16="http://schemas.microsoft.com/office/drawing/2014/main" id="{8F6CDC37-5A7F-2E1B-38A9-76422E3BE1F3}"/>
+                <a16:creationId xmlns:a16="http://schemas.microsoft.com/office/drawing/2014/main" id="{4408599E-633B-C6C6-A29E-8FF3F6E216A8}"/>
               </a:ext>
             </a:extLst>
           </p:cNvPr>
@@ -9861,60 +11181,222 @@
             <a:spLocks noGrp="1"/>
           </p:cNvSpPr>
           <p:nvPr>
-            <p:ph type="title"/>
-          </p:nvPr>
-        </p:nvSpPr>
-        <p:spPr/>
+            <p:ph idx="1"/>
+          </p:nvPr>
+        </p:nvSpPr>
+        <p:spPr>
+          <a:xfrm>
+            <a:off x="581192" y="1248230"/>
+            <a:ext cx="11029615" cy="5609770"/>
+          </a:xfrm>
+        </p:spPr>
         <p:txBody>
-          <a:bodyPr/>
+          <a:bodyPr>
+            <a:noAutofit/>
+          </a:bodyPr>
           <a:lstStyle/>
           <a:p>
-            <a:pPr lvl="0">
-              <a:lnSpc>
-                <a:spcPct val="100000"/>
-              </a:lnSpc>
-              <a:defRPr cap="all"/>
+            <a:pPr algn="l"/>
+            <a:r>
+              <a:rPr lang="en-US" sz="1800" b="0" i="0" dirty="0">
+                <a:solidFill>
+                  <a:srgbClr val="24292F"/>
+                </a:solidFill>
+                <a:effectLst/>
+                <a:latin typeface="Arial" panose="020B0604020202020204" pitchFamily="34" charset="0"/>
+                <a:cs typeface="Arial" panose="020B0604020202020204" pitchFamily="34" charset="0"/>
+              </a:rPr>
+              <a:t>Visualize a data set:</a:t>
+            </a:r>
+          </a:p>
+          <a:p>
+            <a:pPr marL="0" indent="0" algn="l">
+              <a:buNone/>
             </a:pPr>
             <a:r>
-              <a:rPr lang="en-US" dirty="0"/>
-              <a:t>Data Analysis and Visualizations</a:t>
+              <a:rPr lang="en-US" sz="1800" b="0" i="0" dirty="0">
+                <a:solidFill>
+                  <a:srgbClr val="24292F"/>
+                </a:solidFill>
+                <a:effectLst/>
+                <a:latin typeface="Arial" panose="020B0604020202020204" pitchFamily="34" charset="0"/>
+                <a:cs typeface="Arial" panose="020B0604020202020204" pitchFamily="34" charset="0"/>
+              </a:rPr>
+              <a:t>	Get the data set:</a:t>
             </a:r>
           </a:p>
+          <a:p>
+            <a:pPr marL="742950" lvl="1" indent="-285750" algn="l">
+              <a:buFont typeface="Arial" panose="020B0604020202020204" pitchFamily="34" charset="0"/>
+              <a:buChar char="•"/>
+            </a:pPr>
+            <a:r>
+              <a:rPr lang="en-US" sz="1800" b="0" i="0" dirty="0">
+                <a:solidFill>
+                  <a:srgbClr val="24292F"/>
+                </a:solidFill>
+                <a:effectLst/>
+                <a:latin typeface="Arial" panose="020B0604020202020204" pitchFamily="34" charset="0"/>
+                <a:cs typeface="Arial" panose="020B0604020202020204" pitchFamily="34" charset="0"/>
+              </a:rPr>
+              <a:t>The BFRO provides sighting data in numbers of different formats. </a:t>
+            </a:r>
+          </a:p>
+          <a:p>
+            <a:pPr marL="742950" lvl="1" indent="-285750" algn="l">
+              <a:buFont typeface="Arial" panose="020B0604020202020204" pitchFamily="34" charset="0"/>
+              <a:buChar char="•"/>
+            </a:pPr>
+            <a:r>
+              <a:rPr lang="en-US" sz="1800" b="0" i="0" dirty="0">
+                <a:solidFill>
+                  <a:srgbClr val="24292F"/>
+                </a:solidFill>
+                <a:effectLst/>
+                <a:latin typeface="Arial" panose="020B0604020202020204" pitchFamily="34" charset="0"/>
+                <a:cs typeface="Arial" panose="020B0604020202020204" pitchFamily="34" charset="0"/>
+              </a:rPr>
+              <a:t>Use the CSV dataset  to convert database.</a:t>
+            </a:r>
+          </a:p>
+          <a:p>
+            <a:pPr marL="742950" lvl="1" indent="-285750" algn="l">
+              <a:buFont typeface="Arial" panose="020B0604020202020204" pitchFamily="34" charset="0"/>
+              <a:buChar char="•"/>
+            </a:pPr>
+            <a:endParaRPr lang="en-US" sz="1800" b="0" i="0" dirty="0">
+              <a:solidFill>
+                <a:srgbClr val="24292F"/>
+              </a:solidFill>
+              <a:effectLst/>
+              <a:latin typeface="Arial" panose="020B0604020202020204" pitchFamily="34" charset="0"/>
+              <a:cs typeface="Arial" panose="020B0604020202020204" pitchFamily="34" charset="0"/>
+            </a:endParaRPr>
+          </a:p>
+          <a:p>
+            <a:pPr marL="0" indent="0" algn="l">
+              <a:buNone/>
+            </a:pPr>
+            <a:r>
+              <a:rPr lang="en-US" sz="1800" b="0" i="0" dirty="0">
+                <a:solidFill>
+                  <a:srgbClr val="24292F"/>
+                </a:solidFill>
+                <a:effectLst/>
+                <a:latin typeface="Arial" panose="020B0604020202020204" pitchFamily="34" charset="0"/>
+                <a:cs typeface="Arial" panose="020B0604020202020204" pitchFamily="34" charset="0"/>
+              </a:rPr>
+              <a:t>   	Import &amp; Visualize the data:</a:t>
+            </a:r>
+          </a:p>
+          <a:p>
+            <a:pPr marL="742950" lvl="1" indent="-285750" algn="l">
+              <a:buFont typeface="Arial" panose="020B0604020202020204" pitchFamily="34" charset="0"/>
+              <a:buChar char="•"/>
+            </a:pPr>
+            <a:r>
+              <a:rPr lang="en-US" sz="1800" b="0" i="0" dirty="0">
+                <a:solidFill>
+                  <a:srgbClr val="24292F"/>
+                </a:solidFill>
+                <a:effectLst/>
+                <a:latin typeface="Arial" panose="020B0604020202020204" pitchFamily="34" charset="0"/>
+                <a:cs typeface="Arial" panose="020B0604020202020204" pitchFamily="34" charset="0"/>
+              </a:rPr>
+              <a:t>Create a map using Leaflet that plots all of the sightings from the database based on their longitude and latitude, including 3 </a:t>
+            </a:r>
+            <a:r>
+              <a:rPr lang="en-US" sz="1800" b="0" i="0" dirty="0" err="1">
+                <a:solidFill>
+                  <a:srgbClr val="24292F"/>
+                </a:solidFill>
+                <a:effectLst/>
+                <a:latin typeface="Arial" panose="020B0604020202020204" pitchFamily="34" charset="0"/>
+                <a:cs typeface="Arial" panose="020B0604020202020204" pitchFamily="34" charset="0"/>
+              </a:rPr>
+              <a:t>basemaps</a:t>
+            </a:r>
+            <a:r>
+              <a:rPr lang="en-US" sz="1800" b="0" i="0" dirty="0">
+                <a:solidFill>
+                  <a:srgbClr val="24292F"/>
+                </a:solidFill>
+                <a:effectLst/>
+                <a:latin typeface="Arial" panose="020B0604020202020204" pitchFamily="34" charset="0"/>
+                <a:cs typeface="Arial" panose="020B0604020202020204" pitchFamily="34" charset="0"/>
+              </a:rPr>
+              <a:t>: Satellite, Street, Topographical. </a:t>
+            </a:r>
+          </a:p>
+          <a:p>
+            <a:pPr marL="742950" lvl="1" indent="-285750" algn="l">
+              <a:buFont typeface="Arial" panose="020B0604020202020204" pitchFamily="34" charset="0"/>
+              <a:buChar char="•"/>
+            </a:pPr>
+            <a:r>
+              <a:rPr lang="en-US" sz="1800" b="0" i="0" dirty="0">
+                <a:solidFill>
+                  <a:srgbClr val="24292F"/>
+                </a:solidFill>
+                <a:effectLst/>
+                <a:latin typeface="Arial" panose="020B0604020202020204" pitchFamily="34" charset="0"/>
+                <a:cs typeface="Arial" panose="020B0604020202020204" pitchFamily="34" charset="0"/>
+              </a:rPr>
+              <a:t>The data markers reflect the numbers of sightings. </a:t>
+            </a:r>
+          </a:p>
+          <a:p>
+            <a:pPr marL="742950" lvl="1" indent="-285750" algn="l">
+              <a:buFont typeface="Arial" panose="020B0604020202020204" pitchFamily="34" charset="0"/>
+              <a:buChar char="•"/>
+            </a:pPr>
+            <a:r>
+              <a:rPr lang="en-US" sz="1800" b="0" i="0" dirty="0">
+                <a:solidFill>
+                  <a:srgbClr val="24292F"/>
+                </a:solidFill>
+                <a:effectLst/>
+                <a:latin typeface="Arial" panose="020B0604020202020204" pitchFamily="34" charset="0"/>
+                <a:cs typeface="Arial" panose="020B0604020202020204" pitchFamily="34" charset="0"/>
+              </a:rPr>
+              <a:t>The popups provide detail information about the sighting when a marker is clicked.</a:t>
+            </a:r>
+          </a:p>
+          <a:p>
+            <a:pPr marL="742950" lvl="1" indent="-285750" algn="l">
+              <a:buFont typeface="Arial" panose="020B0604020202020204" pitchFamily="34" charset="0"/>
+              <a:buChar char="•"/>
+            </a:pPr>
+            <a:endParaRPr lang="en-US" sz="1800" b="0" i="0" dirty="0">
+              <a:solidFill>
+                <a:srgbClr val="24292F"/>
+              </a:solidFill>
+              <a:effectLst/>
+              <a:latin typeface="Arial" panose="020B0604020202020204" pitchFamily="34" charset="0"/>
+              <a:cs typeface="Arial" panose="020B0604020202020204" pitchFamily="34" charset="0"/>
+            </a:endParaRPr>
+          </a:p>
+          <a:p>
+            <a:pPr marL="0" indent="0">
+              <a:buNone/>
+            </a:pPr>
+            <a:br>
+              <a:rPr lang="en-US" sz="1800" dirty="0">
+                <a:latin typeface="Arial" panose="020B0604020202020204" pitchFamily="34" charset="0"/>
+                <a:cs typeface="Arial" panose="020B0604020202020204" pitchFamily="34" charset="0"/>
+              </a:rPr>
+            </a:br>
+            <a:endParaRPr lang="en-US" sz="1800" dirty="0">
+              <a:latin typeface="Arial" panose="020B0604020202020204" pitchFamily="34" charset="0"/>
+              <a:cs typeface="Arial" panose="020B0604020202020204" pitchFamily="34" charset="0"/>
+            </a:endParaRPr>
+          </a:p>
         </p:txBody>
       </p:sp>
-      <p:pic>
-        <p:nvPicPr>
-          <p:cNvPr id="5" name="Content Placeholder 4" descr="Map&#10;&#10;Description automatically generated">
-            <a:extLst>
-              <a:ext uri="{FF2B5EF4-FFF2-40B4-BE49-F238E27FC236}">
-                <a16:creationId xmlns:a16="http://schemas.microsoft.com/office/drawing/2014/main" id="{351721D9-8535-F699-0B33-7BBCB73DADC2}"/>
-              </a:ext>
-            </a:extLst>
-          </p:cNvPr>
-          <p:cNvPicPr>
-            <a:picLocks noGrp="1" noChangeAspect="1"/>
-          </p:cNvPicPr>
-          <p:nvPr>
-            <p:ph idx="1"/>
-          </p:nvPr>
-        </p:nvPicPr>
-        <p:blipFill>
-          <a:blip r:embed="rId2"/>
-          <a:stretch>
-            <a:fillRect/>
-          </a:stretch>
-        </p:blipFill>
-        <p:spPr>
-          <a:xfrm>
-            <a:off x="1155371" y="1890876"/>
-            <a:ext cx="9881258" cy="4748450"/>
-          </a:xfrm>
-        </p:spPr>
-      </p:pic>
     </p:spTree>
     <p:extLst>
       <p:ext uri="{BB962C8B-B14F-4D97-AF65-F5344CB8AC3E}">
-        <p14:creationId xmlns:p14="http://schemas.microsoft.com/office/powerpoint/2010/main" val="2926030623"/>
+        <p14:creationId xmlns:p14="http://schemas.microsoft.com/office/powerpoint/2010/main" val="209569371"/>
       </p:ext>
     </p:extLst>
   </p:cSld>
@@ -10575,21 +12057,21 @@
 </file>
 
 <file path=customXml/item1.xml><?xml version="1.0" encoding="utf-8"?>
+<?mso-contentType ?>
+<FormTemplates xmlns="http://schemas.microsoft.com/sharepoint/v3/contenttype/forms">
+  <Display>DocumentLibraryForm</Display>
+  <Edit>DocumentLibraryForm</Edit>
+  <New>DocumentLibraryForm</New>
+</FormTemplates>
+</file>
+
+<file path=customXml/item2.xml><?xml version="1.0" encoding="utf-8"?>
 <p:properties xmlns:p="http://schemas.microsoft.com/office/2006/metadata/properties" xmlns:xsi="http://www.w3.org/2001/XMLSchema-instance" xmlns:pc="http://schemas.microsoft.com/office/infopath/2007/PartnerControls">
   <documentManagement>
     <Status xmlns="71af3243-3dd4-4a8d-8c0d-dd76da1f02a5">Not started</Status>
     <MediaServiceKeyPoints xmlns="71af3243-3dd4-4a8d-8c0d-dd76da1f02a5" xsi:nil="true"/>
   </documentManagement>
 </p:properties>
-</file>
-
-<file path=customXml/item2.xml><?xml version="1.0" encoding="utf-8"?>
-<?mso-contentType ?>
-<FormTemplates xmlns="http://schemas.microsoft.com/sharepoint/v3/contenttype/forms">
-  <Display>DocumentLibraryForm</Display>
-  <Edit>DocumentLibraryForm</Edit>
-  <New>DocumentLibraryForm</New>
-</FormTemplates>
 </file>
 
 <file path=customXml/item3.xml><?xml version="1.0" encoding="utf-8"?>
@@ -10814,19 +12296,19 @@
 </file>
 
 <file path=customXml/itemProps1.xml><?xml version="1.0" encoding="utf-8"?>
+<ds:datastoreItem xmlns:ds="http://schemas.openxmlformats.org/officeDocument/2006/customXml" ds:itemID="{B116C154-5A0F-4CDC-8C15-D2E21584649C}">
+  <ds:schemaRefs>
+    <ds:schemaRef ds:uri="http://schemas.microsoft.com/sharepoint/v3/contenttype/forms"/>
+  </ds:schemaRefs>
+</ds:datastoreItem>
+</file>
+
+<file path=customXml/itemProps2.xml><?xml version="1.0" encoding="utf-8"?>
 <ds:datastoreItem xmlns:ds="http://schemas.openxmlformats.org/officeDocument/2006/customXml" ds:itemID="{3A6D3478-2986-4664-940C-67E0CAA21E04}">
   <ds:schemaRefs>
     <ds:schemaRef ds:uri="http://schemas.microsoft.com/office/2006/metadata/properties"/>
     <ds:schemaRef ds:uri="http://schemas.microsoft.com/office/infopath/2007/PartnerControls"/>
     <ds:schemaRef ds:uri="71af3243-3dd4-4a8d-8c0d-dd76da1f02a5"/>
-  </ds:schemaRefs>
-</ds:datastoreItem>
-</file>
-
-<file path=customXml/itemProps2.xml><?xml version="1.0" encoding="utf-8"?>
-<ds:datastoreItem xmlns:ds="http://schemas.openxmlformats.org/officeDocument/2006/customXml" ds:itemID="{B116C154-5A0F-4CDC-8C15-D2E21584649C}">
-  <ds:schemaRefs>
-    <ds:schemaRef ds:uri="http://schemas.microsoft.com/sharepoint/v3/contenttype/forms"/>
   </ds:schemaRefs>
 </ds:datastoreItem>
 </file>

--- a/Team 3.pptx
+++ b/Team 3.pptx
@@ -5,7 +5,7 @@
     <p:sldMasterId id="2147483660" r:id="rId4"/>
   </p:sldMasterIdLst>
   <p:notesMasterIdLst>
-    <p:notesMasterId r:id="rId27"/>
+    <p:notesMasterId r:id="rId30"/>
   </p:notesMasterIdLst>
   <p:sldIdLst>
     <p:sldId id="274" r:id="rId5"/>
@@ -19,17 +19,20 @@
     <p:sldId id="326" r:id="rId13"/>
     <p:sldId id="331" r:id="rId14"/>
     <p:sldId id="311" r:id="rId15"/>
-    <p:sldId id="312" r:id="rId16"/>
+    <p:sldId id="336" r:id="rId16"/>
     <p:sldId id="313" r:id="rId17"/>
-    <p:sldId id="336" r:id="rId18"/>
-    <p:sldId id="319" r:id="rId19"/>
-    <p:sldId id="330" r:id="rId20"/>
+    <p:sldId id="319" r:id="rId18"/>
+    <p:sldId id="339" r:id="rId19"/>
+    <p:sldId id="340" r:id="rId20"/>
     <p:sldId id="316" r:id="rId21"/>
     <p:sldId id="325" r:id="rId22"/>
-    <p:sldId id="317" r:id="rId23"/>
-    <p:sldId id="318" r:id="rId24"/>
-    <p:sldId id="333" r:id="rId25"/>
-    <p:sldId id="334" r:id="rId26"/>
+    <p:sldId id="330" r:id="rId23"/>
+    <p:sldId id="341" r:id="rId24"/>
+    <p:sldId id="337" r:id="rId25"/>
+    <p:sldId id="317" r:id="rId26"/>
+    <p:sldId id="318" r:id="rId27"/>
+    <p:sldId id="333" r:id="rId28"/>
+    <p:sldId id="334" r:id="rId29"/>
   </p:sldIdLst>
   <p:sldSz cx="12192000" cy="6858000"/>
   <p:notesSz cx="6858000" cy="9144000"/>
@@ -2998,7 +3001,7 @@
           <a:p>
             <a:fld id="{078DDDEA-63BC-40A0-8BC0-D6413F38691F}" type="datetimeFigureOut">
               <a:rPr lang="en-US" smtClean="0"/>
-              <a:t>7/12/2022</a:t>
+              <a:t>7/13/2022</a:t>
             </a:fld>
             <a:endParaRPr lang="en-US" dirty="0"/>
           </a:p>
@@ -3647,7 +3650,7 @@
           <a:p>
             <a:fld id="{ED291B17-9318-49DB-B28B-6E5994AE9581}" type="datetime1">
               <a:rPr lang="en-US" smtClean="0"/>
-              <a:t>7/12/2022</a:t>
+              <a:t>7/13/2022</a:t>
             </a:fld>
             <a:endParaRPr lang="en-US" dirty="0"/>
           </a:p>
@@ -3845,7 +3848,7 @@
           <a:p>
             <a:fld id="{78DD82B9-B8EE-4375-B6FF-88FA6ABB15D9}" type="datetime1">
               <a:rPr lang="en-US" smtClean="0"/>
-              <a:t>7/12/2022</a:t>
+              <a:t>7/13/2022</a:t>
             </a:fld>
             <a:endParaRPr lang="en-US" dirty="0"/>
           </a:p>
@@ -4157,7 +4160,7 @@
           <a:p>
             <a:fld id="{B2497495-0637-405E-AE64-5CC7506D51F5}" type="datetime1">
               <a:rPr lang="en-US" smtClean="0"/>
-              <a:t>7/12/2022</a:t>
+              <a:t>7/13/2022</a:t>
             </a:fld>
             <a:endParaRPr lang="en-US" dirty="0"/>
           </a:p>
@@ -4410,7 +4413,7 @@
           <a:p>
             <a:fld id="{7BFFD690-9426-415D-8B65-26881E07B2D4}" type="datetime1">
               <a:rPr lang="en-US" smtClean="0"/>
-              <a:t>7/12/2022</a:t>
+              <a:t>7/13/2022</a:t>
             </a:fld>
             <a:endParaRPr lang="en-US" dirty="0"/>
           </a:p>
@@ -4832,7 +4835,7 @@
           <a:p>
             <a:fld id="{04C4989A-474C-40DE-95B9-011C28B71673}" type="datetime1">
               <a:rPr lang="en-US" smtClean="0"/>
-              <a:t>7/12/2022</a:t>
+              <a:t>7/13/2022</a:t>
             </a:fld>
             <a:endParaRPr lang="en-US" dirty="0"/>
           </a:p>
@@ -4955,7 +4958,7 @@
           <a:p>
             <a:fld id="{5DB4ED54-5B5E-4A04-93D3-5772E3CE3818}" type="datetime1">
               <a:rPr lang="en-US" smtClean="0"/>
-              <a:t>7/12/2022</a:t>
+              <a:t>7/13/2022</a:t>
             </a:fld>
             <a:endParaRPr lang="en-US" dirty="0"/>
           </a:p>
@@ -5050,7 +5053,7 @@
           <a:p>
             <a:fld id="{4EDE50D6-574B-40AF-946F-D52A04ADE379}" type="datetime1">
               <a:rPr lang="en-US" smtClean="0"/>
-              <a:t>7/12/2022</a:t>
+              <a:t>7/13/2022</a:t>
             </a:fld>
             <a:endParaRPr lang="en-US" dirty="0"/>
           </a:p>
@@ -5427,7 +5430,7 @@
           <a:p>
             <a:fld id="{D82884F1-FFEA-405F-9602-3DCA865EDA4E}" type="datetime1">
               <a:rPr lang="en-US" smtClean="0"/>
-              <a:t>7/12/2022</a:t>
+              <a:t>7/13/2022</a:t>
             </a:fld>
             <a:endParaRPr lang="en-US" dirty="0"/>
           </a:p>
@@ -5720,7 +5723,7 @@
           <a:p>
             <a:fld id="{7E18DB4A-8810-4A10-AD5C-D5E2C667F5B3}" type="datetime1">
               <a:rPr lang="en-US" smtClean="0"/>
-              <a:t>7/12/2022</a:t>
+              <a:t>7/13/2022</a:t>
             </a:fld>
             <a:endParaRPr lang="en-US" dirty="0"/>
           </a:p>
@@ -5940,7 +5943,7 @@
           <a:p>
             <a:fld id="{ED291B17-9318-49DB-B28B-6E5994AE9581}" type="datetime1">
               <a:rPr lang="en-US" smtClean="0"/>
-              <a:t>7/12/2022</a:t>
+              <a:t>7/13/2022</a:t>
             </a:fld>
             <a:endParaRPr lang="en-US" dirty="0"/>
           </a:p>
@@ -7426,7 +7429,7 @@
       </p:sp>
       <p:pic>
         <p:nvPicPr>
-          <p:cNvPr id="9" name="Content Placeholder 8" descr="Graphical user interface, map&#10;&#10;Description automatically generated">
+          <p:cNvPr id="9" name="Content Placeholder 8">
             <a:extLst>
               <a:ext uri="{FF2B5EF4-FFF2-40B4-BE49-F238E27FC236}">
                 <a16:creationId xmlns:a16="http://schemas.microsoft.com/office/drawing/2014/main" id="{5796E2B1-899A-93CC-9FD2-F6469A239D1A}"/>
@@ -7442,14 +7445,13 @@
         </p:nvPicPr>
         <p:blipFill>
           <a:blip r:embed="rId2"/>
-          <a:stretch>
-            <a:fillRect/>
-          </a:stretch>
+          <a:srcRect/>
+          <a:stretch/>
         </p:blipFill>
         <p:spPr>
           <a:xfrm>
-            <a:off x="670092" y="1890876"/>
-            <a:ext cx="9979530" cy="4795674"/>
+            <a:off x="670092" y="2089011"/>
+            <a:ext cx="9979530" cy="4399403"/>
           </a:xfrm>
         </p:spPr>
       </p:pic>
@@ -7511,19 +7513,18 @@
               <a:defRPr cap="all"/>
             </a:pPr>
             <a:r>
-              <a:rPr lang="en-US"/>
+              <a:rPr lang="en-US" dirty="0"/>
               <a:t>Data Analysis and Visualizations</a:t>
             </a:r>
-            <a:endParaRPr lang="en-US" dirty="0"/>
           </a:p>
         </p:txBody>
       </p:sp>
       <p:pic>
         <p:nvPicPr>
-          <p:cNvPr id="5" name="Content Placeholder 4" descr="Map&#10;&#10;Description automatically generated">
+          <p:cNvPr id="7" name="Content Placeholder 6">
             <a:extLst>
               <a:ext uri="{FF2B5EF4-FFF2-40B4-BE49-F238E27FC236}">
-                <a16:creationId xmlns:a16="http://schemas.microsoft.com/office/drawing/2014/main" id="{D3691A30-16F4-BE2C-A7D5-2ACFBD09A185}"/>
+                <a16:creationId xmlns:a16="http://schemas.microsoft.com/office/drawing/2014/main" id="{2D39F646-F1AC-D829-819E-A00CEB8918FA}"/>
               </a:ext>
             </a:extLst>
           </p:cNvPr>
@@ -7536,21 +7537,20 @@
         </p:nvPicPr>
         <p:blipFill>
           <a:blip r:embed="rId2"/>
-          <a:stretch>
-            <a:fillRect/>
-          </a:stretch>
+          <a:srcRect/>
+          <a:stretch/>
         </p:blipFill>
         <p:spPr>
           <a:xfrm>
-            <a:off x="677946" y="1890876"/>
-            <a:ext cx="10201108" cy="4902153"/>
+            <a:off x="670092" y="2135333"/>
+            <a:ext cx="10402058" cy="4509806"/>
           </a:xfrm>
         </p:spPr>
       </p:pic>
     </p:spTree>
     <p:extLst>
       <p:ext uri="{BB962C8B-B14F-4D97-AF65-F5344CB8AC3E}">
-        <p14:creationId xmlns:p14="http://schemas.microsoft.com/office/powerpoint/2010/main" val="4158510516"/>
+        <p14:creationId xmlns:p14="http://schemas.microsoft.com/office/powerpoint/2010/main" val="2716326040"/>
       </p:ext>
     </p:extLst>
   </p:cSld>
@@ -7613,7 +7613,7 @@
       </p:sp>
       <p:pic>
         <p:nvPicPr>
-          <p:cNvPr id="5" name="Content Placeholder 4" descr="Map&#10;&#10;Description automatically generated">
+          <p:cNvPr id="5" name="Content Placeholder 4">
             <a:extLst>
               <a:ext uri="{FF2B5EF4-FFF2-40B4-BE49-F238E27FC236}">
                 <a16:creationId xmlns:a16="http://schemas.microsoft.com/office/drawing/2014/main" id="{351721D9-8535-F699-0B33-7BBCB73DADC2}"/>
@@ -7629,14 +7629,13 @@
         </p:nvPicPr>
         <p:blipFill>
           <a:blip r:embed="rId2"/>
-          <a:stretch>
-            <a:fillRect/>
-          </a:stretch>
+          <a:srcRect/>
+          <a:stretch/>
         </p:blipFill>
         <p:spPr>
           <a:xfrm>
-            <a:off x="682792" y="1890876"/>
-            <a:ext cx="9878295" cy="4747026"/>
+            <a:off x="682792" y="2115019"/>
+            <a:ext cx="9878295" cy="4298739"/>
           </a:xfrm>
         </p:spPr>
       </p:pic>
@@ -7706,10 +7705,10 @@
       </p:sp>
       <p:pic>
         <p:nvPicPr>
-          <p:cNvPr id="7" name="Content Placeholder 6" descr="Diagram&#10;&#10;Description automatically generated">
+          <p:cNvPr id="6" name="Content Placeholder 5">
             <a:extLst>
               <a:ext uri="{FF2B5EF4-FFF2-40B4-BE49-F238E27FC236}">
-                <a16:creationId xmlns:a16="http://schemas.microsoft.com/office/drawing/2014/main" id="{2D39F646-F1AC-D829-819E-A00CEB8918FA}"/>
+                <a16:creationId xmlns:a16="http://schemas.microsoft.com/office/drawing/2014/main" id="{73E2D5C8-B0EC-786C-FB74-F05A963C0654}"/>
               </a:ext>
             </a:extLst>
           </p:cNvPr>
@@ -7722,21 +7721,20 @@
         </p:nvPicPr>
         <p:blipFill>
           <a:blip r:embed="rId2"/>
-          <a:stretch>
-            <a:fillRect/>
-          </a:stretch>
+          <a:srcRect/>
+          <a:stretch/>
         </p:blipFill>
         <p:spPr>
           <a:xfrm>
-            <a:off x="670092" y="1890876"/>
-            <a:ext cx="10402058" cy="4998720"/>
+            <a:off x="716672" y="2080361"/>
+            <a:ext cx="9742656" cy="4302874"/>
           </a:xfrm>
         </p:spPr>
       </p:pic>
     </p:spTree>
     <p:extLst>
       <p:ext uri="{BB962C8B-B14F-4D97-AF65-F5344CB8AC3E}">
-        <p14:creationId xmlns:p14="http://schemas.microsoft.com/office/powerpoint/2010/main" val="2716326040"/>
+        <p14:creationId xmlns:p14="http://schemas.microsoft.com/office/powerpoint/2010/main" val="97150453"/>
       </p:ext>
     </p:extLst>
   </p:cSld>
@@ -7799,10 +7797,10 @@
       </p:sp>
       <p:pic>
         <p:nvPicPr>
-          <p:cNvPr id="6" name="Content Placeholder 5" descr="A screenshot of a map&#10;&#10;Description automatically generated with medium confidence">
+          <p:cNvPr id="7" name="Content Placeholder 6">
             <a:extLst>
               <a:ext uri="{FF2B5EF4-FFF2-40B4-BE49-F238E27FC236}">
-                <a16:creationId xmlns:a16="http://schemas.microsoft.com/office/drawing/2014/main" id="{73E2D5C8-B0EC-786C-FB74-F05A963C0654}"/>
+                <a16:creationId xmlns:a16="http://schemas.microsoft.com/office/drawing/2014/main" id="{129FE903-8649-37C0-7D99-7F6E441B8BF0}"/>
               </a:ext>
             </a:extLst>
           </p:cNvPr>
@@ -7815,21 +7813,20 @@
         </p:nvPicPr>
         <p:blipFill>
           <a:blip r:embed="rId2"/>
-          <a:stretch>
-            <a:fillRect/>
-          </a:stretch>
+          <a:srcRect/>
+          <a:stretch/>
         </p:blipFill>
         <p:spPr>
           <a:xfrm>
-            <a:off x="716672" y="1890876"/>
-            <a:ext cx="9742656" cy="4681844"/>
+            <a:off x="581193" y="1890876"/>
+            <a:ext cx="11416420" cy="4264968"/>
           </a:xfrm>
         </p:spPr>
       </p:pic>
     </p:spTree>
     <p:extLst>
       <p:ext uri="{BB962C8B-B14F-4D97-AF65-F5344CB8AC3E}">
-        <p14:creationId xmlns:p14="http://schemas.microsoft.com/office/powerpoint/2010/main" val="97150453"/>
+        <p14:creationId xmlns:p14="http://schemas.microsoft.com/office/powerpoint/2010/main" val="2573959452"/>
       </p:ext>
     </p:extLst>
   </p:cSld>
@@ -7842,6 +7839,17 @@
 <file path=ppt/slides/slide16.xml><?xml version="1.0" encoding="utf-8"?>
 <p:sld xmlns:a="http://schemas.openxmlformats.org/drawingml/2006/main" xmlns:r="http://schemas.openxmlformats.org/officeDocument/2006/relationships" xmlns:p="http://schemas.openxmlformats.org/presentationml/2006/main">
   <p:cSld>
+    <p:bg>
+      <p:bgPr>
+        <a:solidFill>
+          <a:schemeClr val="tx1">
+            <a:lumMod val="50000"/>
+            <a:lumOff val="50000"/>
+          </a:schemeClr>
+        </a:solidFill>
+        <a:effectLst/>
+      </p:bgPr>
+    </p:bg>
     <p:spTree>
       <p:nvGrpSpPr>
         <p:cNvPr id="1" name=""/>
@@ -7858,6 +7866,420 @@
       </p:grpSpPr>
       <p:sp>
         <p:nvSpPr>
+          <p:cNvPr id="29" name="Rectangle 28">
+            <a:extLst>
+              <a:ext uri="{FF2B5EF4-FFF2-40B4-BE49-F238E27FC236}">
+                <a16:creationId xmlns:a16="http://schemas.microsoft.com/office/drawing/2014/main" id="{DD651B61-325E-4E73-8445-38B0DE8AAAB6}"/>
+              </a:ext>
+              <a:ext uri="{C183D7F6-B498-43B3-948B-1728B52AA6E4}">
+                <adec:decorative xmlns:adec="http://schemas.microsoft.com/office/drawing/2017/decorative" val="1"/>
+              </a:ext>
+            </a:extLst>
+          </p:cNvPr>
+          <p:cNvSpPr>
+            <a:spLocks noGrp="1" noRot="1" noChangeAspect="1" noMove="1" noResize="1" noEditPoints="1" noAdjustHandles="1" noChangeArrowheads="1" noChangeShapeType="1" noTextEdit="1"/>
+          </p:cNvSpPr>
+          <p:nvPr>
+            <p:extLst>
+              <p:ext uri="{386F3935-93C4-4BCD-93E2-E3B085C9AB24}">
+                <p16:designElem xmlns:p16="http://schemas.microsoft.com/office/powerpoint/2015/main" val="1"/>
+              </p:ext>
+            </p:extLst>
+          </p:nvPr>
+        </p:nvSpPr>
+        <p:spPr>
+          <a:xfrm>
+            <a:off x="446534" y="457200"/>
+            <a:ext cx="3703320" cy="94997"/>
+          </a:xfrm>
+          <a:prstGeom prst="rect">
+            <a:avLst/>
+          </a:prstGeom>
+          <a:solidFill>
+            <a:srgbClr val="465359"/>
+          </a:solidFill>
+          <a:ln>
+            <a:noFill/>
+          </a:ln>
+          <a:effectLst/>
+        </p:spPr>
+        <p:style>
+          <a:lnRef idx="1">
+            <a:schemeClr val="accent1"/>
+          </a:lnRef>
+          <a:fillRef idx="3">
+            <a:schemeClr val="accent1"/>
+          </a:fillRef>
+          <a:effectRef idx="2">
+            <a:schemeClr val="accent1"/>
+          </a:effectRef>
+          <a:fontRef idx="minor">
+            <a:schemeClr val="lt1"/>
+          </a:fontRef>
+        </p:style>
+      </p:sp>
+      <p:sp>
+        <p:nvSpPr>
+          <p:cNvPr id="36" name="Rectangle 30">
+            <a:extLst>
+              <a:ext uri="{FF2B5EF4-FFF2-40B4-BE49-F238E27FC236}">
+                <a16:creationId xmlns:a16="http://schemas.microsoft.com/office/drawing/2014/main" id="{B42E5253-D3AC-4AC2-B766-8B34F13C2F5E}"/>
+              </a:ext>
+              <a:ext uri="{C183D7F6-B498-43B3-948B-1728B52AA6E4}">
+                <adec:decorative xmlns:adec="http://schemas.microsoft.com/office/drawing/2017/decorative" val="1"/>
+              </a:ext>
+            </a:extLst>
+          </p:cNvPr>
+          <p:cNvSpPr>
+            <a:spLocks noGrp="1" noRot="1" noChangeAspect="1" noMove="1" noResize="1" noEditPoints="1" noAdjustHandles="1" noChangeArrowheads="1" noChangeShapeType="1" noTextEdit="1"/>
+          </p:cNvSpPr>
+          <p:nvPr>
+            <p:extLst>
+              <p:ext uri="{386F3935-93C4-4BCD-93E2-E3B085C9AB24}">
+                <p16:designElem xmlns:p16="http://schemas.microsoft.com/office/powerpoint/2015/main" val="1"/>
+              </p:ext>
+            </p:extLst>
+          </p:nvPr>
+        </p:nvSpPr>
+        <p:spPr>
+          <a:xfrm>
+            <a:off x="8042147" y="453643"/>
+            <a:ext cx="3703320" cy="98554"/>
+          </a:xfrm>
+          <a:prstGeom prst="rect">
+            <a:avLst/>
+          </a:prstGeom>
+          <a:solidFill>
+            <a:srgbClr val="969FA7"/>
+          </a:solidFill>
+          <a:ln>
+            <a:noFill/>
+          </a:ln>
+          <a:effectLst/>
+        </p:spPr>
+        <p:style>
+          <a:lnRef idx="1">
+            <a:schemeClr val="accent1"/>
+          </a:lnRef>
+          <a:fillRef idx="3">
+            <a:schemeClr val="accent1"/>
+          </a:fillRef>
+          <a:effectRef idx="2">
+            <a:schemeClr val="accent1"/>
+          </a:effectRef>
+          <a:fontRef idx="minor">
+            <a:schemeClr val="lt1"/>
+          </a:fontRef>
+        </p:style>
+      </p:sp>
+      <p:sp>
+        <p:nvSpPr>
+          <p:cNvPr id="38" name="Rectangle 32">
+            <a:extLst>
+              <a:ext uri="{FF2B5EF4-FFF2-40B4-BE49-F238E27FC236}">
+                <a16:creationId xmlns:a16="http://schemas.microsoft.com/office/drawing/2014/main" id="{10AE8D57-436A-4073-9A75-15BB5949F8B4}"/>
+              </a:ext>
+              <a:ext uri="{C183D7F6-B498-43B3-948B-1728B52AA6E4}">
+                <adec:decorative xmlns:adec="http://schemas.microsoft.com/office/drawing/2017/decorative" val="1"/>
+              </a:ext>
+            </a:extLst>
+          </p:cNvPr>
+          <p:cNvSpPr>
+            <a:spLocks noGrp="1" noRot="1" noChangeAspect="1" noMove="1" noResize="1" noEditPoints="1" noAdjustHandles="1" noChangeArrowheads="1" noChangeShapeType="1" noTextEdit="1"/>
+          </p:cNvSpPr>
+          <p:nvPr>
+            <p:extLst>
+              <p:ext uri="{386F3935-93C4-4BCD-93E2-E3B085C9AB24}">
+                <p16:designElem xmlns:p16="http://schemas.microsoft.com/office/powerpoint/2015/main" val="1"/>
+              </p:ext>
+            </p:extLst>
+          </p:nvPr>
+        </p:nvSpPr>
+        <p:spPr>
+          <a:xfrm>
+            <a:off x="4241830" y="457200"/>
+            <a:ext cx="3703320" cy="91440"/>
+          </a:xfrm>
+          <a:prstGeom prst="rect">
+            <a:avLst/>
+          </a:prstGeom>
+          <a:solidFill>
+            <a:schemeClr val="accent1"/>
+          </a:solidFill>
+          <a:ln>
+            <a:noFill/>
+          </a:ln>
+          <a:effectLst/>
+        </p:spPr>
+        <p:style>
+          <a:lnRef idx="1">
+            <a:schemeClr val="accent1"/>
+          </a:lnRef>
+          <a:fillRef idx="3">
+            <a:schemeClr val="accent1"/>
+          </a:fillRef>
+          <a:effectRef idx="2">
+            <a:schemeClr val="accent1"/>
+          </a:effectRef>
+          <a:fontRef idx="minor">
+            <a:schemeClr val="lt1"/>
+          </a:fontRef>
+        </p:style>
+      </p:sp>
+      <p:sp>
+        <p:nvSpPr>
+          <p:cNvPr id="35" name="Rectangle 34">
+            <a:extLst>
+              <a:ext uri="{FF2B5EF4-FFF2-40B4-BE49-F238E27FC236}">
+                <a16:creationId xmlns:a16="http://schemas.microsoft.com/office/drawing/2014/main" id="{E2852671-8EB6-4EAF-8AF8-65CF3FD66456}"/>
+              </a:ext>
+              <a:ext uri="{C183D7F6-B498-43B3-948B-1728B52AA6E4}">
+                <adec:decorative xmlns:adec="http://schemas.microsoft.com/office/drawing/2017/decorative" val="1"/>
+              </a:ext>
+            </a:extLst>
+          </p:cNvPr>
+          <p:cNvSpPr>
+            <a:spLocks noGrp="1" noRot="1" noChangeAspect="1" noMove="1" noResize="1" noEditPoints="1" noAdjustHandles="1" noChangeArrowheads="1" noChangeShapeType="1" noTextEdit="1"/>
+          </p:cNvSpPr>
+          <p:nvPr>
+            <p:extLst>
+              <p:ext uri="{386F3935-93C4-4BCD-93E2-E3B085C9AB24}">
+                <p16:designElem xmlns:p16="http://schemas.microsoft.com/office/powerpoint/2015/main" val="1"/>
+              </p:ext>
+            </p:extLst>
+          </p:nvPr>
+        </p:nvSpPr>
+        <p:spPr>
+          <a:xfrm>
+            <a:off x="446534" y="3085764"/>
+            <a:ext cx="11298932" cy="3338149"/>
+          </a:xfrm>
+          <a:prstGeom prst="rect">
+            <a:avLst/>
+          </a:prstGeom>
+          <a:solidFill>
+            <a:srgbClr val="465359"/>
+          </a:solidFill>
+          <a:ln>
+            <a:noFill/>
+          </a:ln>
+          <a:effectLst/>
+        </p:spPr>
+        <p:style>
+          <a:lnRef idx="1">
+            <a:schemeClr val="accent1"/>
+          </a:lnRef>
+          <a:fillRef idx="3">
+            <a:schemeClr val="accent1"/>
+          </a:fillRef>
+          <a:effectRef idx="2">
+            <a:schemeClr val="accent1"/>
+          </a:effectRef>
+          <a:fontRef idx="minor">
+            <a:schemeClr val="lt1"/>
+          </a:fontRef>
+        </p:style>
+      </p:sp>
+      <p:sp useBgFill="1">
+        <p:nvSpPr>
+          <p:cNvPr id="37" name="Rectangle 36">
+            <a:extLst>
+              <a:ext uri="{FF2B5EF4-FFF2-40B4-BE49-F238E27FC236}">
+                <a16:creationId xmlns:a16="http://schemas.microsoft.com/office/drawing/2014/main" id="{26B4480E-B7FF-4481-890E-043A69AE6FE2}"/>
+              </a:ext>
+              <a:ext uri="{C183D7F6-B498-43B3-948B-1728B52AA6E4}">
+                <adec:decorative xmlns:adec="http://schemas.microsoft.com/office/drawing/2017/decorative" val="1"/>
+              </a:ext>
+            </a:extLst>
+          </p:cNvPr>
+          <p:cNvSpPr>
+            <a:spLocks noGrp="1" noRot="1" noChangeAspect="1" noMove="1" noResize="1" noEditPoints="1" noAdjustHandles="1" noChangeArrowheads="1" noChangeShapeType="1" noTextEdit="1"/>
+          </p:cNvSpPr>
+          <p:nvPr>
+            <p:extLst>
+              <p:ext uri="{386F3935-93C4-4BCD-93E2-E3B085C9AB24}">
+                <p16:designElem xmlns:p16="http://schemas.microsoft.com/office/powerpoint/2015/main" val="1"/>
+              </p:ext>
+            </p:extLst>
+          </p:nvPr>
+        </p:nvSpPr>
+        <p:spPr>
+          <a:xfrm>
+            <a:off x="0" y="0"/>
+            <a:ext cx="12192000" cy="6858000"/>
+          </a:xfrm>
+          <a:prstGeom prst="rect">
+            <a:avLst/>
+          </a:prstGeom>
+          <a:ln>
+            <a:noFill/>
+          </a:ln>
+        </p:spPr>
+        <p:style>
+          <a:lnRef idx="2">
+            <a:schemeClr val="accent1">
+              <a:shade val="50000"/>
+            </a:schemeClr>
+          </a:lnRef>
+          <a:fillRef idx="1">
+            <a:schemeClr val="accent1"/>
+          </a:fillRef>
+          <a:effectRef idx="0">
+            <a:schemeClr val="accent1"/>
+          </a:effectRef>
+          <a:fontRef idx="minor">
+            <a:schemeClr val="lt1"/>
+          </a:fontRef>
+        </p:style>
+        <p:txBody>
+          <a:bodyPr rtlCol="0" anchor="ctr"/>
+          <a:lstStyle/>
+          <a:p>
+            <a:pPr algn="ctr"/>
+            <a:endParaRPr lang="en-US"/>
+          </a:p>
+        </p:txBody>
+      </p:sp>
+      <p:grpSp>
+        <p:nvGrpSpPr>
+          <p:cNvPr id="39" name="Group 38">
+            <a:extLst>
+              <a:ext uri="{FF2B5EF4-FFF2-40B4-BE49-F238E27FC236}">
+                <a16:creationId xmlns:a16="http://schemas.microsoft.com/office/drawing/2014/main" id="{79394E1F-0B5F-497D-B2A6-8383A2A54834}"/>
+              </a:ext>
+              <a:ext uri="{C183D7F6-B498-43B3-948B-1728B52AA6E4}">
+                <adec:decorative xmlns:adec="http://schemas.microsoft.com/office/drawing/2017/decorative" val="1"/>
+              </a:ext>
+            </a:extLst>
+          </p:cNvPr>
+          <p:cNvGrpSpPr>
+            <a:grpSpLocks noGrp="1" noUngrp="1" noRot="1" noChangeAspect="1" noMove="1" noResize="1"/>
+          </p:cNvGrpSpPr>
+          <p:nvPr>
+            <p:extLst>
+              <p:ext uri="{386F3935-93C4-4BCD-93E2-E3B085C9AB24}">
+                <p16:designElem xmlns:p16="http://schemas.microsoft.com/office/powerpoint/2015/main" val="1"/>
+              </p:ext>
+            </p:extLst>
+          </p:nvPr>
+        </p:nvGrpSpPr>
+        <p:grpSpPr>
+          <a:xfrm>
+            <a:off x="438068" y="457200"/>
+            <a:ext cx="3703320" cy="5935133"/>
+            <a:chOff x="438068" y="457200"/>
+            <a:chExt cx="3703320" cy="5935133"/>
+          </a:xfrm>
+        </p:grpSpPr>
+        <p:sp>
+          <p:nvSpPr>
+            <p:cNvPr id="40" name="Rectangle 39">
+              <a:extLst>
+                <a:ext uri="{FF2B5EF4-FFF2-40B4-BE49-F238E27FC236}">
+                  <a16:creationId xmlns:a16="http://schemas.microsoft.com/office/drawing/2014/main" id="{1F1FF39A-AC3C-4066-9D4C-519AA22812EA}"/>
+                </a:ext>
+                <a:ext uri="{C183D7F6-B498-43B3-948B-1728B52AA6E4}">
+                  <adec:decorative xmlns:adec="http://schemas.microsoft.com/office/drawing/2017/decorative" val="1"/>
+                </a:ext>
+              </a:extLst>
+            </p:cNvPr>
+            <p:cNvSpPr/>
+            <p:nvPr>
+              <p:extLst>
+                <p:ext uri="{386F3935-93C4-4BCD-93E2-E3B085C9AB24}">
+                  <p16:designElem xmlns:p16="http://schemas.microsoft.com/office/powerpoint/2015/main" val="1"/>
+                </p:ext>
+              </p:extLst>
+            </p:nvPr>
+          </p:nvSpPr>
+          <p:spPr>
+            <a:xfrm>
+              <a:off x="438068" y="601201"/>
+              <a:ext cx="3702134" cy="5791132"/>
+            </a:xfrm>
+            <a:prstGeom prst="rect">
+              <a:avLst/>
+            </a:prstGeom>
+            <a:solidFill>
+              <a:srgbClr val="465359">
+                <a:alpha val="97000"/>
+              </a:srgbClr>
+            </a:solidFill>
+            <a:ln w="6350" cmpd="sng">
+              <a:noFill/>
+            </a:ln>
+            <a:effectLst/>
+          </p:spPr>
+          <p:style>
+            <a:lnRef idx="1">
+              <a:schemeClr val="accent1"/>
+            </a:lnRef>
+            <a:fillRef idx="3">
+              <a:schemeClr val="accent1"/>
+            </a:fillRef>
+            <a:effectRef idx="2">
+              <a:schemeClr val="accent1"/>
+            </a:effectRef>
+            <a:fontRef idx="minor">
+              <a:schemeClr val="lt1"/>
+            </a:fontRef>
+          </p:style>
+        </p:sp>
+        <p:sp>
+          <p:nvSpPr>
+            <p:cNvPr id="41" name="Rectangle 40">
+              <a:extLst>
+                <a:ext uri="{FF2B5EF4-FFF2-40B4-BE49-F238E27FC236}">
+                  <a16:creationId xmlns:a16="http://schemas.microsoft.com/office/drawing/2014/main" id="{64C13BAB-7C00-4D21-A857-E3D41C0A2A66}"/>
+                </a:ext>
+                <a:ext uri="{C183D7F6-B498-43B3-948B-1728B52AA6E4}">
+                  <adec:decorative xmlns:adec="http://schemas.microsoft.com/office/drawing/2017/decorative" val="1"/>
+                </a:ext>
+              </a:extLst>
+            </p:cNvPr>
+            <p:cNvSpPr/>
+            <p:nvPr>
+              <p:extLst>
+                <p:ext uri="{386F3935-93C4-4BCD-93E2-E3B085C9AB24}">
+                  <p16:designElem xmlns:p16="http://schemas.microsoft.com/office/powerpoint/2015/main" val="1"/>
+                </p:ext>
+              </p:extLst>
+            </p:nvPr>
+          </p:nvSpPr>
+          <p:spPr>
+            <a:xfrm>
+              <a:off x="438068" y="457200"/>
+              <a:ext cx="3703320" cy="94997"/>
+            </a:xfrm>
+            <a:prstGeom prst="rect">
+              <a:avLst/>
+            </a:prstGeom>
+            <a:solidFill>
+              <a:srgbClr val="465359"/>
+            </a:solidFill>
+            <a:ln>
+              <a:noFill/>
+            </a:ln>
+            <a:effectLst/>
+          </p:spPr>
+          <p:style>
+            <a:lnRef idx="1">
+              <a:schemeClr val="accent1"/>
+            </a:lnRef>
+            <a:fillRef idx="3">
+              <a:schemeClr val="accent1"/>
+            </a:fillRef>
+            <a:effectRef idx="2">
+              <a:schemeClr val="accent1"/>
+            </a:effectRef>
+            <a:fontRef idx="minor">
+              <a:schemeClr val="lt1"/>
+            </a:fontRef>
+          </p:style>
+        </p:sp>
+      </p:grpSp>
+      <p:sp>
+        <p:nvSpPr>
           <p:cNvPr id="2" name="Title 1">
             <a:extLst>
               <a:ext uri="{FF2B5EF4-FFF2-40B4-BE49-F238E27FC236}">
@@ -7872,56 +8294,67 @@
             <p:ph type="title"/>
           </p:nvPr>
         </p:nvSpPr>
-        <p:spPr/>
+        <p:spPr>
+          <a:xfrm>
+            <a:off x="584200" y="1524001"/>
+            <a:ext cx="3412067" cy="3478384"/>
+          </a:xfrm>
+        </p:spPr>
         <p:txBody>
-          <a:bodyPr/>
+          <a:bodyPr vert="horz" lIns="91440" tIns="45720" rIns="91440" bIns="45720" rtlCol="0" anchor="b">
+            <a:normAutofit/>
+          </a:bodyPr>
           <a:lstStyle/>
           <a:p>
             <a:pPr lvl="0">
-              <a:lnSpc>
-                <a:spcPct val="100000"/>
-              </a:lnSpc>
               <a:defRPr cap="all"/>
             </a:pPr>
             <a:r>
-              <a:rPr lang="en-US" dirty="0"/>
+              <a:rPr lang="en-US" sz="3300">
+                <a:solidFill>
+                  <a:srgbClr val="FFFFFF"/>
+                </a:solidFill>
+              </a:rPr>
               <a:t>Data Analysis and Visualizations</a:t>
             </a:r>
           </a:p>
         </p:txBody>
       </p:sp>
-      <p:sp>
-        <p:nvSpPr>
-          <p:cNvPr id="4" name="Content Placeholder 3">
+      <p:pic>
+        <p:nvPicPr>
+          <p:cNvPr id="6" name="Content Placeholder 5">
             <a:extLst>
               <a:ext uri="{FF2B5EF4-FFF2-40B4-BE49-F238E27FC236}">
-                <a16:creationId xmlns:a16="http://schemas.microsoft.com/office/drawing/2014/main" id="{496E0C27-F443-DC3F-3EE1-A0A7C590EF3A}"/>
+                <a16:creationId xmlns:a16="http://schemas.microsoft.com/office/drawing/2014/main" id="{251C7963-AE08-AC45-B829-FC93B46B1489}"/>
               </a:ext>
             </a:extLst>
           </p:cNvPr>
-          <p:cNvSpPr>
-            <a:spLocks noGrp="1"/>
-          </p:cNvSpPr>
+          <p:cNvPicPr>
+            <a:picLocks noGrp="1" noChangeAspect="1"/>
+          </p:cNvPicPr>
           <p:nvPr>
             <p:ph idx="1"/>
           </p:nvPr>
-        </p:nvSpPr>
-        <p:spPr/>
-        <p:txBody>
-          <a:bodyPr/>
-          <a:lstStyle/>
-          <a:p>
-            <a:r>
-              <a:rPr lang="en-US" dirty="0"/>
-              <a:t>CHART BY CLASS PIC</a:t>
-            </a:r>
-          </a:p>
-        </p:txBody>
-      </p:sp>
+        </p:nvPicPr>
+        <p:blipFill>
+          <a:blip r:embed="rId2"/>
+          <a:srcRect/>
+          <a:stretch/>
+        </p:blipFill>
+        <p:spPr>
+          <a:xfrm>
+            <a:off x="4286334" y="495927"/>
+            <a:ext cx="4208309" cy="5896406"/>
+          </a:xfrm>
+          <a:prstGeom prst="rect">
+            <a:avLst/>
+          </a:prstGeom>
+        </p:spPr>
+      </p:pic>
     </p:spTree>
     <p:extLst>
       <p:ext uri="{BB962C8B-B14F-4D97-AF65-F5344CB8AC3E}">
-        <p14:creationId xmlns:p14="http://schemas.microsoft.com/office/powerpoint/2010/main" val="2409160674"/>
+        <p14:creationId xmlns:p14="http://schemas.microsoft.com/office/powerpoint/2010/main" val="3928395385"/>
       </p:ext>
     </p:extLst>
   </p:cSld>
@@ -8538,7 +8971,7 @@
                 <a:latin typeface="Arial" panose="020B0604020202020204" pitchFamily="34" charset="0"/>
                 <a:cs typeface="Arial" panose="020B0604020202020204" pitchFamily="34" charset="0"/>
               </a:rPr>
-              <a:t>States which are high density of sasquatches such as: PA, OH, MO, NJ, CA, TN, TX, KY</a:t>
+              <a:t>States which are high density of sasquatches.</a:t>
             </a:r>
           </a:p>
           <a:p>
@@ -8547,7 +8980,7 @@
                 <a:latin typeface="Arial" panose="020B0604020202020204" pitchFamily="34" charset="0"/>
                 <a:cs typeface="Arial" panose="020B0604020202020204" pitchFamily="34" charset="0"/>
               </a:rPr>
-              <a:t>Distribution of bigfoot sightings by time (?)</a:t>
+              <a:t>Distribution of bigfoot sightings by year</a:t>
             </a:r>
           </a:p>
           <a:p>
@@ -8556,46 +8989,7 @@
                 <a:latin typeface="Arial" panose="020B0604020202020204" pitchFamily="34" charset="0"/>
                 <a:cs typeface="Arial" panose="020B0604020202020204" pitchFamily="34" charset="0"/>
               </a:rPr>
-              <a:t>Distribution of bigfoot sightings by location:</a:t>
-            </a:r>
-          </a:p>
-          <a:p>
-            <a:r>
-              <a:rPr lang="en-US" sz="1800" dirty="0">
-                <a:latin typeface="Arial" panose="020B0604020202020204" pitchFamily="34" charset="0"/>
-                <a:cs typeface="Arial" panose="020B0604020202020204" pitchFamily="34" charset="0"/>
-              </a:rPr>
-              <a:t>Number of bigfoot sightings by class:</a:t>
-            </a:r>
-          </a:p>
-          <a:p>
-            <a:pPr lvl="1"/>
-            <a:r>
-              <a:rPr lang="en-US" sz="1800" dirty="0">
-                <a:latin typeface="Arial" panose="020B0604020202020204" pitchFamily="34" charset="0"/>
-                <a:cs typeface="Arial" panose="020B0604020202020204" pitchFamily="34" charset="0"/>
-              </a:rPr>
-              <a:t>Class A</a:t>
-            </a:r>
-          </a:p>
-          <a:p>
-            <a:pPr lvl="1"/>
-            <a:r>
-              <a:rPr lang="en-US" sz="1800" dirty="0">
-                <a:latin typeface="Arial" panose="020B0604020202020204" pitchFamily="34" charset="0"/>
-                <a:cs typeface="Arial" panose="020B0604020202020204" pitchFamily="34" charset="0"/>
-              </a:rPr>
-              <a:t>Class B:</a:t>
-            </a:r>
-          </a:p>
-          <a:p>
-            <a:pPr lvl="1"/>
-            <a:r>
-              <a:rPr lang="en-US" sz="1800" dirty="0">
-                <a:latin typeface="Arial" panose="020B0604020202020204" pitchFamily="34" charset="0"/>
-                <a:cs typeface="Arial" panose="020B0604020202020204" pitchFamily="34" charset="0"/>
-              </a:rPr>
-              <a:t>Class C: </a:t>
+              <a:t>Distribution of bigfoot sightings by class.</a:t>
             </a:r>
           </a:p>
           <a:p>
@@ -8664,64 +9058,48 @@
               <a:defRPr cap="all"/>
             </a:pPr>
             <a:r>
-              <a:rPr lang="en-US" dirty="0"/>
-              <a:t>questions for further exploration</a:t>
-            </a:r>
-          </a:p>
-        </p:txBody>
-      </p:sp>
-      <p:sp>
-        <p:nvSpPr>
-          <p:cNvPr id="3" name="Content Placeholder 2">
-            <a:extLst>
-              <a:ext uri="{FF2B5EF4-FFF2-40B4-BE49-F238E27FC236}">
-                <a16:creationId xmlns:a16="http://schemas.microsoft.com/office/drawing/2014/main" id="{A778A304-6388-DDA2-3732-EB1E2AA83D76}"/>
-              </a:ext>
-            </a:extLst>
-          </p:cNvPr>
-          <p:cNvSpPr>
-            <a:spLocks noGrp="1"/>
-          </p:cNvSpPr>
-          <p:nvPr>
-            <p:ph idx="1"/>
-          </p:nvPr>
-        </p:nvSpPr>
-        <p:spPr/>
-        <p:txBody>
-          <a:bodyPr>
-            <a:normAutofit/>
-          </a:bodyPr>
-          <a:lstStyle/>
-          <a:p>
-            <a:r>
-              <a:rPr lang="en-US" sz="1800" dirty="0">
+              <a:rPr lang="en-US" sz="2800" dirty="0">
                 <a:latin typeface="Arial" panose="020B0604020202020204" pitchFamily="34" charset="0"/>
                 <a:cs typeface="Arial" panose="020B0604020202020204" pitchFamily="34" charset="0"/>
               </a:rPr>
-              <a:t>Map show areas with a high concentration of sightings using a clustering .</a:t>
+              <a:t>States which are high density of sasquatches</a:t>
             </a:r>
-          </a:p>
-          <a:p>
-            <a:r>
-              <a:rPr lang="en-US" sz="1800" dirty="0">
-                <a:latin typeface="Arial" panose="020B0604020202020204" pitchFamily="34" charset="0"/>
-                <a:cs typeface="Arial" panose="020B0604020202020204" pitchFamily="34" charset="0"/>
-              </a:rPr>
-              <a:t>Bigfoot Sightings Dashboard, including an overall map with all location and charts show sightings by time, location and by class.</a:t>
-            </a:r>
-          </a:p>
-          <a:p>
-            <a:endParaRPr lang="en-US" sz="1800" dirty="0">
-              <a:latin typeface="Arial" panose="020B0604020202020204" pitchFamily="34" charset="0"/>
-              <a:cs typeface="Arial" panose="020B0604020202020204" pitchFamily="34" charset="0"/>
-            </a:endParaRPr>
+            <a:endParaRPr lang="en-US" dirty="0"/>
           </a:p>
         </p:txBody>
       </p:sp>
+      <p:pic>
+        <p:nvPicPr>
+          <p:cNvPr id="7" name="Content Placeholder 6">
+            <a:extLst>
+              <a:ext uri="{FF2B5EF4-FFF2-40B4-BE49-F238E27FC236}">
+                <a16:creationId xmlns:a16="http://schemas.microsoft.com/office/drawing/2014/main" id="{129FE903-8649-37C0-7D99-7F6E441B8BF0}"/>
+              </a:ext>
+            </a:extLst>
+          </p:cNvPr>
+          <p:cNvPicPr>
+            <a:picLocks noGrp="1" noChangeAspect="1"/>
+          </p:cNvPicPr>
+          <p:nvPr>
+            <p:ph idx="1"/>
+          </p:nvPr>
+        </p:nvPicPr>
+        <p:blipFill>
+          <a:blip r:embed="rId2"/>
+          <a:srcRect/>
+          <a:stretch/>
+        </p:blipFill>
+        <p:spPr>
+          <a:xfrm>
+            <a:off x="581192" y="2055586"/>
+            <a:ext cx="8818268" cy="4422179"/>
+          </a:xfrm>
+        </p:spPr>
+      </p:pic>
     </p:spTree>
     <p:extLst>
       <p:ext uri="{BB962C8B-B14F-4D97-AF65-F5344CB8AC3E}">
-        <p14:creationId xmlns:p14="http://schemas.microsoft.com/office/powerpoint/2010/main" val="342232357"/>
+        <p14:creationId xmlns:p14="http://schemas.microsoft.com/office/powerpoint/2010/main" val="3761000626"/>
       </p:ext>
     </p:extLst>
   </p:cSld>
@@ -8877,6 +9255,302 @@
               <a:defRPr cap="all"/>
             </a:pPr>
             <a:r>
+              <a:rPr lang="en-US" sz="2800" dirty="0">
+                <a:latin typeface="Arial" panose="020B0604020202020204" pitchFamily="34" charset="0"/>
+                <a:cs typeface="Arial" panose="020B0604020202020204" pitchFamily="34" charset="0"/>
+              </a:rPr>
+              <a:t>Distribution of bigfoot sightings by class</a:t>
+            </a:r>
+            <a:endParaRPr lang="en-US" dirty="0"/>
+          </a:p>
+        </p:txBody>
+      </p:sp>
+      <p:pic>
+        <p:nvPicPr>
+          <p:cNvPr id="7" name="Content Placeholder 6" descr="Chart, bar chart, treemap chart&#10;&#10;Description automatically generated">
+            <a:extLst>
+              <a:ext uri="{FF2B5EF4-FFF2-40B4-BE49-F238E27FC236}">
+                <a16:creationId xmlns:a16="http://schemas.microsoft.com/office/drawing/2014/main" id="{129FE903-8649-37C0-7D99-7F6E441B8BF0}"/>
+              </a:ext>
+            </a:extLst>
+          </p:cNvPr>
+          <p:cNvPicPr>
+            <a:picLocks noGrp="1" noChangeAspect="1"/>
+          </p:cNvPicPr>
+          <p:nvPr>
+            <p:ph idx="1"/>
+          </p:nvPr>
+        </p:nvPicPr>
+        <p:blipFill>
+          <a:blip r:embed="rId2"/>
+          <a:stretch>
+            <a:fillRect/>
+          </a:stretch>
+        </p:blipFill>
+        <p:spPr>
+          <a:xfrm>
+            <a:off x="581025" y="2501755"/>
+            <a:ext cx="11029950" cy="3313402"/>
+          </a:xfrm>
+        </p:spPr>
+      </p:pic>
+    </p:spTree>
+    <p:extLst>
+      <p:ext uri="{BB962C8B-B14F-4D97-AF65-F5344CB8AC3E}">
+        <p14:creationId xmlns:p14="http://schemas.microsoft.com/office/powerpoint/2010/main" val="14701375"/>
+      </p:ext>
+    </p:extLst>
+  </p:cSld>
+  <p:clrMapOvr>
+    <a:masterClrMapping/>
+  </p:clrMapOvr>
+</p:sld>
+</file>
+
+<file path=ppt/slides/slide21.xml><?xml version="1.0" encoding="utf-8"?>
+<p:sld xmlns:a="http://schemas.openxmlformats.org/drawingml/2006/main" xmlns:r="http://schemas.openxmlformats.org/officeDocument/2006/relationships" xmlns:p="http://schemas.openxmlformats.org/presentationml/2006/main">
+  <p:cSld>
+    <p:spTree>
+      <p:nvGrpSpPr>
+        <p:cNvPr id="1" name=""/>
+        <p:cNvGrpSpPr/>
+        <p:nvPr/>
+      </p:nvGrpSpPr>
+      <p:grpSpPr>
+        <a:xfrm>
+          <a:off x="0" y="0"/>
+          <a:ext cx="0" cy="0"/>
+          <a:chOff x="0" y="0"/>
+          <a:chExt cx="0" cy="0"/>
+        </a:xfrm>
+      </p:grpSpPr>
+      <p:sp>
+        <p:nvSpPr>
+          <p:cNvPr id="2" name="Title 1">
+            <a:extLst>
+              <a:ext uri="{FF2B5EF4-FFF2-40B4-BE49-F238E27FC236}">
+                <a16:creationId xmlns:a16="http://schemas.microsoft.com/office/drawing/2014/main" id="{8F6CDC37-5A7F-2E1B-38A9-76422E3BE1F3}"/>
+              </a:ext>
+            </a:extLst>
+          </p:cNvPr>
+          <p:cNvSpPr>
+            <a:spLocks noGrp="1"/>
+          </p:cNvSpPr>
+          <p:nvPr>
+            <p:ph type="title"/>
+          </p:nvPr>
+        </p:nvSpPr>
+        <p:spPr/>
+        <p:txBody>
+          <a:bodyPr/>
+          <a:lstStyle/>
+          <a:p>
+            <a:pPr lvl="0">
+              <a:lnSpc>
+                <a:spcPct val="100000"/>
+              </a:lnSpc>
+              <a:defRPr cap="all"/>
+            </a:pPr>
+            <a:r>
+              <a:rPr lang="en-US" sz="2800" dirty="0">
+                <a:latin typeface="Arial" panose="020B0604020202020204" pitchFamily="34" charset="0"/>
+                <a:cs typeface="Arial" panose="020B0604020202020204" pitchFamily="34" charset="0"/>
+              </a:rPr>
+              <a:t>Distribution of bigfoot sightings by year</a:t>
+            </a:r>
+            <a:endParaRPr lang="en-US" dirty="0"/>
+          </a:p>
+        </p:txBody>
+      </p:sp>
+      <p:pic>
+        <p:nvPicPr>
+          <p:cNvPr id="7" name="Content Placeholder 6">
+            <a:extLst>
+              <a:ext uri="{FF2B5EF4-FFF2-40B4-BE49-F238E27FC236}">
+                <a16:creationId xmlns:a16="http://schemas.microsoft.com/office/drawing/2014/main" id="{129FE903-8649-37C0-7D99-7F6E441B8BF0}"/>
+              </a:ext>
+            </a:extLst>
+          </p:cNvPr>
+          <p:cNvPicPr>
+            <a:picLocks noGrp="1" noChangeAspect="1"/>
+          </p:cNvPicPr>
+          <p:nvPr>
+            <p:ph idx="1"/>
+          </p:nvPr>
+        </p:nvPicPr>
+        <p:blipFill>
+          <a:blip r:embed="rId2"/>
+          <a:srcRect/>
+          <a:stretch/>
+        </p:blipFill>
+        <p:spPr>
+          <a:xfrm>
+            <a:off x="581026" y="2501755"/>
+            <a:ext cx="11029947" cy="3313402"/>
+          </a:xfrm>
+        </p:spPr>
+      </p:pic>
+    </p:spTree>
+    <p:extLst>
+      <p:ext uri="{BB962C8B-B14F-4D97-AF65-F5344CB8AC3E}">
+        <p14:creationId xmlns:p14="http://schemas.microsoft.com/office/powerpoint/2010/main" val="2946976867"/>
+      </p:ext>
+    </p:extLst>
+  </p:cSld>
+  <p:clrMapOvr>
+    <a:masterClrMapping/>
+  </p:clrMapOvr>
+</p:sld>
+</file>
+
+<file path=ppt/slides/slide22.xml><?xml version="1.0" encoding="utf-8"?>
+<p:sld xmlns:a="http://schemas.openxmlformats.org/drawingml/2006/main" xmlns:r="http://schemas.openxmlformats.org/officeDocument/2006/relationships" xmlns:p="http://schemas.openxmlformats.org/presentationml/2006/main">
+  <p:cSld>
+    <p:spTree>
+      <p:nvGrpSpPr>
+        <p:cNvPr id="1" name=""/>
+        <p:cNvGrpSpPr/>
+        <p:nvPr/>
+      </p:nvGrpSpPr>
+      <p:grpSpPr>
+        <a:xfrm>
+          <a:off x="0" y="0"/>
+          <a:ext cx="0" cy="0"/>
+          <a:chOff x="0" y="0"/>
+          <a:chExt cx="0" cy="0"/>
+        </a:xfrm>
+      </p:grpSpPr>
+      <p:sp>
+        <p:nvSpPr>
+          <p:cNvPr id="2" name="Title 1">
+            <a:extLst>
+              <a:ext uri="{FF2B5EF4-FFF2-40B4-BE49-F238E27FC236}">
+                <a16:creationId xmlns:a16="http://schemas.microsoft.com/office/drawing/2014/main" id="{8F6CDC37-5A7F-2E1B-38A9-76422E3BE1F3}"/>
+              </a:ext>
+            </a:extLst>
+          </p:cNvPr>
+          <p:cNvSpPr>
+            <a:spLocks noGrp="1"/>
+          </p:cNvSpPr>
+          <p:nvPr>
+            <p:ph type="title"/>
+          </p:nvPr>
+        </p:nvSpPr>
+        <p:spPr/>
+        <p:txBody>
+          <a:bodyPr/>
+          <a:lstStyle/>
+          <a:p>
+            <a:pPr lvl="0">
+              <a:lnSpc>
+                <a:spcPct val="100000"/>
+              </a:lnSpc>
+              <a:defRPr cap="all"/>
+            </a:pPr>
+            <a:r>
+              <a:rPr lang="en-US" dirty="0"/>
+              <a:t>questions for further exploration</a:t>
+            </a:r>
+          </a:p>
+        </p:txBody>
+      </p:sp>
+      <p:sp>
+        <p:nvSpPr>
+          <p:cNvPr id="3" name="Content Placeholder 2">
+            <a:extLst>
+              <a:ext uri="{FF2B5EF4-FFF2-40B4-BE49-F238E27FC236}">
+                <a16:creationId xmlns:a16="http://schemas.microsoft.com/office/drawing/2014/main" id="{A778A304-6388-DDA2-3732-EB1E2AA83D76}"/>
+              </a:ext>
+            </a:extLst>
+          </p:cNvPr>
+          <p:cNvSpPr>
+            <a:spLocks noGrp="1"/>
+          </p:cNvSpPr>
+          <p:nvPr>
+            <p:ph idx="1"/>
+          </p:nvPr>
+        </p:nvSpPr>
+        <p:spPr/>
+        <p:txBody>
+          <a:bodyPr>
+            <a:normAutofit/>
+          </a:bodyPr>
+          <a:lstStyle/>
+          <a:p>
+            <a:r>
+              <a:rPr lang="en-US" sz="1800" dirty="0">
+                <a:latin typeface="Arial" panose="020B0604020202020204" pitchFamily="34" charset="0"/>
+                <a:cs typeface="Arial" panose="020B0604020202020204" pitchFamily="34" charset="0"/>
+              </a:rPr>
+              <a:t>Map show areas with a high concentration of sightings using a clustering .</a:t>
+            </a:r>
+          </a:p>
+          <a:p>
+            <a:endParaRPr lang="en-US" sz="1800" dirty="0">
+              <a:latin typeface="Arial" panose="020B0604020202020204" pitchFamily="34" charset="0"/>
+              <a:cs typeface="Arial" panose="020B0604020202020204" pitchFamily="34" charset="0"/>
+            </a:endParaRPr>
+          </a:p>
+        </p:txBody>
+      </p:sp>
+    </p:spTree>
+    <p:extLst>
+      <p:ext uri="{BB962C8B-B14F-4D97-AF65-F5344CB8AC3E}">
+        <p14:creationId xmlns:p14="http://schemas.microsoft.com/office/powerpoint/2010/main" val="342232357"/>
+      </p:ext>
+    </p:extLst>
+  </p:cSld>
+  <p:clrMapOvr>
+    <a:masterClrMapping/>
+  </p:clrMapOvr>
+</p:sld>
+</file>
+
+<file path=ppt/slides/slide23.xml><?xml version="1.0" encoding="utf-8"?>
+<p:sld xmlns:a="http://schemas.openxmlformats.org/drawingml/2006/main" xmlns:r="http://schemas.openxmlformats.org/officeDocument/2006/relationships" xmlns:p="http://schemas.openxmlformats.org/presentationml/2006/main">
+  <p:cSld>
+    <p:spTree>
+      <p:nvGrpSpPr>
+        <p:cNvPr id="1" name=""/>
+        <p:cNvGrpSpPr/>
+        <p:nvPr/>
+      </p:nvGrpSpPr>
+      <p:grpSpPr>
+        <a:xfrm>
+          <a:off x="0" y="0"/>
+          <a:ext cx="0" cy="0"/>
+          <a:chOff x="0" y="0"/>
+          <a:chExt cx="0" cy="0"/>
+        </a:xfrm>
+      </p:grpSpPr>
+      <p:sp>
+        <p:nvSpPr>
+          <p:cNvPr id="2" name="Title 1">
+            <a:extLst>
+              <a:ext uri="{FF2B5EF4-FFF2-40B4-BE49-F238E27FC236}">
+                <a16:creationId xmlns:a16="http://schemas.microsoft.com/office/drawing/2014/main" id="{8F6CDC37-5A7F-2E1B-38A9-76422E3BE1F3}"/>
+              </a:ext>
+            </a:extLst>
+          </p:cNvPr>
+          <p:cNvSpPr>
+            <a:spLocks noGrp="1"/>
+          </p:cNvSpPr>
+          <p:nvPr>
+            <p:ph type="title"/>
+          </p:nvPr>
+        </p:nvSpPr>
+        <p:spPr/>
+        <p:txBody>
+          <a:bodyPr/>
+          <a:lstStyle/>
+          <a:p>
+            <a:pPr lvl="0">
+              <a:lnSpc>
+                <a:spcPct val="100000"/>
+              </a:lnSpc>
+              <a:defRPr cap="all"/>
+            </a:pPr>
+            <a:r>
               <a:rPr lang="en-US" dirty="0"/>
               <a:t>References:</a:t>
             </a:r>
@@ -8972,6 +9646,26 @@
             </a:endParaRPr>
           </a:p>
           <a:p>
+            <a:r>
+              <a:rPr lang="en-US" sz="1800" dirty="0">
+                <a:latin typeface="Arial" panose="020B0604020202020204" pitchFamily="34" charset="0"/>
+                <a:cs typeface="Arial" panose="020B0604020202020204" pitchFamily="34" charset="0"/>
+                <a:hlinkClick r:id="rId5"/>
+              </a:rPr>
+              <a:t>https://www.outsideonline.com/gallery/10-most-convincing-bigfoot-sightings/</a:t>
+            </a:r>
+            <a:endParaRPr lang="en-US" sz="1800" dirty="0">
+              <a:latin typeface="Arial" panose="020B0604020202020204" pitchFamily="34" charset="0"/>
+              <a:cs typeface="Arial" panose="020B0604020202020204" pitchFamily="34" charset="0"/>
+            </a:endParaRPr>
+          </a:p>
+          <a:p>
+            <a:endParaRPr lang="en-US" sz="1800" dirty="0">
+              <a:latin typeface="Arial" panose="020B0604020202020204" pitchFamily="34" charset="0"/>
+              <a:cs typeface="Arial" panose="020B0604020202020204" pitchFamily="34" charset="0"/>
+            </a:endParaRPr>
+          </a:p>
+          <a:p>
             <a:endParaRPr lang="en-US" sz="1800" dirty="0">
               <a:latin typeface="Arial" panose="020B0604020202020204" pitchFamily="34" charset="0"/>
               <a:cs typeface="Arial" panose="020B0604020202020204" pitchFamily="34" charset="0"/>
@@ -8992,7 +9686,7 @@
 </p:sld>
 </file>
 
-<file path=ppt/slides/slide21.xml><?xml version="1.0" encoding="utf-8"?>
+<file path=ppt/slides/slide24.xml><?xml version="1.0" encoding="utf-8"?>
 <p:sld xmlns:a="http://schemas.openxmlformats.org/drawingml/2006/main" xmlns:r="http://schemas.openxmlformats.org/officeDocument/2006/relationships" xmlns:p="http://schemas.openxmlformats.org/presentationml/2006/main">
   <p:cSld>
     <p:bg>
@@ -9424,7 +10118,7 @@
 </p:sld>
 </file>
 
-<file path=ppt/slides/slide22.xml><?xml version="1.0" encoding="utf-8"?>
+<file path=ppt/slides/slide25.xml><?xml version="1.0" encoding="utf-8"?>
 <p:sld xmlns:a="http://schemas.openxmlformats.org/drawingml/2006/main" xmlns:r="http://schemas.openxmlformats.org/officeDocument/2006/relationships" xmlns:p="http://schemas.openxmlformats.org/presentationml/2006/main">
   <p:cSld>
     <p:bg>
@@ -11206,7 +11900,7 @@
                 <a:latin typeface="Arial" panose="020B0604020202020204" pitchFamily="34" charset="0"/>
                 <a:cs typeface="Arial" panose="020B0604020202020204" pitchFamily="34" charset="0"/>
               </a:rPr>
-              <a:t>Visualize a data set:</a:t>
+              <a:t>Visualize dataset:</a:t>
             </a:r>
           </a:p>
           <a:p>
@@ -11222,11 +11916,11 @@
                 <a:latin typeface="Arial" panose="020B0604020202020204" pitchFamily="34" charset="0"/>
                 <a:cs typeface="Arial" panose="020B0604020202020204" pitchFamily="34" charset="0"/>
               </a:rPr>
-              <a:t>	Get the data set:</a:t>
+              <a:t>	Get the data:</a:t>
             </a:r>
           </a:p>
           <a:p>
-            <a:pPr marL="742950" lvl="1" indent="-285750" algn="l">
+            <a:pPr marL="742950" lvl="1" indent="-285750">
               <a:buFont typeface="Arial" panose="020B0604020202020204" pitchFamily="34" charset="0"/>
               <a:buChar char="•"/>
             </a:pPr>
@@ -11239,7 +11933,7 @@
                 <a:latin typeface="Arial" panose="020B0604020202020204" pitchFamily="34" charset="0"/>
                 <a:cs typeface="Arial" panose="020B0604020202020204" pitchFamily="34" charset="0"/>
               </a:rPr>
-              <a:t>The BFRO provides sighting data in numbers of different formats. </a:t>
+              <a:t>The BFRO provides sighting data in numbers of different formats. Use the CSV dataset  to convert database.</a:t>
             </a:r>
           </a:p>
           <a:p>
@@ -11248,22 +11942,15 @@
               <a:buChar char="•"/>
             </a:pPr>
             <a:r>
-              <a:rPr lang="en-US" sz="1800" b="0" i="0" dirty="0">
+              <a:rPr lang="en-US" sz="1800" dirty="0">
                 <a:solidFill>
                   <a:srgbClr val="24292F"/>
                 </a:solidFill>
-                <a:effectLst/>
                 <a:latin typeface="Arial" panose="020B0604020202020204" pitchFamily="34" charset="0"/>
                 <a:cs typeface="Arial" panose="020B0604020202020204" pitchFamily="34" charset="0"/>
               </a:rPr>
-              <a:t>Use the CSV dataset  to convert database.</a:t>
+              <a:t>The online article “The 10 Most Convincing Bigfoot Sightings” from The Outside journalism website. </a:t>
             </a:r>
-          </a:p>
-          <a:p>
-            <a:pPr marL="742950" lvl="1" indent="-285750" algn="l">
-              <a:buFont typeface="Arial" panose="020B0604020202020204" pitchFamily="34" charset="0"/>
-              <a:buChar char="•"/>
-            </a:pPr>
             <a:endParaRPr lang="en-US" sz="1800" b="0" i="0" dirty="0">
               <a:solidFill>
                 <a:srgbClr val="24292F"/>
@@ -11303,29 +11990,7 @@
                 <a:latin typeface="Arial" panose="020B0604020202020204" pitchFamily="34" charset="0"/>
                 <a:cs typeface="Arial" panose="020B0604020202020204" pitchFamily="34" charset="0"/>
               </a:rPr>
-              <a:t>Create a map using Leaflet that plots all of the sightings from the database based on their longitude and latitude, including 3 </a:t>
-            </a:r>
-            <a:r>
-              <a:rPr lang="en-US" sz="1800" b="0" i="0" dirty="0" err="1">
-                <a:solidFill>
-                  <a:srgbClr val="24292F"/>
-                </a:solidFill>
-                <a:effectLst/>
-                <a:latin typeface="Arial" panose="020B0604020202020204" pitchFamily="34" charset="0"/>
-                <a:cs typeface="Arial" panose="020B0604020202020204" pitchFamily="34" charset="0"/>
-              </a:rPr>
-              <a:t>basemaps</a:t>
-            </a:r>
-            <a:r>
-              <a:rPr lang="en-US" sz="1800" b="0" i="0" dirty="0">
-                <a:solidFill>
-                  <a:srgbClr val="24292F"/>
-                </a:solidFill>
-                <a:effectLst/>
-                <a:latin typeface="Arial" panose="020B0604020202020204" pitchFamily="34" charset="0"/>
-                <a:cs typeface="Arial" panose="020B0604020202020204" pitchFamily="34" charset="0"/>
-              </a:rPr>
-              <a:t>: Satellite, Street, Topographical. </a:t>
+              <a:t>Create a map using Leaflet that plots the sightings from the database based on their longitude and latitude, including 3 base maps: Satellite, Street, Topographical. </a:t>
             </a:r>
           </a:p>
           <a:p>
@@ -11361,6 +12026,102 @@
               </a:rPr>
               <a:t>The popups provide detail information about the sighting when a marker is clicked.</a:t>
             </a:r>
+          </a:p>
+          <a:p>
+            <a:pPr marL="742950" lvl="1" indent="-285750" algn="l">
+              <a:buFont typeface="Arial" panose="020B0604020202020204" pitchFamily="34" charset="0"/>
+              <a:buChar char="•"/>
+            </a:pPr>
+            <a:r>
+              <a:rPr lang="en-US" sz="1800" dirty="0">
+                <a:solidFill>
+                  <a:srgbClr val="24292F"/>
+                </a:solidFill>
+                <a:latin typeface="Arial" panose="020B0604020202020204" pitchFamily="34" charset="0"/>
+                <a:cs typeface="Arial" panose="020B0604020202020204" pitchFamily="34" charset="0"/>
+              </a:rPr>
+              <a:t>Plotting bar char and line chart show sighting distribution by class and by year.</a:t>
+            </a:r>
+          </a:p>
+          <a:p>
+            <a:pPr marL="742950" lvl="1" indent="-285750" algn="l">
+              <a:buFont typeface="Arial" panose="020B0604020202020204" pitchFamily="34" charset="0"/>
+              <a:buChar char="•"/>
+            </a:pPr>
+            <a:r>
+              <a:rPr lang="en-US" sz="1800" b="0" i="0" dirty="0">
+                <a:solidFill>
+                  <a:srgbClr val="24292F"/>
+                </a:solidFill>
+                <a:effectLst/>
+                <a:latin typeface="Arial" panose="020B0604020202020204" pitchFamily="34" charset="0"/>
+                <a:cs typeface="Arial" panose="020B0604020202020204" pitchFamily="34" charset="0"/>
+              </a:rPr>
+              <a:t>Scrap</a:t>
+            </a:r>
+            <a:r>
+              <a:rPr lang="en-US" sz="1800" dirty="0">
+                <a:solidFill>
+                  <a:srgbClr val="24292F"/>
+                </a:solidFill>
+                <a:latin typeface="Arial" panose="020B0604020202020204" pitchFamily="34" charset="0"/>
+                <a:cs typeface="Arial" panose="020B0604020202020204" pitchFamily="34" charset="0"/>
+              </a:rPr>
+              <a:t>ing bigfoot image from </a:t>
+            </a:r>
+            <a:r>
+              <a:rPr lang="en-US" sz="1800" dirty="0">
+                <a:solidFill>
+                  <a:srgbClr val="24292F"/>
+                </a:solidFill>
+                <a:latin typeface="Arial" panose="020B0604020202020204" pitchFamily="34" charset="0"/>
+                <a:cs typeface="Arial" panose="020B0604020202020204" pitchFamily="34" charset="0"/>
+                <a:hlinkClick r:id="rId2"/>
+              </a:rPr>
+              <a:t>https://cdn.pixabay.com/</a:t>
+            </a:r>
+            <a:endParaRPr lang="en-US" sz="1800" dirty="0">
+              <a:solidFill>
+                <a:srgbClr val="24292F"/>
+              </a:solidFill>
+              <a:latin typeface="Arial" panose="020B0604020202020204" pitchFamily="34" charset="0"/>
+              <a:cs typeface="Arial" panose="020B0604020202020204" pitchFamily="34" charset="0"/>
+            </a:endParaRPr>
+          </a:p>
+          <a:p>
+            <a:pPr marL="742950" lvl="1" indent="-285750" algn="l">
+              <a:buFont typeface="Arial" panose="020B0604020202020204" pitchFamily="34" charset="0"/>
+              <a:buChar char="•"/>
+            </a:pPr>
+            <a:r>
+              <a:rPr lang="en-US" sz="1800" dirty="0">
+                <a:solidFill>
+                  <a:srgbClr val="24292F"/>
+                </a:solidFill>
+                <a:latin typeface="Arial" panose="020B0604020202020204" pitchFamily="34" charset="0"/>
+                <a:cs typeface="Arial" panose="020B0604020202020204" pitchFamily="34" charset="0"/>
+              </a:rPr>
+              <a:t>Scraping news and images from </a:t>
+            </a:r>
+            <a:r>
+              <a:rPr lang="en-US" sz="1800" dirty="0">
+                <a:solidFill>
+                  <a:srgbClr val="24292F"/>
+                </a:solidFill>
+                <a:latin typeface="Arial" panose="020B0604020202020204" pitchFamily="34" charset="0"/>
+                <a:cs typeface="Arial" panose="020B0604020202020204" pitchFamily="34" charset="0"/>
+                <a:hlinkClick r:id="rId3"/>
+              </a:rPr>
+              <a:t>www.outsideonline.com</a:t>
+            </a:r>
+            <a:endParaRPr lang="en-US" sz="1800" b="0" i="0" dirty="0">
+              <a:solidFill>
+                <a:srgbClr val="24292F"/>
+              </a:solidFill>
+              <a:effectLst/>
+              <a:latin typeface="Arial" panose="020B0604020202020204" pitchFamily="34" charset="0"/>
+              <a:cs typeface="Arial" panose="020B0604020202020204" pitchFamily="34" charset="0"/>
+            </a:endParaRPr>
           </a:p>
           <a:p>
             <a:pPr marL="742950" lvl="1" indent="-285750" algn="l">
@@ -12057,21 +12818,21 @@
 </file>
 
 <file path=customXml/item1.xml><?xml version="1.0" encoding="utf-8"?>
+<p:properties xmlns:p="http://schemas.microsoft.com/office/2006/metadata/properties" xmlns:xsi="http://www.w3.org/2001/XMLSchema-instance" xmlns:pc="http://schemas.microsoft.com/office/infopath/2007/PartnerControls">
+  <documentManagement>
+    <Status xmlns="71af3243-3dd4-4a8d-8c0d-dd76da1f02a5">Not started</Status>
+    <MediaServiceKeyPoints xmlns="71af3243-3dd4-4a8d-8c0d-dd76da1f02a5" xsi:nil="true"/>
+  </documentManagement>
+</p:properties>
+</file>
+
+<file path=customXml/item2.xml><?xml version="1.0" encoding="utf-8"?>
 <?mso-contentType ?>
 <FormTemplates xmlns="http://schemas.microsoft.com/sharepoint/v3/contenttype/forms">
   <Display>DocumentLibraryForm</Display>
   <Edit>DocumentLibraryForm</Edit>
   <New>DocumentLibraryForm</New>
 </FormTemplates>
-</file>
-
-<file path=customXml/item2.xml><?xml version="1.0" encoding="utf-8"?>
-<p:properties xmlns:p="http://schemas.microsoft.com/office/2006/metadata/properties" xmlns:xsi="http://www.w3.org/2001/XMLSchema-instance" xmlns:pc="http://schemas.microsoft.com/office/infopath/2007/PartnerControls">
-  <documentManagement>
-    <Status xmlns="71af3243-3dd4-4a8d-8c0d-dd76da1f02a5">Not started</Status>
-    <MediaServiceKeyPoints xmlns="71af3243-3dd4-4a8d-8c0d-dd76da1f02a5" xsi:nil="true"/>
-  </documentManagement>
-</p:properties>
 </file>
 
 <file path=customXml/item3.xml><?xml version="1.0" encoding="utf-8"?>
@@ -12296,19 +13057,19 @@
 </file>
 
 <file path=customXml/itemProps1.xml><?xml version="1.0" encoding="utf-8"?>
-<ds:datastoreItem xmlns:ds="http://schemas.openxmlformats.org/officeDocument/2006/customXml" ds:itemID="{B116C154-5A0F-4CDC-8C15-D2E21584649C}">
+<ds:datastoreItem xmlns:ds="http://schemas.openxmlformats.org/officeDocument/2006/customXml" ds:itemID="{3A6D3478-2986-4664-940C-67E0CAA21E04}">
   <ds:schemaRefs>
-    <ds:schemaRef ds:uri="http://schemas.microsoft.com/sharepoint/v3/contenttype/forms"/>
+    <ds:schemaRef ds:uri="http://schemas.microsoft.com/office/2006/metadata/properties"/>
+    <ds:schemaRef ds:uri="http://schemas.microsoft.com/office/infopath/2007/PartnerControls"/>
+    <ds:schemaRef ds:uri="71af3243-3dd4-4a8d-8c0d-dd76da1f02a5"/>
   </ds:schemaRefs>
 </ds:datastoreItem>
 </file>
 
 <file path=customXml/itemProps2.xml><?xml version="1.0" encoding="utf-8"?>
-<ds:datastoreItem xmlns:ds="http://schemas.openxmlformats.org/officeDocument/2006/customXml" ds:itemID="{3A6D3478-2986-4664-940C-67E0CAA21E04}">
+<ds:datastoreItem xmlns:ds="http://schemas.openxmlformats.org/officeDocument/2006/customXml" ds:itemID="{B116C154-5A0F-4CDC-8C15-D2E21584649C}">
   <ds:schemaRefs>
-    <ds:schemaRef ds:uri="http://schemas.microsoft.com/office/2006/metadata/properties"/>
-    <ds:schemaRef ds:uri="http://schemas.microsoft.com/office/infopath/2007/PartnerControls"/>
-    <ds:schemaRef ds:uri="71af3243-3dd4-4a8d-8c0d-dd76da1f02a5"/>
+    <ds:schemaRef ds:uri="http://schemas.microsoft.com/sharepoint/v3/contenttype/forms"/>
   </ds:schemaRefs>
 </ds:datastoreItem>
 </file>

--- a/Team 3.pptx
+++ b/Team 3.pptx
@@ -8343,8 +8343,8 @@
         </p:blipFill>
         <p:spPr>
           <a:xfrm>
-            <a:off x="4286334" y="495927"/>
-            <a:ext cx="4208309" cy="5896406"/>
+            <a:off x="4326667" y="495927"/>
+            <a:ext cx="3874422" cy="5896406"/>
           </a:xfrm>
           <a:prstGeom prst="rect">
             <a:avLst/>
